--- a/EfficientNet/report/NASNet&EfficientNet_2.pptx
+++ b/EfficientNet/report/NASNet&EfficientNet_2.pptx
@@ -5,21 +5,19 @@
     <p:sldMasterId id="2147483648" r:id="rId1"/>
   </p:sldMasterIdLst>
   <p:notesMasterIdLst>
-    <p:notesMasterId r:id="rId14"/>
+    <p:notesMasterId r:id="rId12"/>
   </p:notesMasterIdLst>
   <p:sldIdLst>
     <p:sldId id="256" r:id="rId2"/>
     <p:sldId id="395" r:id="rId3"/>
     <p:sldId id="443" r:id="rId4"/>
-    <p:sldId id="434" r:id="rId5"/>
-    <p:sldId id="439" r:id="rId6"/>
-    <p:sldId id="435" r:id="rId7"/>
-    <p:sldId id="436" r:id="rId8"/>
-    <p:sldId id="437" r:id="rId9"/>
-    <p:sldId id="440" r:id="rId10"/>
-    <p:sldId id="438" r:id="rId11"/>
-    <p:sldId id="441" r:id="rId12"/>
-    <p:sldId id="442" r:id="rId13"/>
+    <p:sldId id="448" r:id="rId5"/>
+    <p:sldId id="444" r:id="rId6"/>
+    <p:sldId id="451" r:id="rId7"/>
+    <p:sldId id="445" r:id="rId8"/>
+    <p:sldId id="449" r:id="rId9"/>
+    <p:sldId id="450" r:id="rId10"/>
+    <p:sldId id="446" r:id="rId11"/>
   </p:sldIdLst>
   <p:sldSz cx="12192000" cy="6858000"/>
   <p:notesSz cx="6858000" cy="9144000"/>
@@ -208,7 +206,7 @@
           <a:p>
             <a:fld id="{8E57C4F2-DA80-4C96-9710-C8EF5A95F347}" type="datetimeFigureOut">
               <a:rPr lang="ko-KR" altLang="en-US" smtClean="0"/>
-              <a:t>2024-07-23</a:t>
+              <a:t>2024-07-29</a:t>
             </a:fld>
             <a:endParaRPr lang="ko-KR" altLang="en-US"/>
           </a:p>
@@ -624,7 +622,7 @@
           <a:p>
             <a:fld id="{9DD505CA-08AA-4CF8-A0B2-69FFBEE06675}" type="slidenum">
               <a:rPr lang="ko-KR" altLang="en-US" smtClean="0"/>
-              <a:t>6</a:t>
+              <a:t>4</a:t>
             </a:fld>
             <a:endParaRPr lang="ko-KR" altLang="en-US"/>
           </a:p>
@@ -633,259 +631,7 @@
     </p:spTree>
     <p:extLst>
       <p:ext uri="{BB962C8B-B14F-4D97-AF65-F5344CB8AC3E}">
-        <p14:creationId xmlns:p14="http://schemas.microsoft.com/office/powerpoint/2010/main" val="3331100119"/>
-      </p:ext>
-    </p:extLst>
-  </p:cSld>
-  <p:clrMapOvr>
-    <a:masterClrMapping/>
-  </p:clrMapOvr>
-</p:notes>
-</file>
-
-<file path=ppt/notesSlides/notesSlide3.xml><?xml version="1.0" encoding="utf-8"?>
-<p:notes xmlns:a="http://schemas.openxmlformats.org/drawingml/2006/main" xmlns:r="http://schemas.openxmlformats.org/officeDocument/2006/relationships" xmlns:p="http://schemas.openxmlformats.org/presentationml/2006/main">
-  <p:cSld>
-    <p:spTree>
-      <p:nvGrpSpPr>
-        <p:cNvPr id="1" name=""/>
-        <p:cNvGrpSpPr/>
-        <p:nvPr/>
-      </p:nvGrpSpPr>
-      <p:grpSpPr>
-        <a:xfrm>
-          <a:off x="0" y="0"/>
-          <a:ext cx="0" cy="0"/>
-          <a:chOff x="0" y="0"/>
-          <a:chExt cx="0" cy="0"/>
-        </a:xfrm>
-      </p:grpSpPr>
-      <p:sp>
-        <p:nvSpPr>
-          <p:cNvPr id="2" name="슬라이드 이미지 개체 틀 1"/>
-          <p:cNvSpPr>
-            <a:spLocks noGrp="1" noRot="1" noChangeAspect="1"/>
-          </p:cNvSpPr>
-          <p:nvPr>
-            <p:ph type="sldImg"/>
-          </p:nvPr>
-        </p:nvSpPr>
-        <p:spPr/>
-      </p:sp>
-      <p:sp>
-        <p:nvSpPr>
-          <p:cNvPr id="3" name="슬라이드 노트 개체 틀 2"/>
-          <p:cNvSpPr>
-            <a:spLocks noGrp="1"/>
-          </p:cNvSpPr>
-          <p:nvPr>
-            <p:ph type="body" idx="1"/>
-          </p:nvPr>
-        </p:nvSpPr>
-        <p:spPr/>
-        <p:txBody>
-          <a:bodyPr/>
-          <a:lstStyle/>
-          <a:p>
-            <a:endParaRPr lang="ko-KR" altLang="en-US"/>
-          </a:p>
-        </p:txBody>
-      </p:sp>
-      <p:sp>
-        <p:nvSpPr>
-          <p:cNvPr id="4" name="슬라이드 번호 개체 틀 3"/>
-          <p:cNvSpPr>
-            <a:spLocks noGrp="1"/>
-          </p:cNvSpPr>
-          <p:nvPr>
-            <p:ph type="sldNum" sz="quarter" idx="5"/>
-          </p:nvPr>
-        </p:nvSpPr>
-        <p:spPr/>
-        <p:txBody>
-          <a:bodyPr/>
-          <a:lstStyle/>
-          <a:p>
-            <a:fld id="{9DD505CA-08AA-4CF8-A0B2-69FFBEE06675}" type="slidenum">
-              <a:rPr lang="ko-KR" altLang="en-US" smtClean="0"/>
-              <a:t>8</a:t>
-            </a:fld>
-            <a:endParaRPr lang="ko-KR" altLang="en-US"/>
-          </a:p>
-        </p:txBody>
-      </p:sp>
-    </p:spTree>
-    <p:extLst>
-      <p:ext uri="{BB962C8B-B14F-4D97-AF65-F5344CB8AC3E}">
-        <p14:creationId xmlns:p14="http://schemas.microsoft.com/office/powerpoint/2010/main" val="3287238443"/>
-      </p:ext>
-    </p:extLst>
-  </p:cSld>
-  <p:clrMapOvr>
-    <a:masterClrMapping/>
-  </p:clrMapOvr>
-</p:notes>
-</file>
-
-<file path=ppt/notesSlides/notesSlide4.xml><?xml version="1.0" encoding="utf-8"?>
-<p:notes xmlns:a="http://schemas.openxmlformats.org/drawingml/2006/main" xmlns:r="http://schemas.openxmlformats.org/officeDocument/2006/relationships" xmlns:p="http://schemas.openxmlformats.org/presentationml/2006/main">
-  <p:cSld>
-    <p:spTree>
-      <p:nvGrpSpPr>
-        <p:cNvPr id="1" name=""/>
-        <p:cNvGrpSpPr/>
-        <p:nvPr/>
-      </p:nvGrpSpPr>
-      <p:grpSpPr>
-        <a:xfrm>
-          <a:off x="0" y="0"/>
-          <a:ext cx="0" cy="0"/>
-          <a:chOff x="0" y="0"/>
-          <a:chExt cx="0" cy="0"/>
-        </a:xfrm>
-      </p:grpSpPr>
-      <p:sp>
-        <p:nvSpPr>
-          <p:cNvPr id="2" name="슬라이드 이미지 개체 틀 1"/>
-          <p:cNvSpPr>
-            <a:spLocks noGrp="1" noRot="1" noChangeAspect="1"/>
-          </p:cNvSpPr>
-          <p:nvPr>
-            <p:ph type="sldImg"/>
-          </p:nvPr>
-        </p:nvSpPr>
-        <p:spPr/>
-      </p:sp>
-      <p:sp>
-        <p:nvSpPr>
-          <p:cNvPr id="3" name="슬라이드 노트 개체 틀 2"/>
-          <p:cNvSpPr>
-            <a:spLocks noGrp="1"/>
-          </p:cNvSpPr>
-          <p:nvPr>
-            <p:ph type="body" idx="1"/>
-          </p:nvPr>
-        </p:nvSpPr>
-        <p:spPr/>
-        <p:txBody>
-          <a:bodyPr/>
-          <a:lstStyle/>
-          <a:p>
-            <a:endParaRPr lang="ko-KR" altLang="en-US"/>
-          </a:p>
-        </p:txBody>
-      </p:sp>
-      <p:sp>
-        <p:nvSpPr>
-          <p:cNvPr id="4" name="슬라이드 번호 개체 틀 3"/>
-          <p:cNvSpPr>
-            <a:spLocks noGrp="1"/>
-          </p:cNvSpPr>
-          <p:nvPr>
-            <p:ph type="sldNum" sz="quarter" idx="5"/>
-          </p:nvPr>
-        </p:nvSpPr>
-        <p:spPr/>
-        <p:txBody>
-          <a:bodyPr/>
-          <a:lstStyle/>
-          <a:p>
-            <a:fld id="{9DD505CA-08AA-4CF8-A0B2-69FFBEE06675}" type="slidenum">
-              <a:rPr lang="ko-KR" altLang="en-US" smtClean="0"/>
-              <a:t>10</a:t>
-            </a:fld>
-            <a:endParaRPr lang="ko-KR" altLang="en-US"/>
-          </a:p>
-        </p:txBody>
-      </p:sp>
-    </p:spTree>
-    <p:extLst>
-      <p:ext uri="{BB962C8B-B14F-4D97-AF65-F5344CB8AC3E}">
-        <p14:creationId xmlns:p14="http://schemas.microsoft.com/office/powerpoint/2010/main" val="3608091283"/>
-      </p:ext>
-    </p:extLst>
-  </p:cSld>
-  <p:clrMapOvr>
-    <a:masterClrMapping/>
-  </p:clrMapOvr>
-</p:notes>
-</file>
-
-<file path=ppt/notesSlides/notesSlide5.xml><?xml version="1.0" encoding="utf-8"?>
-<p:notes xmlns:a="http://schemas.openxmlformats.org/drawingml/2006/main" xmlns:r="http://schemas.openxmlformats.org/officeDocument/2006/relationships" xmlns:p="http://schemas.openxmlformats.org/presentationml/2006/main">
-  <p:cSld>
-    <p:spTree>
-      <p:nvGrpSpPr>
-        <p:cNvPr id="1" name=""/>
-        <p:cNvGrpSpPr/>
-        <p:nvPr/>
-      </p:nvGrpSpPr>
-      <p:grpSpPr>
-        <a:xfrm>
-          <a:off x="0" y="0"/>
-          <a:ext cx="0" cy="0"/>
-          <a:chOff x="0" y="0"/>
-          <a:chExt cx="0" cy="0"/>
-        </a:xfrm>
-      </p:grpSpPr>
-      <p:sp>
-        <p:nvSpPr>
-          <p:cNvPr id="2" name="슬라이드 이미지 개체 틀 1"/>
-          <p:cNvSpPr>
-            <a:spLocks noGrp="1" noRot="1" noChangeAspect="1"/>
-          </p:cNvSpPr>
-          <p:nvPr>
-            <p:ph type="sldImg"/>
-          </p:nvPr>
-        </p:nvSpPr>
-        <p:spPr/>
-      </p:sp>
-      <p:sp>
-        <p:nvSpPr>
-          <p:cNvPr id="3" name="슬라이드 노트 개체 틀 2"/>
-          <p:cNvSpPr>
-            <a:spLocks noGrp="1"/>
-          </p:cNvSpPr>
-          <p:nvPr>
-            <p:ph type="body" idx="1"/>
-          </p:nvPr>
-        </p:nvSpPr>
-        <p:spPr/>
-        <p:txBody>
-          <a:bodyPr/>
-          <a:lstStyle/>
-          <a:p>
-            <a:endParaRPr lang="ko-KR" altLang="en-US"/>
-          </a:p>
-        </p:txBody>
-      </p:sp>
-      <p:sp>
-        <p:nvSpPr>
-          <p:cNvPr id="4" name="슬라이드 번호 개체 틀 3"/>
-          <p:cNvSpPr>
-            <a:spLocks noGrp="1"/>
-          </p:cNvSpPr>
-          <p:nvPr>
-            <p:ph type="sldNum" sz="quarter" idx="5"/>
-          </p:nvPr>
-        </p:nvSpPr>
-        <p:spPr/>
-        <p:txBody>
-          <a:bodyPr/>
-          <a:lstStyle/>
-          <a:p>
-            <a:fld id="{9DD505CA-08AA-4CF8-A0B2-69FFBEE06675}" type="slidenum">
-              <a:rPr lang="ko-KR" altLang="en-US" smtClean="0"/>
-              <a:t>11</a:t>
-            </a:fld>
-            <a:endParaRPr lang="ko-KR" altLang="en-US"/>
-          </a:p>
-        </p:txBody>
-      </p:sp>
-    </p:spTree>
-    <p:extLst>
-      <p:ext uri="{BB962C8B-B14F-4D97-AF65-F5344CB8AC3E}">
-        <p14:creationId xmlns:p14="http://schemas.microsoft.com/office/powerpoint/2010/main" val="2256472315"/>
+        <p14:creationId xmlns:p14="http://schemas.microsoft.com/office/powerpoint/2010/main" val="4158060455"/>
       </p:ext>
     </p:extLst>
   </p:cSld>
@@ -1042,7 +788,7 @@
           <a:p>
             <a:fld id="{26ED23D4-8C4C-4EF9-B298-D5B0898CBB10}" type="datetime1">
               <a:rPr lang="ko-KR" altLang="en-US" smtClean="0"/>
-              <a:t>2024-07-23</a:t>
+              <a:t>2024-07-29</a:t>
             </a:fld>
             <a:endParaRPr lang="ko-KR" altLang="en-US"/>
           </a:p>
@@ -1240,7 +986,7 @@
           <a:p>
             <a:fld id="{FC894F00-8F8F-461E-8067-48A20B1CEE86}" type="datetime1">
               <a:rPr lang="ko-KR" altLang="en-US" smtClean="0"/>
-              <a:t>2024-07-23</a:t>
+              <a:t>2024-07-29</a:t>
             </a:fld>
             <a:endParaRPr lang="ko-KR" altLang="en-US"/>
           </a:p>
@@ -1448,7 +1194,7 @@
           <a:p>
             <a:fld id="{3736EE17-CD8C-49DE-8239-FC91CDD3E7A3}" type="datetime1">
               <a:rPr lang="ko-KR" altLang="en-US" smtClean="0"/>
-              <a:t>2024-07-23</a:t>
+              <a:t>2024-07-29</a:t>
             </a:fld>
             <a:endParaRPr lang="ko-KR" altLang="en-US"/>
           </a:p>
@@ -1618,7 +1364,7 @@
           <a:p>
             <a:fld id="{64260946-7682-4D6E-A4AF-15DEB6CA6F00}" type="datetime1">
               <a:rPr lang="ko-KR" altLang="en-US" smtClean="0"/>
-              <a:t>2024-07-23</a:t>
+              <a:t>2024-07-29</a:t>
             </a:fld>
             <a:endParaRPr lang="ko-KR" altLang="en-US"/>
           </a:p>
@@ -2035,7 +1781,7 @@
           <a:p>
             <a:fld id="{C2AD9EE6-397A-4268-9E86-90D4EE1A8497}" type="datetime1">
               <a:rPr lang="ko-KR" altLang="en-US" smtClean="0"/>
-              <a:t>2024-07-23</a:t>
+              <a:t>2024-07-29</a:t>
             </a:fld>
             <a:endParaRPr lang="ko-KR" altLang="en-US"/>
           </a:p>
@@ -2300,7 +2046,7 @@
           <a:p>
             <a:fld id="{4D3509BB-7058-4071-8488-D2F9CB71F04E}" type="datetime1">
               <a:rPr lang="ko-KR" altLang="en-US" smtClean="0"/>
-              <a:t>2024-07-23</a:t>
+              <a:t>2024-07-29</a:t>
             </a:fld>
             <a:endParaRPr lang="ko-KR" altLang="en-US"/>
           </a:p>
@@ -2712,7 +2458,7 @@
           <a:p>
             <a:fld id="{D8CEAD37-90CA-4850-8F12-1DC3BE28F3D1}" type="datetime1">
               <a:rPr lang="ko-KR" altLang="en-US" smtClean="0"/>
-              <a:t>2024-07-23</a:t>
+              <a:t>2024-07-29</a:t>
             </a:fld>
             <a:endParaRPr lang="ko-KR" altLang="en-US"/>
           </a:p>
@@ -2853,7 +2599,7 @@
           <a:p>
             <a:fld id="{37B5F803-F22B-457A-BE59-A33AE206A8C8}" type="datetime1">
               <a:rPr lang="ko-KR" altLang="en-US" smtClean="0"/>
-              <a:t>2024-07-23</a:t>
+              <a:t>2024-07-29</a:t>
             </a:fld>
             <a:endParaRPr lang="ko-KR" altLang="en-US"/>
           </a:p>
@@ -2966,7 +2712,7 @@
           <a:p>
             <a:fld id="{BBE2464D-EB7C-45C7-8B3C-5A9CCDC884B8}" type="datetime1">
               <a:rPr lang="ko-KR" altLang="en-US" smtClean="0"/>
-              <a:t>2024-07-23</a:t>
+              <a:t>2024-07-29</a:t>
             </a:fld>
             <a:endParaRPr lang="ko-KR" altLang="en-US"/>
           </a:p>
@@ -3277,7 +3023,7 @@
           <a:p>
             <a:fld id="{62E5112F-140F-4384-9395-3DE2D97B29A3}" type="datetime1">
               <a:rPr lang="ko-KR" altLang="en-US" smtClean="0"/>
-              <a:t>2024-07-23</a:t>
+              <a:t>2024-07-29</a:t>
             </a:fld>
             <a:endParaRPr lang="ko-KR" altLang="en-US"/>
           </a:p>
@@ -3568,7 +3314,7 @@
           <a:p>
             <a:fld id="{BF77A509-93E9-41D0-B404-AC73D99EFC86}" type="datetime1">
               <a:rPr lang="ko-KR" altLang="en-US" smtClean="0"/>
-              <a:t>2024-07-23</a:t>
+              <a:t>2024-07-29</a:t>
             </a:fld>
             <a:endParaRPr lang="ko-KR" altLang="en-US"/>
           </a:p>
@@ -3809,7 +3555,7 @@
           <a:p>
             <a:fld id="{38F4DE36-4BCC-47CC-84FD-821E9EA95BC8}" type="datetime1">
               <a:rPr lang="ko-KR" altLang="en-US" smtClean="0"/>
-              <a:t>2024-07-23</a:t>
+              <a:t>2024-07-29</a:t>
             </a:fld>
             <a:endParaRPr lang="ko-KR" altLang="en-US"/>
           </a:p>
@@ -4396,7 +4142,7 @@
           <p:cNvPr id="2" name="내용 개체 틀 1">
             <a:extLst>
               <a:ext uri="{FF2B5EF4-FFF2-40B4-BE49-F238E27FC236}">
-                <a16:creationId xmlns:a16="http://schemas.microsoft.com/office/drawing/2014/main" id="{3042EC07-820C-26A2-FB24-8D0A435B31A3}"/>
+                <a16:creationId xmlns:a16="http://schemas.microsoft.com/office/drawing/2014/main" id="{D37DF697-B8AF-C41B-FB91-747776C945DF}"/>
               </a:ext>
             </a:extLst>
           </p:cNvPr>
@@ -4409,223 +4155,70 @@
         </p:nvSpPr>
         <p:spPr>
           <a:xfrm>
-            <a:off x="155415" y="1002073"/>
-            <a:ext cx="10515600" cy="5536839"/>
+            <a:off x="838200" y="1086973"/>
+            <a:ext cx="10515600" cy="4351338"/>
           </a:xfrm>
         </p:spPr>
         <p:txBody>
-          <a:bodyPr>
-            <a:normAutofit/>
-          </a:bodyPr>
-          <a:lstStyle/>
-          <a:p>
-            <a:r>
-              <a:rPr lang="en-US" altLang="ko-KR" sz="2000"/>
-              <a:t>ImageNet </a:t>
-            </a:r>
-            <a:r>
-              <a:rPr lang="ko-KR" altLang="en-US" sz="2000"/>
-              <a:t>학습</a:t>
-            </a:r>
-            <a:r>
-              <a:rPr lang="en-US" altLang="ko-KR" sz="2000"/>
-              <a:t> w EfficientNet</a:t>
+          <a:bodyPr/>
+          <a:lstStyle/>
+          <a:p>
+            <a:r>
+              <a:rPr lang="en-US" altLang="ko-KR" dirty="0"/>
+              <a:t>Cifar-10 50epochs</a:t>
+            </a:r>
+          </a:p>
+          <a:p>
+            <a:r>
+              <a:rPr lang="en-US" altLang="ko-KR" dirty="0" err="1"/>
+              <a:t>Topk</a:t>
+            </a:r>
+            <a:r>
+              <a:rPr lang="en-US" altLang="ko-KR" dirty="0"/>
+              <a:t> print, </a:t>
+            </a:r>
+            <a:r>
+              <a:rPr lang="en-US" altLang="ko-KR" dirty="0" err="1"/>
+              <a:t>autoaugment</a:t>
+            </a:r>
+            <a:r>
+              <a:rPr lang="en-US" altLang="ko-KR" dirty="0"/>
+              <a:t>, stochastic depth</a:t>
+            </a:r>
+            <a:r>
+              <a:rPr lang="ko-KR" altLang="en-US" dirty="0"/>
+              <a:t> 추가하여 진행 예정</a:t>
+            </a:r>
+            <a:endParaRPr lang="en-US" altLang="ko-KR" dirty="0"/>
+          </a:p>
+          <a:p>
+            <a:r>
+              <a:rPr lang="ko-KR" altLang="en-US" dirty="0"/>
+              <a:t>학습시간 </a:t>
+            </a:r>
+            <a:r>
+              <a:rPr lang="en-US" altLang="ko-KR" dirty="0"/>
+              <a:t>(1epoch)</a:t>
             </a:r>
           </a:p>
           <a:p>
             <a:pPr lvl="1"/>
             <a:r>
-              <a:rPr lang="en-US" altLang="ko-KR" sz="1800"/>
-              <a:t>RMSProp</a:t>
-            </a:r>
-          </a:p>
-          <a:p>
-            <a:pPr lvl="2"/>
-            <a:r>
-              <a:rPr lang="en-US" altLang="ko-KR" sz="1600"/>
-              <a:t>decay 0.9	</a:t>
-            </a:r>
-          </a:p>
-          <a:p>
-            <a:pPr lvl="2"/>
-            <a:r>
-              <a:rPr lang="en-US" altLang="ko-KR" sz="1600"/>
-              <a:t>momentum 0.9</a:t>
-            </a:r>
-          </a:p>
-          <a:p>
-            <a:pPr lvl="2"/>
-            <a:r>
-              <a:rPr lang="en-US" altLang="ko-KR" sz="1600"/>
-              <a:t>batch norm momentum 0.99</a:t>
-            </a:r>
-          </a:p>
-          <a:p>
-            <a:pPr lvl="2"/>
-            <a:r>
-              <a:rPr lang="en-US" altLang="ko-KR" sz="1600"/>
-              <a:t>weight decay 1e-5</a:t>
-            </a:r>
-          </a:p>
-          <a:p>
-            <a:pPr lvl="2"/>
-            <a:r>
-              <a:rPr lang="en-US" altLang="ko-KR" sz="1600"/>
-              <a:t>initial learning rate 0.256 </a:t>
-            </a:r>
-          </a:p>
-          <a:p>
-            <a:pPr marL="914400" lvl="2" indent="0">
-              <a:buNone/>
-            </a:pPr>
-            <a:r>
-              <a:rPr lang="en-US" altLang="ko-KR" sz="1600"/>
-              <a:t>    → 2.4 epochs </a:t>
-            </a:r>
-            <a:r>
-              <a:rPr lang="ko-KR" altLang="en-US" sz="1600"/>
-              <a:t>마다 </a:t>
-            </a:r>
-            <a:r>
-              <a:rPr lang="en-US" altLang="ko-KR" sz="1600"/>
-              <a:t>0.97</a:t>
-            </a:r>
-            <a:r>
-              <a:rPr lang="ko-KR" altLang="en-US" sz="1600"/>
-              <a:t>로 감소</a:t>
-            </a:r>
-            <a:r>
-              <a:rPr lang="en-US" altLang="ko-KR" sz="1600"/>
-              <a:t>.</a:t>
-            </a:r>
-          </a:p>
-          <a:p>
-            <a:pPr lvl="1"/>
-            <a:r>
-              <a:rPr lang="en-US" altLang="ko-KR" sz="1800"/>
-              <a:t>SiLU activation function</a:t>
-            </a:r>
-          </a:p>
-          <a:p>
-            <a:pPr lvl="1"/>
-            <a:r>
-              <a:rPr lang="en-US" altLang="ko-KR" sz="1800"/>
-              <a:t>AutoAugment</a:t>
-            </a:r>
-          </a:p>
-          <a:p>
-            <a:pPr lvl="1"/>
-            <a:r>
-              <a:rPr lang="en-US" altLang="ko-KR" sz="1800"/>
-              <a:t>stochastic depth &amp; survival probability 0.8</a:t>
-            </a:r>
-          </a:p>
-          <a:p>
-            <a:pPr lvl="1"/>
-            <a:r>
-              <a:rPr lang="en-US" altLang="ko-KR" sz="1800"/>
-              <a:t>Linearly increase dropout</a:t>
-            </a:r>
-          </a:p>
-          <a:p>
-            <a:pPr lvl="2"/>
-            <a:r>
-              <a:rPr lang="en-US" altLang="ko-KR" sz="1600"/>
-              <a:t>B0</a:t>
-            </a:r>
-            <a:r>
-              <a:rPr lang="ko-KR" altLang="en-US" sz="1600"/>
-              <a:t>는 </a:t>
-            </a:r>
-            <a:r>
-              <a:rPr lang="en-US" altLang="ko-KR" sz="1600"/>
-              <a:t>0.2, B7</a:t>
-            </a:r>
-            <a:r>
-              <a:rPr lang="ko-KR" altLang="en-US" sz="1600"/>
-              <a:t>은 </a:t>
-            </a:r>
-            <a:r>
-              <a:rPr lang="en-US" altLang="ko-KR" sz="1600"/>
-              <a:t>0.5</a:t>
-            </a:r>
-            <a:r>
-              <a:rPr lang="ko-KR" altLang="en-US" sz="1600"/>
-              <a:t>로 비율 점점 증가</a:t>
-            </a:r>
-          </a:p>
-          <a:p>
-            <a:pPr lvl="1"/>
-            <a:r>
-              <a:rPr lang="en-US" altLang="ko-KR" sz="1800"/>
-              <a:t>minival set </a:t>
-            </a:r>
-          </a:p>
-          <a:p>
-            <a:pPr lvl="2"/>
-            <a:r>
-              <a:rPr lang="en-US" altLang="ko-KR" sz="1600"/>
-              <a:t>training set</a:t>
-            </a:r>
-            <a:r>
-              <a:rPr lang="ko-KR" altLang="en-US" sz="1600"/>
-              <a:t>의 무작위 선택 </a:t>
-            </a:r>
-            <a:r>
-              <a:rPr lang="en-US" altLang="ko-KR" sz="1600"/>
-              <a:t>25K </a:t>
-            </a:r>
-            <a:r>
-              <a:rPr lang="ko-KR" altLang="en-US" sz="1600"/>
-              <a:t>사이즈의 이미지 </a:t>
-            </a:r>
-            <a:r>
-              <a:rPr lang="en-US" altLang="ko-KR" sz="1600"/>
-              <a:t>- minival set</a:t>
-            </a:r>
-            <a:r>
-              <a:rPr lang="ko-KR" altLang="en-US" sz="1600"/>
-              <a:t>에서 </a:t>
-            </a:r>
-            <a:r>
-              <a:rPr lang="en-US" altLang="ko-KR" sz="1600"/>
-              <a:t>Early Stopping.</a:t>
-            </a:r>
-          </a:p>
-          <a:p>
-            <a:pPr lvl="1"/>
-            <a:r>
-              <a:rPr lang="en-US" altLang="ko-KR" sz="1800"/>
-              <a:t>Early stopped checkpoing </a:t>
-            </a:r>
-          </a:p>
-          <a:p>
-            <a:pPr lvl="2"/>
-            <a:r>
-              <a:rPr lang="ko-KR" altLang="en-US" sz="1600"/>
-              <a:t>여기에서 </a:t>
-            </a:r>
-            <a:r>
-              <a:rPr lang="en-US" altLang="ko-KR" sz="1600"/>
-              <a:t>original validation set </a:t>
-            </a:r>
-            <a:r>
-              <a:rPr lang="ko-KR" altLang="en-US" sz="1600"/>
-              <a:t>활용하여 최종 </a:t>
-            </a:r>
-            <a:r>
-              <a:rPr lang="en-US" altLang="ko-KR" sz="1600"/>
-              <a:t>validation accuracy </a:t>
-            </a:r>
-            <a:r>
-              <a:rPr lang="ko-KR" altLang="en-US" sz="1600"/>
-              <a:t>도출</a:t>
-            </a:r>
-            <a:r>
-              <a:rPr lang="en-US" altLang="ko-KR" sz="1600"/>
-              <a:t>.</a:t>
-            </a:r>
-            <a:endParaRPr lang="ko-KR" altLang="en-US" sz="1600"/>
+              <a:rPr lang="en-US" altLang="ko-KR" dirty="0"/>
+              <a:t>Cifar-10 12</a:t>
+            </a:r>
+            <a:r>
+              <a:rPr lang="ko-KR" altLang="en-US" dirty="0"/>
+              <a:t>분</a:t>
+            </a:r>
+            <a:r>
+              <a:rPr lang="en-US" altLang="ko-KR" dirty="0"/>
+              <a:t>, ImageNet 5</a:t>
+            </a:r>
+            <a:r>
+              <a:rPr lang="ko-KR" altLang="en-US" dirty="0"/>
+              <a:t>시간</a:t>
+            </a:r>
           </a:p>
         </p:txBody>
       </p:sp>
@@ -4634,7 +4227,7 @@
           <p:cNvPr id="3" name="슬라이드 번호 개체 틀 2">
             <a:extLst>
               <a:ext uri="{FF2B5EF4-FFF2-40B4-BE49-F238E27FC236}">
-                <a16:creationId xmlns:a16="http://schemas.microsoft.com/office/drawing/2014/main" id="{89D0429C-C19D-BECF-4538-4D9E6D102A4B}"/>
+                <a16:creationId xmlns:a16="http://schemas.microsoft.com/office/drawing/2014/main" id="{CE7B07B5-52D3-ABC0-BC9C-4A7977CE046E}"/>
               </a:ext>
             </a:extLst>
           </p:cNvPr>
@@ -4663,7 +4256,7 @@
           <p:cNvPr id="4" name="제목 3">
             <a:extLst>
               <a:ext uri="{FF2B5EF4-FFF2-40B4-BE49-F238E27FC236}">
-                <a16:creationId xmlns:a16="http://schemas.microsoft.com/office/drawing/2014/main" id="{BC3D4AD3-E675-B102-EAC6-A8E1DC034F20}"/>
+                <a16:creationId xmlns:a16="http://schemas.microsoft.com/office/drawing/2014/main" id="{BABCA2B7-72B0-CFFC-4AEE-17C7AA302C09}"/>
               </a:ext>
             </a:extLst>
           </p:cNvPr>
@@ -4680,1132 +4273,47 @@
           <a:lstStyle/>
           <a:p>
             <a:r>
-              <a:rPr lang="en-US" altLang="ko-KR"/>
-              <a:t>EfficientNet – ImageNet Testing</a:t>
-            </a:r>
-            <a:endParaRPr lang="ko-KR" altLang="en-US"/>
+              <a:rPr lang="en-US" altLang="ko-KR" dirty="0"/>
+              <a:t>Training</a:t>
+            </a:r>
+            <a:endParaRPr lang="ko-KR" altLang="en-US" dirty="0"/>
           </a:p>
         </p:txBody>
       </p:sp>
       <p:pic>
         <p:nvPicPr>
-          <p:cNvPr id="5122" name="Picture 2">
-            <a:extLst>
-              <a:ext uri="{FF2B5EF4-FFF2-40B4-BE49-F238E27FC236}">
-                <a16:creationId xmlns:a16="http://schemas.microsoft.com/office/drawing/2014/main" id="{84911425-218C-FF78-97CF-435A36512FA2}"/>
+          <p:cNvPr id="6" name="그림 5">
+            <a:extLst>
+              <a:ext uri="{FF2B5EF4-FFF2-40B4-BE49-F238E27FC236}">
+                <a16:creationId xmlns:a16="http://schemas.microsoft.com/office/drawing/2014/main" id="{C81BB857-26D4-5BC2-E0C7-CDA73CDC5D52}"/>
               </a:ext>
             </a:extLst>
           </p:cNvPr>
           <p:cNvPicPr>
-            <a:picLocks noChangeAspect="1" noChangeArrowheads="1"/>
+            <a:picLocks noChangeAspect="1"/>
           </p:cNvPicPr>
           <p:nvPr/>
         </p:nvPicPr>
         <p:blipFill>
-          <a:blip r:embed="rId3">
-            <a:extLst>
-              <a:ext uri="{28A0092B-C50C-407E-A947-70E740481C1C}">
-                <a14:useLocalDpi xmlns:a14="http://schemas.microsoft.com/office/drawing/2010/main" val="0"/>
-              </a:ext>
-            </a:extLst>
-          </a:blip>
-          <a:srcRect/>
+          <a:blip r:embed="rId2"/>
           <a:stretch>
             <a:fillRect/>
           </a:stretch>
         </p:blipFill>
-        <p:spPr bwMode="auto">
+        <p:spPr>
           <a:xfrm>
-            <a:off x="8240358" y="863600"/>
-            <a:ext cx="3796227" cy="4015598"/>
+            <a:off x="1047289" y="3105661"/>
+            <a:ext cx="8568983" cy="3615814"/>
           </a:xfrm>
           <a:prstGeom prst="rect">
             <a:avLst/>
           </a:prstGeom>
-          <a:noFill/>
-          <a:extLst>
-            <a:ext uri="{909E8E84-426E-40DD-AFC4-6F175D3DCCD1}">
-              <a14:hiddenFill xmlns:a14="http://schemas.microsoft.com/office/drawing/2010/main">
-                <a:solidFill>
-                  <a:srgbClr val="FFFFFF"/>
-                </a:solidFill>
-              </a14:hiddenFill>
-            </a:ext>
-          </a:extLst>
         </p:spPr>
       </p:pic>
-      <p:pic>
-        <p:nvPicPr>
-          <p:cNvPr id="5124" name="Picture 4">
-            <a:extLst>
-              <a:ext uri="{FF2B5EF4-FFF2-40B4-BE49-F238E27FC236}">
-                <a16:creationId xmlns:a16="http://schemas.microsoft.com/office/drawing/2014/main" id="{50D5EBA9-924B-9D6E-89F8-012015DB368C}"/>
-              </a:ext>
-            </a:extLst>
-          </p:cNvPr>
-          <p:cNvPicPr>
-            <a:picLocks noChangeAspect="1" noChangeArrowheads="1"/>
-          </p:cNvPicPr>
-          <p:nvPr/>
-        </p:nvPicPr>
-        <p:blipFill rotWithShape="1">
-          <a:blip r:embed="rId4">
-            <a:extLst>
-              <a:ext uri="{28A0092B-C50C-407E-A947-70E740481C1C}">
-                <a14:useLocalDpi xmlns:a14="http://schemas.microsoft.com/office/drawing/2010/main" val="0"/>
-              </a:ext>
-            </a:extLst>
-          </a:blip>
-          <a:srcRect b="279"/>
-          <a:stretch/>
-        </p:blipFill>
-        <p:spPr bwMode="auto">
-          <a:xfrm>
-            <a:off x="4879576" y="1002073"/>
-            <a:ext cx="3360782" cy="2866394"/>
-          </a:xfrm>
-          <a:prstGeom prst="rect">
-            <a:avLst/>
-          </a:prstGeom>
-          <a:noFill/>
-          <a:extLst>
-            <a:ext uri="{909E8E84-426E-40DD-AFC4-6F175D3DCCD1}">
-              <a14:hiddenFill xmlns:a14="http://schemas.microsoft.com/office/drawing/2010/main">
-                <a:solidFill>
-                  <a:srgbClr val="FFFFFF"/>
-                </a:solidFill>
-              </a14:hiddenFill>
-            </a:ext>
-          </a:extLst>
-        </p:spPr>
-      </p:pic>
-      <p:sp>
-        <p:nvSpPr>
-          <p:cNvPr id="8" name="TextBox 7">
-            <a:extLst>
-              <a:ext uri="{FF2B5EF4-FFF2-40B4-BE49-F238E27FC236}">
-                <a16:creationId xmlns:a16="http://schemas.microsoft.com/office/drawing/2014/main" id="{C4E11F0E-4936-A647-8018-5B05EA10AB44}"/>
-              </a:ext>
-            </a:extLst>
-          </p:cNvPr>
-          <p:cNvSpPr txBox="1"/>
-          <p:nvPr/>
-        </p:nvSpPr>
-        <p:spPr>
-          <a:xfrm>
-            <a:off x="2448919" y="3709500"/>
-            <a:ext cx="2257313" cy="246221"/>
-          </a:xfrm>
-          <a:prstGeom prst="rect">
-            <a:avLst/>
-          </a:prstGeom>
-          <a:noFill/>
-        </p:spPr>
-        <p:txBody>
-          <a:bodyPr wrap="square">
-            <a:spAutoFit/>
-          </a:bodyPr>
-          <a:lstStyle/>
-          <a:p>
-            <a:r>
-              <a:rPr lang="ko-KR" altLang="en-US" sz="1000">
-                <a:hlinkClick r:id="rId5"/>
-              </a:rPr>
-              <a:t>https://arxiv.org/abs/1805.09501</a:t>
-            </a:r>
-            <a:endParaRPr lang="ko-KR" altLang="en-US" sz="1000"/>
-          </a:p>
-        </p:txBody>
-      </p:sp>
-      <p:sp>
-        <p:nvSpPr>
-          <p:cNvPr id="14" name="TextBox 13">
-            <a:extLst>
-              <a:ext uri="{FF2B5EF4-FFF2-40B4-BE49-F238E27FC236}">
-                <a16:creationId xmlns:a16="http://schemas.microsoft.com/office/drawing/2014/main" id="{68C4E44D-30FA-9D5F-FD57-3802188BA5BD}"/>
-              </a:ext>
-            </a:extLst>
-          </p:cNvPr>
-          <p:cNvSpPr txBox="1"/>
-          <p:nvPr/>
-        </p:nvSpPr>
-        <p:spPr>
-          <a:xfrm>
-            <a:off x="3336092" y="3340168"/>
-            <a:ext cx="1543484" cy="369332"/>
-          </a:xfrm>
-          <a:prstGeom prst="rect">
-            <a:avLst/>
-          </a:prstGeom>
-          <a:noFill/>
-        </p:spPr>
-        <p:txBody>
-          <a:bodyPr wrap="square">
-            <a:spAutoFit/>
-          </a:bodyPr>
-          <a:lstStyle/>
-          <a:p>
-            <a:r>
-              <a:rPr lang="ko-KR" altLang="en-US" sz="900">
-                <a:hlinkClick r:id="rId6"/>
-              </a:rPr>
-              <a:t>https://arxiv.org/pdf/1710.05941v1</a:t>
-            </a:r>
-            <a:endParaRPr lang="ko-KR" altLang="en-US" sz="900"/>
-          </a:p>
-        </p:txBody>
-      </p:sp>
     </p:spTree>
     <p:extLst>
       <p:ext uri="{BB962C8B-B14F-4D97-AF65-F5344CB8AC3E}">
-        <p14:creationId xmlns:p14="http://schemas.microsoft.com/office/powerpoint/2010/main" val="826311397"/>
-      </p:ext>
-    </p:extLst>
-  </p:cSld>
-  <p:clrMapOvr>
-    <a:masterClrMapping/>
-  </p:clrMapOvr>
-</p:sld>
-</file>
-
-<file path=ppt/slides/slide11.xml><?xml version="1.0" encoding="utf-8"?>
-<p:sld xmlns:a="http://schemas.openxmlformats.org/drawingml/2006/main" xmlns:r="http://schemas.openxmlformats.org/officeDocument/2006/relationships" xmlns:p="http://schemas.openxmlformats.org/presentationml/2006/main">
-  <p:cSld>
-    <p:spTree>
-      <p:nvGrpSpPr>
-        <p:cNvPr id="1" name=""/>
-        <p:cNvGrpSpPr/>
-        <p:nvPr/>
-      </p:nvGrpSpPr>
-      <p:grpSpPr>
-        <a:xfrm>
-          <a:off x="0" y="0"/>
-          <a:ext cx="0" cy="0"/>
-          <a:chOff x="0" y="0"/>
-          <a:chExt cx="0" cy="0"/>
-        </a:xfrm>
-      </p:grpSpPr>
-      <p:sp>
-        <p:nvSpPr>
-          <p:cNvPr id="3" name="슬라이드 번호 개체 틀 2">
-            <a:extLst>
-              <a:ext uri="{FF2B5EF4-FFF2-40B4-BE49-F238E27FC236}">
-                <a16:creationId xmlns:a16="http://schemas.microsoft.com/office/drawing/2014/main" id="{DEE57417-CE9A-EDBA-9A4E-91D0C5F2CE19}"/>
-              </a:ext>
-            </a:extLst>
-          </p:cNvPr>
-          <p:cNvSpPr>
-            <a:spLocks noGrp="1"/>
-          </p:cNvSpPr>
-          <p:nvPr>
-            <p:ph type="sldNum" sz="quarter" idx="12"/>
-          </p:nvPr>
-        </p:nvSpPr>
-        <p:spPr/>
-        <p:txBody>
-          <a:bodyPr/>
-          <a:lstStyle/>
-          <a:p>
-            <a:fld id="{697E9AA7-29BF-4588-B153-0341F1751ACF}" type="slidenum">
-              <a:rPr lang="ko-KR" altLang="en-US" smtClean="0"/>
-              <a:t>11</a:t>
-            </a:fld>
-            <a:endParaRPr lang="ko-KR" altLang="en-US"/>
-          </a:p>
-        </p:txBody>
-      </p:sp>
-      <p:sp>
-        <p:nvSpPr>
-          <p:cNvPr id="4" name="제목 3">
-            <a:extLst>
-              <a:ext uri="{FF2B5EF4-FFF2-40B4-BE49-F238E27FC236}">
-                <a16:creationId xmlns:a16="http://schemas.microsoft.com/office/drawing/2014/main" id="{5C4EBE62-5ABD-9ABC-BDA1-A5DCB39B78C4}"/>
-              </a:ext>
-            </a:extLst>
-          </p:cNvPr>
-          <p:cNvSpPr>
-            <a:spLocks noGrp="1"/>
-          </p:cNvSpPr>
-          <p:nvPr>
-            <p:ph type="title"/>
-          </p:nvPr>
-        </p:nvSpPr>
-        <p:spPr/>
-        <p:txBody>
-          <a:bodyPr/>
-          <a:lstStyle/>
-          <a:p>
-            <a:r>
-              <a:rPr lang="en-US" altLang="ko-KR"/>
-              <a:t>SiLU activation</a:t>
-            </a:r>
-            <a:endParaRPr lang="ko-KR" altLang="en-US"/>
-          </a:p>
-        </p:txBody>
-      </p:sp>
-      <p:pic>
-        <p:nvPicPr>
-          <p:cNvPr id="6146" name="Picture 2">
-            <a:extLst>
-              <a:ext uri="{FF2B5EF4-FFF2-40B4-BE49-F238E27FC236}">
-                <a16:creationId xmlns:a16="http://schemas.microsoft.com/office/drawing/2014/main" id="{923B2B14-4D99-08E7-8659-EA2B51E86F53}"/>
-              </a:ext>
-            </a:extLst>
-          </p:cNvPr>
-          <p:cNvPicPr>
-            <a:picLocks noChangeAspect="1" noChangeArrowheads="1"/>
-          </p:cNvPicPr>
-          <p:nvPr/>
-        </p:nvPicPr>
-        <p:blipFill>
-          <a:blip r:embed="rId3">
-            <a:extLst>
-              <a:ext uri="{28A0092B-C50C-407E-A947-70E740481C1C}">
-                <a14:useLocalDpi xmlns:a14="http://schemas.microsoft.com/office/drawing/2010/main" val="0"/>
-              </a:ext>
-            </a:extLst>
-          </a:blip>
-          <a:srcRect/>
-          <a:stretch>
-            <a:fillRect/>
-          </a:stretch>
-        </p:blipFill>
-        <p:spPr bwMode="auto">
-          <a:xfrm>
-            <a:off x="4351074" y="861441"/>
-            <a:ext cx="2971266" cy="2171890"/>
-          </a:xfrm>
-          <a:prstGeom prst="rect">
-            <a:avLst/>
-          </a:prstGeom>
-          <a:noFill/>
-          <a:extLst>
-            <a:ext uri="{909E8E84-426E-40DD-AFC4-6F175D3DCCD1}">
-              <a14:hiddenFill xmlns:a14="http://schemas.microsoft.com/office/drawing/2010/main">
-                <a:solidFill>
-                  <a:srgbClr val="FFFFFF"/>
-                </a:solidFill>
-              </a14:hiddenFill>
-            </a:ext>
-          </a:extLst>
-        </p:spPr>
-      </p:pic>
-      <p:sp>
-        <p:nvSpPr>
-          <p:cNvPr id="5" name="TextBox 4">
-            <a:extLst>
-              <a:ext uri="{FF2B5EF4-FFF2-40B4-BE49-F238E27FC236}">
-                <a16:creationId xmlns:a16="http://schemas.microsoft.com/office/drawing/2014/main" id="{C9A0275E-575C-7A5B-25CF-B00A55397D27}"/>
-              </a:ext>
-            </a:extLst>
-          </p:cNvPr>
-          <p:cNvSpPr txBox="1"/>
-          <p:nvPr/>
-        </p:nvSpPr>
-        <p:spPr>
-          <a:xfrm>
-            <a:off x="297287" y="4557944"/>
-            <a:ext cx="3733800" cy="954107"/>
-          </a:xfrm>
-          <a:prstGeom prst="rect">
-            <a:avLst/>
-          </a:prstGeom>
-          <a:noFill/>
-        </p:spPr>
-        <p:txBody>
-          <a:bodyPr wrap="square" rtlCol="0">
-            <a:spAutoFit/>
-          </a:bodyPr>
-          <a:lstStyle/>
-          <a:p>
-            <a:r>
-              <a:rPr lang="en-US" altLang="ko-KR" sz="1400"/>
-              <a:t>SiLU</a:t>
-            </a:r>
-            <a:r>
-              <a:rPr lang="ko-KR" altLang="en-US" sz="1400"/>
-              <a:t> </a:t>
-            </a:r>
-            <a:r>
-              <a:rPr lang="en-US" altLang="ko-KR" sz="1400"/>
-              <a:t>= Swish Function</a:t>
-            </a:r>
-          </a:p>
-          <a:p>
-            <a:endParaRPr lang="en-US" altLang="ko-KR" sz="1400"/>
-          </a:p>
-          <a:p>
-            <a:r>
-              <a:rPr lang="en-US" altLang="ko-KR" sz="1400"/>
-              <a:t>Sigmoid</a:t>
-            </a:r>
-            <a:r>
-              <a:rPr lang="ko-KR" altLang="en-US" sz="1400"/>
-              <a:t>에 입력값을 한 번 더 곱해주는 모양</a:t>
-            </a:r>
-            <a:endParaRPr lang="en-US" altLang="ko-KR" sz="1400"/>
-          </a:p>
-          <a:p>
-            <a:r>
-              <a:rPr lang="en-US" altLang="ko-KR" sz="1400"/>
-              <a:t>ReLU</a:t>
-            </a:r>
-            <a:r>
-              <a:rPr lang="ko-KR" altLang="en-US" sz="1400"/>
-              <a:t>와 비슷한 형태</a:t>
-            </a:r>
-          </a:p>
-        </p:txBody>
-      </p:sp>
-      <p:pic>
-        <p:nvPicPr>
-          <p:cNvPr id="6150" name="Picture 6">
-            <a:extLst>
-              <a:ext uri="{FF2B5EF4-FFF2-40B4-BE49-F238E27FC236}">
-                <a16:creationId xmlns:a16="http://schemas.microsoft.com/office/drawing/2014/main" id="{4C13F723-3625-40E0-D24C-EA094DF01315}"/>
-              </a:ext>
-            </a:extLst>
-          </p:cNvPr>
-          <p:cNvPicPr>
-            <a:picLocks noChangeAspect="1" noChangeArrowheads="1"/>
-          </p:cNvPicPr>
-          <p:nvPr/>
-        </p:nvPicPr>
-        <p:blipFill>
-          <a:blip r:embed="rId4">
-            <a:extLst>
-              <a:ext uri="{28A0092B-C50C-407E-A947-70E740481C1C}">
-                <a14:useLocalDpi xmlns:a14="http://schemas.microsoft.com/office/drawing/2010/main" val="0"/>
-              </a:ext>
-            </a:extLst>
-          </a:blip>
-          <a:srcRect/>
-          <a:stretch>
-            <a:fillRect/>
-          </a:stretch>
-        </p:blipFill>
-        <p:spPr bwMode="auto">
-          <a:xfrm>
-            <a:off x="8315879" y="766270"/>
-            <a:ext cx="3126205" cy="2171890"/>
-          </a:xfrm>
-          <a:prstGeom prst="rect">
-            <a:avLst/>
-          </a:prstGeom>
-          <a:noFill/>
-          <a:extLst>
-            <a:ext uri="{909E8E84-426E-40DD-AFC4-6F175D3DCCD1}">
-              <a14:hiddenFill xmlns:a14="http://schemas.microsoft.com/office/drawing/2010/main">
-                <a:solidFill>
-                  <a:srgbClr val="FFFFFF"/>
-                </a:solidFill>
-              </a14:hiddenFill>
-            </a:ext>
-          </a:extLst>
-        </p:spPr>
-      </p:pic>
-      <p:sp>
-        <p:nvSpPr>
-          <p:cNvPr id="6" name="TextBox 5">
-            <a:extLst>
-              <a:ext uri="{FF2B5EF4-FFF2-40B4-BE49-F238E27FC236}">
-                <a16:creationId xmlns:a16="http://schemas.microsoft.com/office/drawing/2014/main" id="{35D73545-EE51-1D35-308A-97A7D6FFE707}"/>
-              </a:ext>
-            </a:extLst>
-          </p:cNvPr>
-          <p:cNvSpPr txBox="1"/>
-          <p:nvPr/>
-        </p:nvSpPr>
-        <p:spPr>
-          <a:xfrm>
-            <a:off x="10115087" y="2332716"/>
-            <a:ext cx="1420582" cy="369332"/>
-          </a:xfrm>
-          <a:prstGeom prst="rect">
-            <a:avLst/>
-          </a:prstGeom>
-          <a:noFill/>
-        </p:spPr>
-        <p:txBody>
-          <a:bodyPr wrap="none" rtlCol="0">
-            <a:spAutoFit/>
-          </a:bodyPr>
-          <a:lstStyle/>
-          <a:p>
-            <a:r>
-              <a:rPr lang="ko-KR" altLang="en-US"/>
-              <a:t>미분 그래프</a:t>
-            </a:r>
-          </a:p>
-        </p:txBody>
-      </p:sp>
-      <p:sp>
-        <p:nvSpPr>
-          <p:cNvPr id="7" name="TextBox 6">
-            <a:extLst>
-              <a:ext uri="{FF2B5EF4-FFF2-40B4-BE49-F238E27FC236}">
-                <a16:creationId xmlns:a16="http://schemas.microsoft.com/office/drawing/2014/main" id="{16342039-67AB-5C0F-6E60-AD555423C4F5}"/>
-              </a:ext>
-            </a:extLst>
-          </p:cNvPr>
-          <p:cNvSpPr txBox="1"/>
-          <p:nvPr/>
-        </p:nvSpPr>
-        <p:spPr>
-          <a:xfrm>
-            <a:off x="4308037" y="3171128"/>
-            <a:ext cx="7716819" cy="2062103"/>
-          </a:xfrm>
-          <a:prstGeom prst="rect">
-            <a:avLst/>
-          </a:prstGeom>
-          <a:noFill/>
-        </p:spPr>
-        <p:txBody>
-          <a:bodyPr wrap="square" rtlCol="0">
-            <a:spAutoFit/>
-          </a:bodyPr>
-          <a:lstStyle/>
-          <a:p>
-            <a:r>
-              <a:rPr lang="ko-KR" altLang="en-US"/>
-              <a:t>특성</a:t>
-            </a:r>
-            <a:endParaRPr lang="en-US" altLang="ko-KR"/>
-          </a:p>
-          <a:p>
-            <a:pPr marL="285750" indent="-285750">
-              <a:buFontTx/>
-              <a:buChar char="-"/>
-            </a:pPr>
-            <a:r>
-              <a:rPr lang="en-US" altLang="ko-KR"/>
-              <a:t>Smooth &amp; Non-monotonic</a:t>
-            </a:r>
-          </a:p>
-          <a:p>
-            <a:pPr marL="742950" lvl="1" indent="-285750">
-              <a:buFontTx/>
-              <a:buChar char="-"/>
-            </a:pPr>
-            <a:r>
-              <a:rPr lang="en-US" altLang="ko-KR" sz="1400"/>
-              <a:t>0</a:t>
-            </a:r>
-            <a:r>
-              <a:rPr lang="ko-KR" altLang="en-US" sz="1400"/>
-              <a:t>으로 날카롭게 끊어지는 부분 없음</a:t>
-            </a:r>
-            <a:r>
-              <a:rPr lang="en-US" altLang="ko-KR" sz="1400"/>
-              <a:t>(sigmoid</a:t>
-            </a:r>
-            <a:r>
-              <a:rPr lang="ko-KR" altLang="en-US" sz="1400"/>
-              <a:t>의 영향</a:t>
-            </a:r>
-            <a:r>
-              <a:rPr lang="en-US" altLang="ko-KR" sz="1400"/>
-              <a:t>), input </a:t>
-            </a:r>
-            <a:r>
-              <a:rPr lang="ko-KR" altLang="en-US" sz="1400"/>
-              <a:t>값에 그대로 반응</a:t>
-            </a:r>
-            <a:r>
-              <a:rPr lang="en-US" altLang="ko-KR" sz="1400"/>
-              <a:t>X</a:t>
-            </a:r>
-          </a:p>
-          <a:p>
-            <a:pPr marL="285750" indent="-285750">
-              <a:buFontTx/>
-              <a:buChar char="-"/>
-            </a:pPr>
-            <a:r>
-              <a:rPr lang="en-US" altLang="ko-KR"/>
-              <a:t>Bounded Below</a:t>
-            </a:r>
-          </a:p>
-          <a:p>
-            <a:pPr marL="742950" lvl="1" indent="-285750">
-              <a:buFontTx/>
-              <a:buChar char="-"/>
-            </a:pPr>
-            <a:r>
-              <a:rPr lang="en-US" altLang="ko-KR" sz="1400"/>
-              <a:t>sigmoid </a:t>
-            </a:r>
-            <a:r>
-              <a:rPr lang="ko-KR" altLang="en-US" sz="1400"/>
-              <a:t>영향으로 항상 </a:t>
-            </a:r>
-            <a:r>
-              <a:rPr lang="en-US" altLang="ko-KR" sz="1400"/>
-              <a:t>-1 </a:t>
-            </a:r>
-            <a:r>
-              <a:rPr lang="ko-KR" altLang="en-US" sz="1400"/>
-              <a:t>보다 크거나 같음</a:t>
-            </a:r>
-            <a:endParaRPr lang="en-US" altLang="ko-KR" sz="1400"/>
-          </a:p>
-          <a:p>
-            <a:pPr marL="285750" indent="-285750">
-              <a:buFontTx/>
-              <a:buChar char="-"/>
-            </a:pPr>
-            <a:r>
-              <a:rPr lang="en-US" altLang="ko-KR"/>
-              <a:t>Self-Stabilizing</a:t>
-            </a:r>
-          </a:p>
-          <a:p>
-            <a:pPr marL="742950" lvl="1" indent="-285750">
-              <a:buFontTx/>
-              <a:buChar char="-"/>
-            </a:pPr>
-            <a:r>
-              <a:rPr lang="en-US" altLang="ko-KR" sz="1400"/>
-              <a:t>soft floor effect </a:t>
-            </a:r>
-            <a:r>
-              <a:rPr lang="ko-KR" altLang="en-US" sz="1400"/>
-              <a:t>가짐</a:t>
-            </a:r>
-            <a:r>
-              <a:rPr lang="en-US" altLang="ko-KR" sz="1400"/>
-              <a:t>. </a:t>
-            </a:r>
-            <a:r>
-              <a:rPr lang="ko-KR" altLang="en-US" sz="1400"/>
-              <a:t>미분감 </a:t>
-            </a:r>
-            <a:r>
-              <a:rPr lang="en-US" altLang="ko-KR" sz="1400"/>
-              <a:t>-1.28 </a:t>
-            </a:r>
-            <a:r>
-              <a:rPr lang="ko-KR" altLang="en-US" sz="1400"/>
-              <a:t>근처에서 </a:t>
-            </a:r>
-            <a:r>
-              <a:rPr lang="en-US" altLang="ko-KR" sz="1400"/>
-              <a:t>0</a:t>
-            </a:r>
-            <a:r>
-              <a:rPr lang="ko-KR" altLang="en-US" sz="1400"/>
-              <a:t>을 가짐</a:t>
-            </a:r>
-            <a:r>
-              <a:rPr lang="en-US" altLang="ko-KR" sz="1400"/>
-              <a:t>. weight </a:t>
-            </a:r>
-            <a:r>
-              <a:rPr lang="ko-KR" altLang="en-US" sz="1400"/>
-              <a:t>과도하게 커짐 방지</a:t>
-            </a:r>
-            <a:endParaRPr lang="en-US" altLang="ko-KR" sz="1400"/>
-          </a:p>
-          <a:p>
-            <a:pPr marL="742950" lvl="1" indent="-285750">
-              <a:buFontTx/>
-              <a:buChar char="-"/>
-            </a:pPr>
-            <a:r>
-              <a:rPr lang="en-US" altLang="ko-KR" sz="1400"/>
-              <a:t>regularizer </a:t>
-            </a:r>
-            <a:r>
-              <a:rPr lang="ko-KR" altLang="en-US" sz="1400"/>
-              <a:t>역할</a:t>
-            </a:r>
-            <a:r>
-              <a:rPr lang="en-US" altLang="ko-KR" sz="1400"/>
-              <a:t>.</a:t>
-            </a:r>
-            <a:endParaRPr lang="ko-KR" altLang="en-US" sz="1400"/>
-          </a:p>
-        </p:txBody>
-      </p:sp>
-      <p:pic>
-        <p:nvPicPr>
-          <p:cNvPr id="6152" name="Picture 8">
-            <a:extLst>
-              <a:ext uri="{FF2B5EF4-FFF2-40B4-BE49-F238E27FC236}">
-                <a16:creationId xmlns:a16="http://schemas.microsoft.com/office/drawing/2014/main" id="{811C2ADC-038E-F4E7-88E2-A59D4812AD65}"/>
-              </a:ext>
-            </a:extLst>
-          </p:cNvPr>
-          <p:cNvPicPr>
-            <a:picLocks noChangeAspect="1" noChangeArrowheads="1"/>
-          </p:cNvPicPr>
-          <p:nvPr/>
-        </p:nvPicPr>
-        <p:blipFill>
-          <a:blip r:embed="rId5">
-            <a:extLst>
-              <a:ext uri="{28A0092B-C50C-407E-A947-70E740481C1C}">
-                <a14:useLocalDpi xmlns:a14="http://schemas.microsoft.com/office/drawing/2010/main" val="0"/>
-              </a:ext>
-            </a:extLst>
-          </a:blip>
-          <a:srcRect/>
-          <a:stretch>
-            <a:fillRect/>
-          </a:stretch>
-        </p:blipFill>
-        <p:spPr bwMode="auto">
-          <a:xfrm>
-            <a:off x="191174" y="1041844"/>
-            <a:ext cx="3620094" cy="3474196"/>
-          </a:xfrm>
-          <a:prstGeom prst="rect">
-            <a:avLst/>
-          </a:prstGeom>
-          <a:noFill/>
-          <a:extLst>
-            <a:ext uri="{909E8E84-426E-40DD-AFC4-6F175D3DCCD1}">
-              <a14:hiddenFill xmlns:a14="http://schemas.microsoft.com/office/drawing/2010/main">
-                <a:solidFill>
-                  <a:srgbClr val="FFFFFF"/>
-                </a:solidFill>
-              </a14:hiddenFill>
-            </a:ext>
-          </a:extLst>
-        </p:spPr>
-      </p:pic>
-      <p:sp>
-        <p:nvSpPr>
-          <p:cNvPr id="9" name="TextBox 8">
-            <a:extLst>
-              <a:ext uri="{FF2B5EF4-FFF2-40B4-BE49-F238E27FC236}">
-                <a16:creationId xmlns:a16="http://schemas.microsoft.com/office/drawing/2014/main" id="{F9A369A6-C6D9-F64A-4971-940D54CF5AA6}"/>
-              </a:ext>
-            </a:extLst>
-          </p:cNvPr>
-          <p:cNvSpPr txBox="1"/>
-          <p:nvPr/>
-        </p:nvSpPr>
-        <p:spPr>
-          <a:xfrm>
-            <a:off x="6283191" y="2332716"/>
-            <a:ext cx="1485471" cy="369332"/>
-          </a:xfrm>
-          <a:prstGeom prst="rect">
-            <a:avLst/>
-          </a:prstGeom>
-          <a:noFill/>
-        </p:spPr>
-        <p:txBody>
-          <a:bodyPr wrap="none" rtlCol="0">
-            <a:spAutoFit/>
-          </a:bodyPr>
-          <a:lstStyle/>
-          <a:p>
-            <a:r>
-              <a:rPr lang="en-US" altLang="ko-KR"/>
-              <a:t>ReLU</a:t>
-            </a:r>
-            <a:r>
-              <a:rPr lang="ko-KR" altLang="en-US"/>
-              <a:t>와 비교</a:t>
-            </a:r>
-          </a:p>
-        </p:txBody>
-      </p:sp>
-      <p:sp>
-        <p:nvSpPr>
-          <p:cNvPr id="11" name="TextBox 10">
-            <a:extLst>
-              <a:ext uri="{FF2B5EF4-FFF2-40B4-BE49-F238E27FC236}">
-                <a16:creationId xmlns:a16="http://schemas.microsoft.com/office/drawing/2014/main" id="{C098F800-E571-10A4-A45A-534FAB4ACD0E}"/>
-              </a:ext>
-            </a:extLst>
-          </p:cNvPr>
-          <p:cNvSpPr txBox="1"/>
-          <p:nvPr/>
-        </p:nvSpPr>
-        <p:spPr>
-          <a:xfrm>
-            <a:off x="183763" y="6595854"/>
-            <a:ext cx="6099586" cy="200055"/>
-          </a:xfrm>
-          <a:prstGeom prst="rect">
-            <a:avLst/>
-          </a:prstGeom>
-          <a:noFill/>
-        </p:spPr>
-        <p:txBody>
-          <a:bodyPr wrap="square">
-            <a:spAutoFit/>
-          </a:bodyPr>
-          <a:lstStyle/>
-          <a:p>
-            <a:r>
-              <a:rPr lang="ko-KR" altLang="en-US" sz="700"/>
-              <a:t>https://</a:t>
-            </a:r>
-            <a:r>
-              <a:rPr lang="ko-KR" altLang="en-US" sz="600"/>
-              <a:t>medium</a:t>
-            </a:r>
-            <a:r>
-              <a:rPr lang="ko-KR" altLang="en-US" sz="700"/>
-              <a:t>.com/@akp83540/silu-sigmoid-linear-unit-activation-function-d9b6845f0c81</a:t>
-            </a:r>
-          </a:p>
-        </p:txBody>
-      </p:sp>
-      <p:sp>
-        <p:nvSpPr>
-          <p:cNvPr id="12" name="TextBox 11">
-            <a:extLst>
-              <a:ext uri="{FF2B5EF4-FFF2-40B4-BE49-F238E27FC236}">
-                <a16:creationId xmlns:a16="http://schemas.microsoft.com/office/drawing/2014/main" id="{CC3FBBB7-427F-3EC9-51EC-487B36EAFCDE}"/>
-              </a:ext>
-            </a:extLst>
-          </p:cNvPr>
-          <p:cNvSpPr txBox="1"/>
-          <p:nvPr/>
-        </p:nvSpPr>
-        <p:spPr>
-          <a:xfrm>
-            <a:off x="4279471" y="5288506"/>
-            <a:ext cx="7257705" cy="1169551"/>
-          </a:xfrm>
-          <a:prstGeom prst="rect">
-            <a:avLst/>
-          </a:prstGeom>
-          <a:noFill/>
-        </p:spPr>
-        <p:txBody>
-          <a:bodyPr wrap="square" rtlCol="0">
-            <a:spAutoFit/>
-          </a:bodyPr>
-          <a:lstStyle/>
-          <a:p>
-            <a:r>
-              <a:rPr lang="ko-KR" altLang="en-US"/>
-              <a:t>장점</a:t>
-            </a:r>
-            <a:endParaRPr lang="en-US" altLang="ko-KR"/>
-          </a:p>
-          <a:p>
-            <a:pPr marL="285750" indent="-285750">
-              <a:buFontTx/>
-              <a:buChar char="-"/>
-            </a:pPr>
-            <a:r>
-              <a:rPr lang="en-US" altLang="ko-KR"/>
-              <a:t>Address “Dying ReLU” Problem </a:t>
-            </a:r>
-            <a:endParaRPr lang="en-US" altLang="ko-KR" sz="1600"/>
-          </a:p>
-          <a:p>
-            <a:pPr marL="742950" lvl="1" indent="-285750">
-              <a:buFontTx/>
-              <a:buChar char="-"/>
-            </a:pPr>
-            <a:r>
-              <a:rPr lang="en-US" altLang="ko-KR" sz="1600"/>
-              <a:t>weight, bias </a:t>
-            </a:r>
-            <a:r>
-              <a:rPr lang="ko-KR" altLang="en-US" sz="1600"/>
-              <a:t>잘 세팅되지 않으면 죽어버리는 </a:t>
-            </a:r>
-            <a:r>
-              <a:rPr lang="en-US" altLang="ko-KR" sz="1600"/>
-              <a:t>ReLU</a:t>
-            </a:r>
-            <a:r>
-              <a:rPr lang="ko-KR" altLang="en-US" sz="1600"/>
-              <a:t>의 단점 완화</a:t>
-            </a:r>
-            <a:endParaRPr lang="en-US" altLang="ko-KR" sz="1600"/>
-          </a:p>
-          <a:p>
-            <a:pPr marL="285750" indent="-285750">
-              <a:buFontTx/>
-              <a:buChar char="-"/>
-            </a:pPr>
-            <a:r>
-              <a:rPr lang="en-US" altLang="ko-KR"/>
-              <a:t>Work well with Batch Normalization</a:t>
-            </a:r>
-            <a:endParaRPr lang="ko-KR" altLang="en-US"/>
-          </a:p>
-        </p:txBody>
-      </p:sp>
-    </p:spTree>
-    <p:extLst>
-      <p:ext uri="{BB962C8B-B14F-4D97-AF65-F5344CB8AC3E}">
-        <p14:creationId xmlns:p14="http://schemas.microsoft.com/office/powerpoint/2010/main" val="4184802564"/>
-      </p:ext>
-    </p:extLst>
-  </p:cSld>
-  <p:clrMapOvr>
-    <a:masterClrMapping/>
-  </p:clrMapOvr>
-</p:sld>
-</file>
-
-<file path=ppt/slides/slide12.xml><?xml version="1.0" encoding="utf-8"?>
-<p:sld xmlns:a="http://schemas.openxmlformats.org/drawingml/2006/main" xmlns:r="http://schemas.openxmlformats.org/officeDocument/2006/relationships" xmlns:p="http://schemas.openxmlformats.org/presentationml/2006/main">
-  <p:cSld>
-    <p:spTree>
-      <p:nvGrpSpPr>
-        <p:cNvPr id="1" name=""/>
-        <p:cNvGrpSpPr/>
-        <p:nvPr/>
-      </p:nvGrpSpPr>
-      <p:grpSpPr>
-        <a:xfrm>
-          <a:off x="0" y="0"/>
-          <a:ext cx="0" cy="0"/>
-          <a:chOff x="0" y="0"/>
-          <a:chExt cx="0" cy="0"/>
-        </a:xfrm>
-      </p:grpSpPr>
-      <p:sp>
-        <p:nvSpPr>
-          <p:cNvPr id="2" name="내용 개체 틀 1">
-            <a:extLst>
-              <a:ext uri="{FF2B5EF4-FFF2-40B4-BE49-F238E27FC236}">
-                <a16:creationId xmlns:a16="http://schemas.microsoft.com/office/drawing/2014/main" id="{B6A4FCB0-CADE-6BB2-D702-C67695D74DAF}"/>
-              </a:ext>
-            </a:extLst>
-          </p:cNvPr>
-          <p:cNvSpPr>
-            <a:spLocks noGrp="1"/>
-          </p:cNvSpPr>
-          <p:nvPr>
-            <p:ph idx="1"/>
-          </p:nvPr>
-        </p:nvSpPr>
-        <p:spPr>
-          <a:xfrm>
-            <a:off x="838200" y="1343024"/>
-            <a:ext cx="10515600" cy="4351338"/>
-          </a:xfrm>
-        </p:spPr>
-        <p:txBody>
-          <a:bodyPr>
-            <a:normAutofit/>
-          </a:bodyPr>
-          <a:lstStyle/>
-          <a:p>
-            <a:r>
-              <a:rPr lang="en-US" altLang="ko-KR" sz="2000"/>
-              <a:t>Compound Scaling Method</a:t>
-            </a:r>
-          </a:p>
-          <a:p>
-            <a:pPr lvl="1"/>
-            <a:r>
-              <a:rPr lang="ko-KR" altLang="en-US" sz="1800"/>
-              <a:t>다른 </a:t>
-            </a:r>
-            <a:r>
-              <a:rPr lang="en-US" altLang="ko-KR" sz="1800"/>
-              <a:t>method</a:t>
-            </a:r>
-            <a:r>
-              <a:rPr lang="ko-KR" altLang="en-US" sz="1800"/>
-              <a:t>보다 더 관련성이 높은 영역과 더 많은 </a:t>
-            </a:r>
-            <a:r>
-              <a:rPr lang="en-US" altLang="ko-KR" sz="1800"/>
-              <a:t>feature </a:t>
-            </a:r>
-            <a:r>
-              <a:rPr lang="ko-KR" altLang="en-US" sz="1800"/>
-              <a:t>세부사항에 집중할 수 있음</a:t>
-            </a:r>
-            <a:endParaRPr lang="en-US" altLang="ko-KR" sz="1800"/>
-          </a:p>
-          <a:p>
-            <a:pPr lvl="1"/>
-            <a:r>
-              <a:rPr lang="en-US" altLang="ko-KR" sz="1800" b="1"/>
-              <a:t>Baseline </a:t>
-            </a:r>
-            <a:r>
-              <a:rPr lang="ko-KR" altLang="en-US" sz="1800" b="1"/>
-              <a:t>모델을 효과적으로 확장</a:t>
-            </a:r>
-            <a:r>
-              <a:rPr lang="en-US" altLang="ko-KR" sz="1800" b="1"/>
-              <a:t> &amp; resource constraints </a:t>
-            </a:r>
-            <a:r>
-              <a:rPr lang="ko-KR" altLang="en-US" sz="1800" b="1"/>
-              <a:t>대처</a:t>
-            </a:r>
-            <a:r>
-              <a:rPr lang="en-US" altLang="ko-KR" sz="1800" b="1"/>
-              <a:t>(FlOPS, </a:t>
-            </a:r>
-            <a:r>
-              <a:rPr lang="ko-KR" altLang="en-US" sz="1800" b="1"/>
-              <a:t>파라미터 수</a:t>
-            </a:r>
-            <a:r>
-              <a:rPr lang="en-US" altLang="ko-KR" sz="1800" b="1"/>
-              <a:t>, </a:t>
-            </a:r>
-            <a:r>
-              <a:rPr lang="ko-KR" altLang="en-US" sz="1800" b="1"/>
-              <a:t>메모리 크기 등</a:t>
-            </a:r>
-            <a:r>
-              <a:rPr lang="en-US" altLang="ko-KR" sz="1800" b="1"/>
-              <a:t>)</a:t>
-            </a:r>
-            <a:r>
-              <a:rPr lang="ko-KR" altLang="en-US" sz="1800" b="1"/>
-              <a:t> </a:t>
-            </a:r>
-            <a:r>
-              <a:rPr lang="en-US" altLang="ko-KR" sz="1800" b="1"/>
-              <a:t>&amp; </a:t>
-            </a:r>
-            <a:r>
-              <a:rPr lang="ko-KR" altLang="en-US" sz="1800" b="1"/>
-              <a:t>모델 효율성 유지</a:t>
-            </a:r>
-            <a:endParaRPr lang="en-US" altLang="ko-KR" sz="1800" b="1"/>
-          </a:p>
-          <a:p>
-            <a:endParaRPr lang="en-US" altLang="ko-KR" sz="2000"/>
-          </a:p>
-          <a:p>
-            <a:r>
-              <a:rPr lang="en-US" altLang="ko-KR" sz="2000"/>
-              <a:t>EfficinetNet</a:t>
-            </a:r>
-          </a:p>
-          <a:p>
-            <a:pPr lvl="1"/>
-            <a:r>
-              <a:rPr lang="en-US" altLang="ko-KR" sz="1800"/>
-              <a:t>FLOPS optimization formulation </a:t>
-            </a:r>
-            <a:r>
-              <a:rPr lang="ko-KR" altLang="en-US" sz="1800"/>
-              <a:t>기반 </a:t>
-            </a:r>
-            <a:r>
-              <a:rPr lang="en-US" altLang="ko-KR" sz="1800"/>
-              <a:t>mobile size baseline network </a:t>
-            </a:r>
-            <a:r>
-              <a:rPr lang="ko-KR" altLang="en-US" sz="1800"/>
-              <a:t>제작</a:t>
-            </a:r>
-            <a:endParaRPr lang="en-US" altLang="ko-KR" sz="1800"/>
-          </a:p>
-          <a:p>
-            <a:pPr lvl="1"/>
-            <a:r>
-              <a:rPr lang="en-US" altLang="ko-KR" sz="1800"/>
-              <a:t>Compound Scaling </a:t>
-            </a:r>
-            <a:r>
-              <a:rPr lang="ko-KR" altLang="en-US" sz="1800"/>
-              <a:t>적용 시 정확도 추가 향상</a:t>
-            </a:r>
-            <a:endParaRPr lang="en-US" altLang="ko-KR" sz="1800"/>
-          </a:p>
-          <a:p>
-            <a:pPr lvl="1"/>
-            <a:r>
-              <a:rPr lang="en-US" altLang="ko-KR" sz="1800"/>
-              <a:t>CPU inference latency </a:t>
-            </a:r>
-            <a:r>
-              <a:rPr lang="ko-KR" altLang="en-US" sz="1800"/>
-              <a:t>검증 </a:t>
-            </a:r>
-            <a:r>
-              <a:rPr lang="en-US" altLang="ko-KR" sz="1800"/>
-              <a:t>– </a:t>
-            </a:r>
-            <a:r>
-              <a:rPr lang="ko-KR" altLang="en-US" sz="1800"/>
-              <a:t>실제 하드웨어에서 빠름</a:t>
-            </a:r>
-            <a:endParaRPr lang="en-US" altLang="ko-KR" sz="1800"/>
-          </a:p>
-          <a:p>
-            <a:pPr lvl="1"/>
-            <a:endParaRPr lang="ko-KR" altLang="en-US" sz="1800"/>
-          </a:p>
-        </p:txBody>
-      </p:sp>
-      <p:sp>
-        <p:nvSpPr>
-          <p:cNvPr id="3" name="슬라이드 번호 개체 틀 2">
-            <a:extLst>
-              <a:ext uri="{FF2B5EF4-FFF2-40B4-BE49-F238E27FC236}">
-                <a16:creationId xmlns:a16="http://schemas.microsoft.com/office/drawing/2014/main" id="{3EC06A77-4C5B-9522-2E6C-B3B5B45E6E96}"/>
-              </a:ext>
-            </a:extLst>
-          </p:cNvPr>
-          <p:cNvSpPr>
-            <a:spLocks noGrp="1"/>
-          </p:cNvSpPr>
-          <p:nvPr>
-            <p:ph type="sldNum" sz="quarter" idx="12"/>
-          </p:nvPr>
-        </p:nvSpPr>
-        <p:spPr/>
-        <p:txBody>
-          <a:bodyPr/>
-          <a:lstStyle/>
-          <a:p>
-            <a:fld id="{697E9AA7-29BF-4588-B153-0341F1751ACF}" type="slidenum">
-              <a:rPr lang="ko-KR" altLang="en-US" smtClean="0"/>
-              <a:t>12</a:t>
-            </a:fld>
-            <a:endParaRPr lang="ko-KR" altLang="en-US"/>
-          </a:p>
-        </p:txBody>
-      </p:sp>
-      <p:sp>
-        <p:nvSpPr>
-          <p:cNvPr id="4" name="제목 3">
-            <a:extLst>
-              <a:ext uri="{FF2B5EF4-FFF2-40B4-BE49-F238E27FC236}">
-                <a16:creationId xmlns:a16="http://schemas.microsoft.com/office/drawing/2014/main" id="{5FCB94CC-E2FE-EC64-CD9D-389F3C9C845A}"/>
-              </a:ext>
-            </a:extLst>
-          </p:cNvPr>
-          <p:cNvSpPr>
-            <a:spLocks noGrp="1"/>
-          </p:cNvSpPr>
-          <p:nvPr>
-            <p:ph type="title"/>
-          </p:nvPr>
-        </p:nvSpPr>
-        <p:spPr/>
-        <p:txBody>
-          <a:bodyPr/>
-          <a:lstStyle/>
-          <a:p>
-            <a:r>
-              <a:rPr lang="en-US" altLang="ko-KR"/>
-              <a:t>Conclusion</a:t>
-            </a:r>
-            <a:endParaRPr lang="ko-KR" altLang="en-US"/>
-          </a:p>
-        </p:txBody>
-      </p:sp>
-    </p:spTree>
-    <p:extLst>
-      <p:ext uri="{BB962C8B-B14F-4D97-AF65-F5344CB8AC3E}">
-        <p14:creationId xmlns:p14="http://schemas.microsoft.com/office/powerpoint/2010/main" val="2782755622"/>
+        <p14:creationId xmlns:p14="http://schemas.microsoft.com/office/powerpoint/2010/main" val="1906175081"/>
       </p:ext>
     </p:extLst>
   </p:cSld>
@@ -5866,8 +4374,8 @@
               </a:lnSpc>
             </a:pPr>
             <a:r>
-              <a:rPr lang="en-US" altLang="ko-KR"/>
-              <a:t>NASNet - Training ImageNet</a:t>
+              <a:rPr lang="en-US" altLang="ko-KR" dirty="0"/>
+              <a:t>FLOPS Calculating</a:t>
             </a:r>
           </a:p>
           <a:p>
@@ -5877,17 +4385,13 @@
               </a:lnSpc>
             </a:pPr>
             <a:r>
-              <a:rPr lang="en-US" altLang="ko-KR"/>
-              <a:t>EfficientNet – Paper Review</a:t>
-            </a:r>
-          </a:p>
-          <a:p>
-            <a:pPr>
-              <a:lnSpc>
-                <a:spcPct val="150000"/>
-              </a:lnSpc>
-            </a:pPr>
-            <a:endParaRPr lang="en-US" altLang="ko-KR" dirty="0"/>
+              <a:rPr lang="en-US" altLang="ko-KR" dirty="0" err="1"/>
+              <a:t>EfficientNet</a:t>
+            </a:r>
+            <a:r>
+              <a:rPr lang="en-US" altLang="ko-KR" dirty="0"/>
+              <a:t> Modeling</a:t>
+            </a:r>
           </a:p>
         </p:txBody>
       </p:sp>
@@ -5995,12 +4499,76 @@
             <p:ph idx="1"/>
           </p:nvPr>
         </p:nvSpPr>
-        <p:spPr/>
-        <p:txBody>
-          <a:bodyPr/>
-          <a:lstStyle/>
-          <a:p>
-            <a:endParaRPr lang="ko-KR" altLang="en-US"/>
+        <p:spPr>
+          <a:xfrm>
+            <a:off x="5476674" y="5152023"/>
+            <a:ext cx="5953326" cy="1160311"/>
+          </a:xfrm>
+        </p:spPr>
+        <p:txBody>
+          <a:bodyPr>
+            <a:normAutofit/>
+          </a:bodyPr>
+          <a:lstStyle/>
+          <a:p>
+            <a:r>
+              <a:rPr lang="en-US" altLang="ko-KR" sz="1600" dirty="0"/>
+              <a:t>B0</a:t>
+            </a:r>
+            <a:r>
+              <a:rPr lang="ko-KR" altLang="en-US" sz="1600" dirty="0"/>
+              <a:t>의 </a:t>
+            </a:r>
+            <a:r>
+              <a:rPr lang="en-US" altLang="ko-KR" sz="1600" dirty="0"/>
+              <a:t>FLOPS 390M </a:t>
+            </a:r>
+            <a:r>
+              <a:rPr lang="ko-KR" altLang="en-US" sz="1600" dirty="0"/>
+              <a:t>값을 기준으로</a:t>
+            </a:r>
+            <a:r>
+              <a:rPr lang="en-US" altLang="ko-KR" sz="1600" dirty="0"/>
+              <a:t>(1.92027)^n</a:t>
+            </a:r>
+            <a:r>
+              <a:rPr lang="ko-KR" altLang="en-US" sz="1600" dirty="0" err="1"/>
+              <a:t>배하여</a:t>
+            </a:r>
+            <a:r>
+              <a:rPr lang="ko-KR" altLang="en-US" sz="1600" dirty="0"/>
+              <a:t> 계산</a:t>
+            </a:r>
+            <a:endParaRPr lang="en-US" altLang="ko-KR" sz="1600" dirty="0"/>
+          </a:p>
+          <a:p>
+            <a:r>
+              <a:rPr lang="en-US" altLang="ko-KR" sz="1600" dirty="0"/>
+              <a:t>B3, B4</a:t>
+            </a:r>
+            <a:r>
+              <a:rPr lang="ko-KR" altLang="en-US" sz="1600" dirty="0"/>
+              <a:t>의 경우 비교적 큰 오차</a:t>
+            </a:r>
+            <a:endParaRPr lang="en-US" altLang="ko-KR" sz="1600" dirty="0"/>
+          </a:p>
+          <a:p>
+            <a:r>
+              <a:rPr lang="en-US" altLang="ko-KR" sz="1600" dirty="0"/>
+              <a:t>B5,</a:t>
+            </a:r>
+            <a:r>
+              <a:rPr lang="ko-KR" altLang="en-US" sz="1600" dirty="0"/>
+              <a:t> </a:t>
+            </a:r>
+            <a:r>
+              <a:rPr lang="en-US" altLang="ko-KR" sz="1600" dirty="0"/>
+              <a:t>B6, B7</a:t>
+            </a:r>
+            <a:r>
+              <a:rPr lang="ko-KR" altLang="en-US" sz="1600" dirty="0"/>
+              <a:t>은 유사한 결과</a:t>
+            </a:r>
           </a:p>
         </p:txBody>
       </p:sp>
@@ -6086,8 +4654,8 @@
         </p:blipFill>
         <p:spPr>
           <a:xfrm>
-            <a:off x="578498" y="895739"/>
-            <a:ext cx="4853388" cy="5067652"/>
+            <a:off x="124533" y="925043"/>
+            <a:ext cx="5159512" cy="5387291"/>
           </a:xfrm>
           <a:prstGeom prst="rect">
             <a:avLst/>
@@ -6110,19 +4678,298 @@
         </p:nvPicPr>
         <p:blipFill rotWithShape="1">
           <a:blip r:embed="rId3"/>
-          <a:srcRect t="71293" r="21949"/>
+          <a:srcRect l="6431" t="72048" r="29456" b="-1"/>
           <a:stretch/>
         </p:blipFill>
         <p:spPr>
           <a:xfrm>
-            <a:off x="5431886" y="2307258"/>
-            <a:ext cx="4013717" cy="2243483"/>
+            <a:off x="5352846" y="1651085"/>
+            <a:ext cx="4250988" cy="2816655"/>
           </a:xfrm>
           <a:prstGeom prst="rect">
             <a:avLst/>
           </a:prstGeom>
         </p:spPr>
       </p:pic>
+      <p:sp>
+        <p:nvSpPr>
+          <p:cNvPr id="6" name="구름 5">
+            <a:extLst>
+              <a:ext uri="{FF2B5EF4-FFF2-40B4-BE49-F238E27FC236}">
+                <a16:creationId xmlns:a16="http://schemas.microsoft.com/office/drawing/2014/main" id="{52AE49A4-1DE8-0CAC-2E1D-2E02F6D28F5F}"/>
+              </a:ext>
+            </a:extLst>
+          </p:cNvPr>
+          <p:cNvSpPr/>
+          <p:nvPr/>
+        </p:nvSpPr>
+        <p:spPr>
+          <a:xfrm>
+            <a:off x="5168021" y="978044"/>
+            <a:ext cx="4620637" cy="652040"/>
+          </a:xfrm>
+          <a:prstGeom prst="cloud">
+            <a:avLst/>
+          </a:prstGeom>
+        </p:spPr>
+        <p:style>
+          <a:lnRef idx="2">
+            <a:schemeClr val="accent1">
+              <a:shade val="15000"/>
+            </a:schemeClr>
+          </a:lnRef>
+          <a:fillRef idx="1">
+            <a:schemeClr val="accent1"/>
+          </a:fillRef>
+          <a:effectRef idx="0">
+            <a:schemeClr val="accent1"/>
+          </a:effectRef>
+          <a:fontRef idx="minor">
+            <a:schemeClr val="lt1"/>
+          </a:fontRef>
+        </p:style>
+        <p:txBody>
+          <a:bodyPr rtlCol="0" anchor="ctr"/>
+          <a:lstStyle/>
+          <a:p>
+            <a:pPr algn="ctr"/>
+            <a:r>
+              <a:rPr lang="ko-KR" altLang="en-US" sz="1200" dirty="0"/>
+              <a:t>논문 제시 </a:t>
+            </a:r>
+            <a:r>
+              <a:rPr lang="en-US" altLang="ko-KR" sz="1200" dirty="0"/>
+              <a:t>FLOPS </a:t>
+            </a:r>
+            <a:r>
+              <a:rPr lang="ko-KR" altLang="en-US" sz="1200" dirty="0"/>
+              <a:t>사용하면 나오는 </a:t>
+            </a:r>
+            <a:r>
+              <a:rPr lang="en-US" altLang="ko-KR" sz="1200" dirty="0"/>
+              <a:t>phi </a:t>
+            </a:r>
+            <a:r>
+              <a:rPr lang="ko-KR" altLang="en-US" sz="1200" dirty="0"/>
+              <a:t>값</a:t>
+            </a:r>
+            <a:br>
+              <a:rPr lang="en-US" altLang="ko-KR" sz="1200" dirty="0"/>
+            </a:br>
+            <a:r>
+              <a:rPr lang="en-US" altLang="ko-KR" sz="1200" dirty="0"/>
+              <a:t>FLOPS -&gt; phi</a:t>
+            </a:r>
+            <a:r>
+              <a:rPr lang="ko-KR" altLang="en-US" sz="1200" dirty="0"/>
+              <a:t> </a:t>
+            </a:r>
+          </a:p>
+        </p:txBody>
+      </p:sp>
+      <p:sp>
+        <p:nvSpPr>
+          <p:cNvPr id="7" name="직사각형 6">
+            <a:extLst>
+              <a:ext uri="{FF2B5EF4-FFF2-40B4-BE49-F238E27FC236}">
+                <a16:creationId xmlns:a16="http://schemas.microsoft.com/office/drawing/2014/main" id="{2500E15E-318B-F3E4-FC37-B00374DE424E}"/>
+              </a:ext>
+            </a:extLst>
+          </p:cNvPr>
+          <p:cNvSpPr/>
+          <p:nvPr/>
+        </p:nvSpPr>
+        <p:spPr>
+          <a:xfrm>
+            <a:off x="5904689" y="1659268"/>
+            <a:ext cx="1050588" cy="244006"/>
+          </a:xfrm>
+          <a:prstGeom prst="rect">
+            <a:avLst/>
+          </a:prstGeom>
+          <a:noFill/>
+          <a:ln w="28575">
+            <a:solidFill>
+              <a:schemeClr val="accent1">
+                <a:lumMod val="60000"/>
+                <a:lumOff val="40000"/>
+              </a:schemeClr>
+            </a:solidFill>
+          </a:ln>
+        </p:spPr>
+        <p:style>
+          <a:lnRef idx="2">
+            <a:schemeClr val="accent1">
+              <a:shade val="15000"/>
+            </a:schemeClr>
+          </a:lnRef>
+          <a:fillRef idx="1">
+            <a:schemeClr val="accent1"/>
+          </a:fillRef>
+          <a:effectRef idx="0">
+            <a:schemeClr val="accent1"/>
+          </a:effectRef>
+          <a:fontRef idx="minor">
+            <a:schemeClr val="lt1"/>
+          </a:fontRef>
+        </p:style>
+        <p:txBody>
+          <a:bodyPr rtlCol="0" anchor="ctr"/>
+          <a:lstStyle/>
+          <a:p>
+            <a:pPr algn="ctr"/>
+            <a:endParaRPr lang="ko-KR" altLang="en-US"/>
+          </a:p>
+        </p:txBody>
+      </p:sp>
+      <p:sp>
+        <p:nvSpPr>
+          <p:cNvPr id="8" name="직사각형 7">
+            <a:extLst>
+              <a:ext uri="{FF2B5EF4-FFF2-40B4-BE49-F238E27FC236}">
+                <a16:creationId xmlns:a16="http://schemas.microsoft.com/office/drawing/2014/main" id="{FA60DC7A-69C1-24E2-4308-DD8E05EC8AF1}"/>
+              </a:ext>
+            </a:extLst>
+          </p:cNvPr>
+          <p:cNvSpPr/>
+          <p:nvPr/>
+        </p:nvSpPr>
+        <p:spPr>
+          <a:xfrm>
+            <a:off x="7026004" y="1668995"/>
+            <a:ext cx="1378694" cy="258095"/>
+          </a:xfrm>
+          <a:prstGeom prst="rect">
+            <a:avLst/>
+          </a:prstGeom>
+          <a:noFill/>
+          <a:ln w="28575">
+            <a:solidFill>
+              <a:schemeClr val="accent6">
+                <a:lumMod val="60000"/>
+                <a:lumOff val="40000"/>
+              </a:schemeClr>
+            </a:solidFill>
+          </a:ln>
+        </p:spPr>
+        <p:style>
+          <a:lnRef idx="2">
+            <a:schemeClr val="accent1">
+              <a:shade val="15000"/>
+            </a:schemeClr>
+          </a:lnRef>
+          <a:fillRef idx="1">
+            <a:schemeClr val="accent1"/>
+          </a:fillRef>
+          <a:effectRef idx="0">
+            <a:schemeClr val="accent1"/>
+          </a:effectRef>
+          <a:fontRef idx="minor">
+            <a:schemeClr val="lt1"/>
+          </a:fontRef>
+        </p:style>
+        <p:txBody>
+          <a:bodyPr rtlCol="0" anchor="ctr"/>
+          <a:lstStyle/>
+          <a:p>
+            <a:pPr algn="ctr"/>
+            <a:endParaRPr lang="ko-KR" altLang="en-US"/>
+          </a:p>
+        </p:txBody>
+      </p:sp>
+      <p:sp>
+        <p:nvSpPr>
+          <p:cNvPr id="11" name="구름 10">
+            <a:extLst>
+              <a:ext uri="{FF2B5EF4-FFF2-40B4-BE49-F238E27FC236}">
+                <a16:creationId xmlns:a16="http://schemas.microsoft.com/office/drawing/2014/main" id="{FB88AC41-5A0D-5F78-BA8B-783D629163FD}"/>
+              </a:ext>
+            </a:extLst>
+          </p:cNvPr>
+          <p:cNvSpPr/>
+          <p:nvPr/>
+        </p:nvSpPr>
+        <p:spPr>
+          <a:xfrm>
+            <a:off x="9574651" y="1668996"/>
+            <a:ext cx="2509737" cy="1160311"/>
+          </a:xfrm>
+          <a:prstGeom prst="cloud">
+            <a:avLst/>
+          </a:prstGeom>
+          <a:solidFill>
+            <a:schemeClr val="accent6">
+              <a:lumMod val="75000"/>
+            </a:schemeClr>
+          </a:solidFill>
+        </p:spPr>
+        <p:style>
+          <a:lnRef idx="2">
+            <a:schemeClr val="accent1">
+              <a:shade val="15000"/>
+            </a:schemeClr>
+          </a:lnRef>
+          <a:fillRef idx="1">
+            <a:schemeClr val="accent1"/>
+          </a:fillRef>
+          <a:effectRef idx="0">
+            <a:schemeClr val="accent1"/>
+          </a:effectRef>
+          <a:fontRef idx="minor">
+            <a:schemeClr val="lt1"/>
+          </a:fontRef>
+        </p:style>
+        <p:txBody>
+          <a:bodyPr rtlCol="0" anchor="ctr"/>
+          <a:lstStyle/>
+          <a:p>
+            <a:pPr algn="ctr"/>
+            <a:r>
+              <a:rPr lang="en-US" altLang="ko-KR" sz="1200" dirty="0"/>
+              <a:t>Phi</a:t>
+            </a:r>
+            <a:r>
+              <a:rPr lang="ko-KR" altLang="en-US" sz="1200" dirty="0"/>
+              <a:t>값 정수로 지정 후 계산한 </a:t>
+            </a:r>
+            <a:r>
+              <a:rPr lang="en-US" altLang="ko-KR" sz="1200" dirty="0"/>
+              <a:t>FLOPS</a:t>
+            </a:r>
+            <a:br>
+              <a:rPr lang="en-US" altLang="ko-KR" sz="1200" dirty="0"/>
+            </a:br>
+            <a:r>
+              <a:rPr lang="en-US" altLang="ko-KR" sz="500" dirty="0"/>
+              <a:t> </a:t>
+            </a:r>
+            <a:br>
+              <a:rPr lang="en-US" altLang="ko-KR" sz="1200" dirty="0"/>
+            </a:br>
+            <a:r>
+              <a:rPr lang="en-US" altLang="ko-KR" sz="1200" dirty="0"/>
+              <a:t>Phi</a:t>
+            </a:r>
+            <a:r>
+              <a:rPr lang="ko-KR" altLang="en-US" sz="1200" dirty="0"/>
+              <a:t> </a:t>
+            </a:r>
+            <a:r>
+              <a:rPr lang="en-US" altLang="ko-KR" sz="1200" dirty="0"/>
+              <a:t>-&gt;</a:t>
+            </a:r>
+            <a:r>
+              <a:rPr lang="ko-KR" altLang="en-US" sz="1200" dirty="0"/>
+              <a:t> </a:t>
+            </a:r>
+            <a:r>
+              <a:rPr lang="en-US" altLang="ko-KR" sz="1200" dirty="0"/>
+              <a:t>FLOPS</a:t>
+            </a:r>
+            <a:endParaRPr lang="ko-KR" altLang="en-US" sz="1200" dirty="0"/>
+          </a:p>
+        </p:txBody>
+      </p:sp>
     </p:spTree>
     <p:extLst>
       <p:ext uri="{BB962C8B-B14F-4D97-AF65-F5344CB8AC3E}">
@@ -6155,76 +5002,10 @@
       </p:grpSpPr>
       <p:sp>
         <p:nvSpPr>
-          <p:cNvPr id="2" name="내용 개체 틀 1">
-            <a:extLst>
-              <a:ext uri="{FF2B5EF4-FFF2-40B4-BE49-F238E27FC236}">
-                <a16:creationId xmlns:a16="http://schemas.microsoft.com/office/drawing/2014/main" id="{59FD1FB8-ADAC-A887-5912-839A4F44E39F}"/>
-              </a:ext>
-            </a:extLst>
-          </p:cNvPr>
-          <p:cNvSpPr>
-            <a:spLocks noGrp="1"/>
-          </p:cNvSpPr>
-          <p:nvPr>
-            <p:ph idx="1"/>
-          </p:nvPr>
-        </p:nvSpPr>
-        <p:spPr>
-          <a:xfrm>
-            <a:off x="734291" y="1067089"/>
-            <a:ext cx="10515600" cy="4351338"/>
-          </a:xfrm>
-        </p:spPr>
-        <p:txBody>
-          <a:bodyPr>
-            <a:normAutofit/>
-          </a:bodyPr>
-          <a:lstStyle/>
-          <a:p>
-            <a:r>
-              <a:rPr lang="ko-KR" altLang="en-US" sz="2400"/>
-              <a:t>갑작스러운 윈도우 업데이트</a:t>
-            </a:r>
-            <a:r>
-              <a:rPr lang="en-US" altLang="ko-KR" sz="2400"/>
-              <a:t>/</a:t>
-            </a:r>
-            <a:r>
-              <a:rPr lang="ko-KR" altLang="en-US" sz="2400"/>
-              <a:t>재시작으로 파이참 종료됨 </a:t>
-            </a:r>
-            <a:r>
-              <a:rPr lang="en-US" altLang="ko-KR" sz="2400"/>
-              <a:t>- </a:t>
-            </a:r>
-            <a:r>
-              <a:rPr lang="ko-KR" altLang="en-US" sz="2400"/>
-              <a:t>학습중단</a:t>
-            </a:r>
-            <a:endParaRPr lang="en-US" altLang="ko-KR" sz="2400"/>
-          </a:p>
-          <a:p>
-            <a:r>
-              <a:rPr lang="ko-KR" altLang="en-US" sz="2400"/>
-              <a:t>학습안됨</a:t>
-            </a:r>
-            <a:endParaRPr lang="en-US" altLang="ko-KR" sz="2400"/>
-          </a:p>
-          <a:p>
-            <a:r>
-              <a:rPr lang="en-US" altLang="ko-KR" sz="2400"/>
-              <a:t>optimizer: RMSprop</a:t>
-            </a:r>
-            <a:endParaRPr lang="ko-KR" altLang="en-US" sz="2400"/>
-          </a:p>
-        </p:txBody>
-      </p:sp>
-      <p:sp>
-        <p:nvSpPr>
           <p:cNvPr id="3" name="슬라이드 번호 개체 틀 2">
             <a:extLst>
               <a:ext uri="{FF2B5EF4-FFF2-40B4-BE49-F238E27FC236}">
-                <a16:creationId xmlns:a16="http://schemas.microsoft.com/office/drawing/2014/main" id="{DB28C6F1-2012-83CA-4D8D-1912B7B548D2}"/>
+                <a16:creationId xmlns:a16="http://schemas.microsoft.com/office/drawing/2014/main" id="{DEE57417-CE9A-EDBA-9A4E-91D0C5F2CE19}"/>
               </a:ext>
             </a:extLst>
           </p:cNvPr>
@@ -6253,7 +5034,7 @@
           <p:cNvPr id="4" name="제목 3">
             <a:extLst>
               <a:ext uri="{FF2B5EF4-FFF2-40B4-BE49-F238E27FC236}">
-                <a16:creationId xmlns:a16="http://schemas.microsoft.com/office/drawing/2014/main" id="{A9E6B87C-2C70-7142-6565-D27F9711B442}"/>
+                <a16:creationId xmlns:a16="http://schemas.microsoft.com/office/drawing/2014/main" id="{5C4EBE62-5ABD-9ABC-BDA1-A5DCB39B78C4}"/>
               </a:ext>
             </a:extLst>
           </p:cNvPr>
@@ -6270,19 +5051,482 @@
           <a:lstStyle/>
           <a:p>
             <a:r>
-              <a:rPr lang="en-US" altLang="ko-KR"/>
-              <a:t>NASNet - Training ImageNet</a:t>
-            </a:r>
-            <a:endParaRPr lang="ko-KR" altLang="en-US"/>
+              <a:rPr lang="ko-KR" altLang="en-US" dirty="0"/>
+              <a:t>코드 구현 </a:t>
+            </a:r>
+            <a:r>
+              <a:rPr lang="en-US" altLang="ko-KR" dirty="0"/>
+              <a:t>- </a:t>
+            </a:r>
+            <a:r>
+              <a:rPr lang="en-US" altLang="ko-KR" dirty="0" err="1"/>
+              <a:t>SiLU</a:t>
+            </a:r>
+            <a:r>
+              <a:rPr lang="en-US" altLang="ko-KR" dirty="0"/>
+              <a:t> activation</a:t>
+            </a:r>
+            <a:endParaRPr lang="ko-KR" altLang="en-US" dirty="0"/>
+          </a:p>
+        </p:txBody>
+      </p:sp>
+      <p:sp>
+        <p:nvSpPr>
+          <p:cNvPr id="5" name="TextBox 4">
+            <a:extLst>
+              <a:ext uri="{FF2B5EF4-FFF2-40B4-BE49-F238E27FC236}">
+                <a16:creationId xmlns:a16="http://schemas.microsoft.com/office/drawing/2014/main" id="{C9A0275E-575C-7A5B-25CF-B00A55397D27}"/>
+              </a:ext>
+            </a:extLst>
+          </p:cNvPr>
+          <p:cNvSpPr txBox="1"/>
+          <p:nvPr/>
+        </p:nvSpPr>
+        <p:spPr>
+          <a:xfrm>
+            <a:off x="297287" y="4557944"/>
+            <a:ext cx="3733800" cy="954107"/>
+          </a:xfrm>
+          <a:prstGeom prst="rect">
+            <a:avLst/>
+          </a:prstGeom>
+          <a:noFill/>
+        </p:spPr>
+        <p:txBody>
+          <a:bodyPr wrap="square" rtlCol="0">
+            <a:spAutoFit/>
+          </a:bodyPr>
+          <a:lstStyle/>
+          <a:p>
+            <a:r>
+              <a:rPr lang="en-US" altLang="ko-KR" sz="1400"/>
+              <a:t>SiLU</a:t>
+            </a:r>
+            <a:r>
+              <a:rPr lang="ko-KR" altLang="en-US" sz="1400"/>
+              <a:t> </a:t>
+            </a:r>
+            <a:r>
+              <a:rPr lang="en-US" altLang="ko-KR" sz="1400"/>
+              <a:t>= Swish Function</a:t>
+            </a:r>
+          </a:p>
+          <a:p>
+            <a:endParaRPr lang="en-US" altLang="ko-KR" sz="1400"/>
+          </a:p>
+          <a:p>
+            <a:r>
+              <a:rPr lang="en-US" altLang="ko-KR" sz="1400"/>
+              <a:t>Sigmoid</a:t>
+            </a:r>
+            <a:r>
+              <a:rPr lang="ko-KR" altLang="en-US" sz="1400"/>
+              <a:t>에 입력값을 한 번 더 곱해주는 모양</a:t>
+            </a:r>
+            <a:endParaRPr lang="en-US" altLang="ko-KR" sz="1400"/>
+          </a:p>
+          <a:p>
+            <a:r>
+              <a:rPr lang="en-US" altLang="ko-KR" sz="1400"/>
+              <a:t>ReLU</a:t>
+            </a:r>
+            <a:r>
+              <a:rPr lang="ko-KR" altLang="en-US" sz="1400"/>
+              <a:t>와 비슷한 형태</a:t>
+            </a:r>
+          </a:p>
+        </p:txBody>
+      </p:sp>
+      <p:sp>
+        <p:nvSpPr>
+          <p:cNvPr id="7" name="TextBox 6">
+            <a:extLst>
+              <a:ext uri="{FF2B5EF4-FFF2-40B4-BE49-F238E27FC236}">
+                <a16:creationId xmlns:a16="http://schemas.microsoft.com/office/drawing/2014/main" id="{16342039-67AB-5C0F-6E60-AD555423C4F5}"/>
+              </a:ext>
+            </a:extLst>
+          </p:cNvPr>
+          <p:cNvSpPr txBox="1"/>
+          <p:nvPr/>
+        </p:nvSpPr>
+        <p:spPr>
+          <a:xfrm>
+            <a:off x="4308037" y="844177"/>
+            <a:ext cx="7716819" cy="2062103"/>
+          </a:xfrm>
+          <a:prstGeom prst="rect">
+            <a:avLst/>
+          </a:prstGeom>
+          <a:noFill/>
+        </p:spPr>
+        <p:txBody>
+          <a:bodyPr wrap="square" rtlCol="0">
+            <a:spAutoFit/>
+          </a:bodyPr>
+          <a:lstStyle/>
+          <a:p>
+            <a:r>
+              <a:rPr lang="ko-KR" altLang="en-US" dirty="0"/>
+              <a:t>특성</a:t>
+            </a:r>
+            <a:endParaRPr lang="en-US" altLang="ko-KR" dirty="0"/>
+          </a:p>
+          <a:p>
+            <a:pPr marL="285750" indent="-285750">
+              <a:buFontTx/>
+              <a:buChar char="-"/>
+            </a:pPr>
+            <a:r>
+              <a:rPr lang="en-US" altLang="ko-KR" dirty="0"/>
+              <a:t>Smooth &amp; Non-monotonic</a:t>
+            </a:r>
+          </a:p>
+          <a:p>
+            <a:pPr marL="742950" lvl="1" indent="-285750">
+              <a:buFontTx/>
+              <a:buChar char="-"/>
+            </a:pPr>
+            <a:r>
+              <a:rPr lang="en-US" altLang="ko-KR" sz="1400" dirty="0"/>
+              <a:t>0</a:t>
+            </a:r>
+            <a:r>
+              <a:rPr lang="ko-KR" altLang="en-US" sz="1400" dirty="0"/>
+              <a:t>으로 날카롭게 끊어지는 부분 없음</a:t>
+            </a:r>
+            <a:r>
+              <a:rPr lang="en-US" altLang="ko-KR" sz="1400" dirty="0"/>
+              <a:t>(sigmoid</a:t>
+            </a:r>
+            <a:r>
+              <a:rPr lang="ko-KR" altLang="en-US" sz="1400" dirty="0"/>
+              <a:t>의 영향</a:t>
+            </a:r>
+            <a:r>
+              <a:rPr lang="en-US" altLang="ko-KR" sz="1400" dirty="0"/>
+              <a:t>), input </a:t>
+            </a:r>
+            <a:r>
+              <a:rPr lang="ko-KR" altLang="en-US" sz="1400" dirty="0"/>
+              <a:t>값에 그대로 반응</a:t>
+            </a:r>
+            <a:r>
+              <a:rPr lang="en-US" altLang="ko-KR" sz="1400" dirty="0"/>
+              <a:t>X</a:t>
+            </a:r>
+          </a:p>
+          <a:p>
+            <a:pPr marL="285750" indent="-285750">
+              <a:buFontTx/>
+              <a:buChar char="-"/>
+            </a:pPr>
+            <a:r>
+              <a:rPr lang="en-US" altLang="ko-KR" dirty="0"/>
+              <a:t>Bounded Below</a:t>
+            </a:r>
+          </a:p>
+          <a:p>
+            <a:pPr marL="742950" lvl="1" indent="-285750">
+              <a:buFontTx/>
+              <a:buChar char="-"/>
+            </a:pPr>
+            <a:r>
+              <a:rPr lang="en-US" altLang="ko-KR" sz="1400" dirty="0"/>
+              <a:t>sigmoid </a:t>
+            </a:r>
+            <a:r>
+              <a:rPr lang="ko-KR" altLang="en-US" sz="1400" dirty="0"/>
+              <a:t>영향으로 항상 </a:t>
+            </a:r>
+            <a:r>
+              <a:rPr lang="en-US" altLang="ko-KR" sz="1400" dirty="0"/>
+              <a:t>-1 </a:t>
+            </a:r>
+            <a:r>
+              <a:rPr lang="ko-KR" altLang="en-US" sz="1400" dirty="0"/>
+              <a:t>보다 크거나 같음</a:t>
+            </a:r>
+            <a:endParaRPr lang="en-US" altLang="ko-KR" sz="1400" dirty="0"/>
+          </a:p>
+          <a:p>
+            <a:pPr marL="285750" indent="-285750">
+              <a:buFontTx/>
+              <a:buChar char="-"/>
+            </a:pPr>
+            <a:r>
+              <a:rPr lang="en-US" altLang="ko-KR" dirty="0"/>
+              <a:t>Self-Stabilizing</a:t>
+            </a:r>
+          </a:p>
+          <a:p>
+            <a:pPr marL="742950" lvl="1" indent="-285750">
+              <a:buFontTx/>
+              <a:buChar char="-"/>
+            </a:pPr>
+            <a:r>
+              <a:rPr lang="en-US" altLang="ko-KR" sz="1400" dirty="0"/>
+              <a:t>soft floor effect </a:t>
+            </a:r>
+            <a:r>
+              <a:rPr lang="ko-KR" altLang="en-US" sz="1400" dirty="0"/>
+              <a:t>가짐</a:t>
+            </a:r>
+            <a:r>
+              <a:rPr lang="en-US" altLang="ko-KR" sz="1400" dirty="0"/>
+              <a:t>. </a:t>
+            </a:r>
+            <a:r>
+              <a:rPr lang="ko-KR" altLang="en-US" sz="1400" dirty="0" err="1"/>
+              <a:t>미분값</a:t>
+            </a:r>
+            <a:r>
+              <a:rPr lang="ko-KR" altLang="en-US" sz="1400" dirty="0"/>
+              <a:t> </a:t>
+            </a:r>
+            <a:r>
+              <a:rPr lang="en-US" altLang="ko-KR" sz="1400" dirty="0"/>
+              <a:t>-1.28 </a:t>
+            </a:r>
+            <a:r>
+              <a:rPr lang="ko-KR" altLang="en-US" sz="1400" dirty="0"/>
+              <a:t>근처에서 </a:t>
+            </a:r>
+            <a:r>
+              <a:rPr lang="en-US" altLang="ko-KR" sz="1400" dirty="0"/>
+              <a:t>0</a:t>
+            </a:r>
+            <a:r>
+              <a:rPr lang="ko-KR" altLang="en-US" sz="1400" dirty="0"/>
+              <a:t>을 가짐</a:t>
+            </a:r>
+            <a:r>
+              <a:rPr lang="en-US" altLang="ko-KR" sz="1400" dirty="0"/>
+              <a:t>. weight </a:t>
+            </a:r>
+            <a:r>
+              <a:rPr lang="ko-KR" altLang="en-US" sz="1400" dirty="0"/>
+              <a:t>과도하게 커짐 방지</a:t>
+            </a:r>
+            <a:endParaRPr lang="en-US" altLang="ko-KR" sz="1400" dirty="0"/>
+          </a:p>
+          <a:p>
+            <a:pPr marL="742950" lvl="1" indent="-285750">
+              <a:buFontTx/>
+              <a:buChar char="-"/>
+            </a:pPr>
+            <a:r>
+              <a:rPr lang="en-US" altLang="ko-KR" sz="1400" dirty="0" err="1"/>
+              <a:t>regularizer</a:t>
+            </a:r>
+            <a:r>
+              <a:rPr lang="en-US" altLang="ko-KR" sz="1400" dirty="0"/>
+              <a:t> </a:t>
+            </a:r>
+            <a:r>
+              <a:rPr lang="ko-KR" altLang="en-US" sz="1400" dirty="0"/>
+              <a:t>역할</a:t>
+            </a:r>
+            <a:r>
+              <a:rPr lang="en-US" altLang="ko-KR" sz="1400" dirty="0"/>
+              <a:t>.</a:t>
+            </a:r>
+            <a:endParaRPr lang="ko-KR" altLang="en-US" sz="1400" dirty="0"/>
           </a:p>
         </p:txBody>
       </p:sp>
       <p:pic>
         <p:nvPicPr>
-          <p:cNvPr id="6" name="그림 5">
-            <a:extLst>
-              <a:ext uri="{FF2B5EF4-FFF2-40B4-BE49-F238E27FC236}">
-                <a16:creationId xmlns:a16="http://schemas.microsoft.com/office/drawing/2014/main" id="{F7541918-1CC8-F54F-BE30-FF1804641473}"/>
+          <p:cNvPr id="6152" name="Picture 8">
+            <a:extLst>
+              <a:ext uri="{FF2B5EF4-FFF2-40B4-BE49-F238E27FC236}">
+                <a16:creationId xmlns:a16="http://schemas.microsoft.com/office/drawing/2014/main" id="{811C2ADC-038E-F4E7-88E2-A59D4812AD65}"/>
+              </a:ext>
+            </a:extLst>
+          </p:cNvPr>
+          <p:cNvPicPr>
+            <a:picLocks noChangeAspect="1" noChangeArrowheads="1"/>
+          </p:cNvPicPr>
+          <p:nvPr/>
+        </p:nvPicPr>
+        <p:blipFill>
+          <a:blip r:embed="rId3">
+            <a:extLst>
+              <a:ext uri="{28A0092B-C50C-407E-A947-70E740481C1C}">
+                <a14:useLocalDpi xmlns:a14="http://schemas.microsoft.com/office/drawing/2010/main" val="0"/>
+              </a:ext>
+            </a:extLst>
+          </a:blip>
+          <a:srcRect/>
+          <a:stretch>
+            <a:fillRect/>
+          </a:stretch>
+        </p:blipFill>
+        <p:spPr bwMode="auto">
+          <a:xfrm>
+            <a:off x="191174" y="1041844"/>
+            <a:ext cx="3620094" cy="3474196"/>
+          </a:xfrm>
+          <a:prstGeom prst="rect">
+            <a:avLst/>
+          </a:prstGeom>
+          <a:noFill/>
+          <a:extLst>
+            <a:ext uri="{909E8E84-426E-40DD-AFC4-6F175D3DCCD1}">
+              <a14:hiddenFill xmlns:a14="http://schemas.microsoft.com/office/drawing/2010/main">
+                <a:solidFill>
+                  <a:srgbClr val="FFFFFF"/>
+                </a:solidFill>
+              </a14:hiddenFill>
+            </a:ext>
+          </a:extLst>
+        </p:spPr>
+      </p:pic>
+      <p:sp>
+        <p:nvSpPr>
+          <p:cNvPr id="11" name="TextBox 10">
+            <a:extLst>
+              <a:ext uri="{FF2B5EF4-FFF2-40B4-BE49-F238E27FC236}">
+                <a16:creationId xmlns:a16="http://schemas.microsoft.com/office/drawing/2014/main" id="{C098F800-E571-10A4-A45A-534FAB4ACD0E}"/>
+              </a:ext>
+            </a:extLst>
+          </p:cNvPr>
+          <p:cNvSpPr txBox="1"/>
+          <p:nvPr/>
+        </p:nvSpPr>
+        <p:spPr>
+          <a:xfrm>
+            <a:off x="183763" y="6595854"/>
+            <a:ext cx="6099586" cy="200055"/>
+          </a:xfrm>
+          <a:prstGeom prst="rect">
+            <a:avLst/>
+          </a:prstGeom>
+          <a:noFill/>
+        </p:spPr>
+        <p:txBody>
+          <a:bodyPr wrap="square">
+            <a:spAutoFit/>
+          </a:bodyPr>
+          <a:lstStyle/>
+          <a:p>
+            <a:r>
+              <a:rPr lang="ko-KR" altLang="en-US" sz="700"/>
+              <a:t>https://</a:t>
+            </a:r>
+            <a:r>
+              <a:rPr lang="ko-KR" altLang="en-US" sz="600"/>
+              <a:t>medium</a:t>
+            </a:r>
+            <a:r>
+              <a:rPr lang="ko-KR" altLang="en-US" sz="700"/>
+              <a:t>.com/@akp83540/silu-sigmoid-linear-unit-activation-function-d9b6845f0c81</a:t>
+            </a:r>
+          </a:p>
+        </p:txBody>
+      </p:sp>
+      <p:sp>
+        <p:nvSpPr>
+          <p:cNvPr id="12" name="TextBox 11">
+            <a:extLst>
+              <a:ext uri="{FF2B5EF4-FFF2-40B4-BE49-F238E27FC236}">
+                <a16:creationId xmlns:a16="http://schemas.microsoft.com/office/drawing/2014/main" id="{CC3FBBB7-427F-3EC9-51EC-487B36EAFCDE}"/>
+              </a:ext>
+            </a:extLst>
+          </p:cNvPr>
+          <p:cNvSpPr txBox="1"/>
+          <p:nvPr/>
+        </p:nvSpPr>
+        <p:spPr>
+          <a:xfrm>
+            <a:off x="4279471" y="2844224"/>
+            <a:ext cx="7257705" cy="1169551"/>
+          </a:xfrm>
+          <a:prstGeom prst="rect">
+            <a:avLst/>
+          </a:prstGeom>
+          <a:noFill/>
+        </p:spPr>
+        <p:txBody>
+          <a:bodyPr wrap="square" rtlCol="0">
+            <a:spAutoFit/>
+          </a:bodyPr>
+          <a:lstStyle/>
+          <a:p>
+            <a:r>
+              <a:rPr lang="ko-KR" altLang="en-US" dirty="0"/>
+              <a:t>장점</a:t>
+            </a:r>
+            <a:endParaRPr lang="en-US" altLang="ko-KR" dirty="0"/>
+          </a:p>
+          <a:p>
+            <a:pPr marL="285750" indent="-285750">
+              <a:buFontTx/>
+              <a:buChar char="-"/>
+            </a:pPr>
+            <a:r>
+              <a:rPr lang="en-US" altLang="ko-KR" dirty="0"/>
+              <a:t>Address “Dying </a:t>
+            </a:r>
+            <a:r>
+              <a:rPr lang="en-US" altLang="ko-KR" dirty="0" err="1"/>
+              <a:t>ReLU</a:t>
+            </a:r>
+            <a:r>
+              <a:rPr lang="en-US" altLang="ko-KR" dirty="0"/>
+              <a:t>” Problem </a:t>
+            </a:r>
+            <a:endParaRPr lang="en-US" altLang="ko-KR" sz="1600" dirty="0"/>
+          </a:p>
+          <a:p>
+            <a:pPr marL="742950" lvl="1" indent="-285750">
+              <a:buFontTx/>
+              <a:buChar char="-"/>
+            </a:pPr>
+            <a:r>
+              <a:rPr lang="en-US" altLang="ko-KR" sz="1600" dirty="0"/>
+              <a:t>weight, bias </a:t>
+            </a:r>
+            <a:r>
+              <a:rPr lang="ko-KR" altLang="en-US" sz="1600" dirty="0"/>
+              <a:t>잘 </a:t>
+            </a:r>
+            <a:r>
+              <a:rPr lang="ko-KR" altLang="en-US" sz="1600" dirty="0" err="1"/>
+              <a:t>세팅되지</a:t>
+            </a:r>
+            <a:r>
+              <a:rPr lang="ko-KR" altLang="en-US" sz="1600" dirty="0"/>
+              <a:t> 않으면 죽어버리는 </a:t>
+            </a:r>
+            <a:r>
+              <a:rPr lang="en-US" altLang="ko-KR" sz="1600" dirty="0" err="1"/>
+              <a:t>ReLU</a:t>
+            </a:r>
+            <a:r>
+              <a:rPr lang="ko-KR" altLang="en-US" sz="1600" dirty="0"/>
+              <a:t>의 단점 완화</a:t>
+            </a:r>
+            <a:endParaRPr lang="en-US" altLang="ko-KR" sz="1600" dirty="0"/>
+          </a:p>
+          <a:p>
+            <a:pPr marL="285750" indent="-285750">
+              <a:buFontTx/>
+              <a:buChar char="-"/>
+            </a:pPr>
+            <a:r>
+              <a:rPr lang="en-US" altLang="ko-KR" dirty="0"/>
+              <a:t>Work well with Batch Normalization</a:t>
+            </a:r>
+            <a:endParaRPr lang="ko-KR" altLang="en-US" dirty="0"/>
+          </a:p>
+        </p:txBody>
+      </p:sp>
+      <p:pic>
+        <p:nvPicPr>
+          <p:cNvPr id="8" name="그림 7">
+            <a:extLst>
+              <a:ext uri="{FF2B5EF4-FFF2-40B4-BE49-F238E27FC236}">
+                <a16:creationId xmlns:a16="http://schemas.microsoft.com/office/drawing/2014/main" id="{9253D303-6ECD-6573-730D-3F658C7DA10F}"/>
               </a:ext>
             </a:extLst>
           </p:cNvPr>
@@ -6291,44 +5535,16 @@
           </p:cNvPicPr>
           <p:nvPr/>
         </p:nvPicPr>
-        <p:blipFill rotWithShape="1">
-          <a:blip r:embed="rId2"/>
-          <a:srcRect t="8269" b="57050"/>
-          <a:stretch/>
+        <p:blipFill>
+          <a:blip r:embed="rId4"/>
+          <a:stretch>
+            <a:fillRect/>
+          </a:stretch>
         </p:blipFill>
         <p:spPr>
           <a:xfrm>
-            <a:off x="5551844" y="1857770"/>
-            <a:ext cx="5512396" cy="1911749"/>
-          </a:xfrm>
-          <a:prstGeom prst="rect">
-            <a:avLst/>
-          </a:prstGeom>
-        </p:spPr>
-      </p:pic>
-      <p:pic>
-        <p:nvPicPr>
-          <p:cNvPr id="7" name="그림 6">
-            <a:extLst>
-              <a:ext uri="{FF2B5EF4-FFF2-40B4-BE49-F238E27FC236}">
-                <a16:creationId xmlns:a16="http://schemas.microsoft.com/office/drawing/2014/main" id="{CE2314E5-B351-2D50-020B-A4041221B84A}"/>
-              </a:ext>
-            </a:extLst>
-          </p:cNvPr>
-          <p:cNvPicPr>
-            <a:picLocks noChangeAspect="1"/>
-          </p:cNvPicPr>
-          <p:nvPr/>
-        </p:nvPicPr>
-        <p:blipFill rotWithShape="1">
-          <a:blip r:embed="rId2"/>
-          <a:srcRect t="58341" b="6979"/>
-          <a:stretch/>
-        </p:blipFill>
-        <p:spPr>
-          <a:xfrm>
-            <a:off x="5551843" y="3589804"/>
-            <a:ext cx="5512396" cy="1911749"/>
+            <a:off x="4442901" y="4396061"/>
+            <a:ext cx="7197671" cy="1403033"/>
           </a:xfrm>
           <a:prstGeom prst="rect">
             <a:avLst/>
@@ -6338,7 +5554,7 @@
     </p:spTree>
     <p:extLst>
       <p:ext uri="{BB962C8B-B14F-4D97-AF65-F5344CB8AC3E}">
-        <p14:creationId xmlns:p14="http://schemas.microsoft.com/office/powerpoint/2010/main" val="58769484"/>
+        <p14:creationId xmlns:p14="http://schemas.microsoft.com/office/powerpoint/2010/main" val="1151045579"/>
       </p:ext>
     </p:extLst>
   </p:cSld>
@@ -6370,7 +5586,7 @@
           <p:cNvPr id="2" name="내용 개체 틀 1">
             <a:extLst>
               <a:ext uri="{FF2B5EF4-FFF2-40B4-BE49-F238E27FC236}">
-                <a16:creationId xmlns:a16="http://schemas.microsoft.com/office/drawing/2014/main" id="{59FD1FB8-ADAC-A887-5912-839A4F44E39F}"/>
+                <a16:creationId xmlns:a16="http://schemas.microsoft.com/office/drawing/2014/main" id="{30CFC3F5-3EE2-0DB6-6F24-D72FF0DF0AB1}"/>
               </a:ext>
             </a:extLst>
           </p:cNvPr>
@@ -6383,8 +5599,8 @@
         </p:nvSpPr>
         <p:spPr>
           <a:xfrm>
-            <a:off x="734291" y="1067089"/>
-            <a:ext cx="10515600" cy="4351338"/>
+            <a:off x="101113" y="2813102"/>
+            <a:ext cx="5625260" cy="2494757"/>
           </a:xfrm>
         </p:spPr>
         <p:txBody>
@@ -6394,57 +5610,9 @@
           <a:lstStyle/>
           <a:p>
             <a:r>
-              <a:rPr lang="ko-KR" altLang="en-US" sz="2400"/>
-              <a:t>금요일 오후 </a:t>
-            </a:r>
-            <a:r>
-              <a:rPr lang="en-US" altLang="ko-KR" sz="2400"/>
-              <a:t>9</a:t>
-            </a:r>
-            <a:r>
-              <a:rPr lang="ko-KR" altLang="en-US" sz="2400"/>
-              <a:t>시부터 학습 진행</a:t>
-            </a:r>
-            <a:endParaRPr lang="en-US" altLang="ko-KR" sz="2400"/>
-          </a:p>
-          <a:p>
-            <a:r>
-              <a:rPr lang="en-US" altLang="ko-KR" sz="2400"/>
-              <a:t>gpu power</a:t>
-            </a:r>
-            <a:r>
-              <a:rPr lang="ko-KR" altLang="en-US" sz="2400"/>
-              <a:t> </a:t>
-            </a:r>
-            <a:r>
-              <a:rPr lang="en-US" altLang="ko-KR" sz="2400"/>
-              <a:t>limit</a:t>
-            </a:r>
-            <a:r>
-              <a:rPr lang="ko-KR" altLang="en-US" sz="2400"/>
-              <a:t>로 </a:t>
-            </a:r>
-            <a:r>
-              <a:rPr lang="en-US" altLang="ko-KR" sz="2400"/>
-              <a:t>1epoch </a:t>
-            </a:r>
-            <a:r>
-              <a:rPr lang="ko-KR" altLang="en-US" sz="2400"/>
-              <a:t>중 학습이 멈춤</a:t>
-            </a:r>
-            <a:endParaRPr lang="en-US" altLang="ko-KR" sz="2400"/>
-          </a:p>
-          <a:p>
-            <a:r>
-              <a:rPr lang="en-US" altLang="ko-KR" sz="2400"/>
-              <a:t>optimizer: SGD</a:t>
-            </a:r>
-          </a:p>
-          <a:p>
-            <a:pPr marL="0" indent="0">
-              <a:buNone/>
-            </a:pPr>
-            <a:endParaRPr lang="ko-KR" altLang="en-US" sz="2400"/>
+              <a:rPr lang="en-US" altLang="ko-KR" sz="2000" dirty="0"/>
+              <a:t>1. Squeeze Operation (Channel Descriptor)</a:t>
+            </a:r>
           </a:p>
         </p:txBody>
       </p:sp>
@@ -6453,7 +5621,7 @@
           <p:cNvPr id="3" name="슬라이드 번호 개체 틀 2">
             <a:extLst>
               <a:ext uri="{FF2B5EF4-FFF2-40B4-BE49-F238E27FC236}">
-                <a16:creationId xmlns:a16="http://schemas.microsoft.com/office/drawing/2014/main" id="{DB28C6F1-2012-83CA-4D8D-1912B7B548D2}"/>
+                <a16:creationId xmlns:a16="http://schemas.microsoft.com/office/drawing/2014/main" id="{FA66B143-63CF-20FC-DAE6-CEC8844F3EE2}"/>
               </a:ext>
             </a:extLst>
           </p:cNvPr>
@@ -6482,7 +5650,7 @@
           <p:cNvPr id="4" name="제목 3">
             <a:extLst>
               <a:ext uri="{FF2B5EF4-FFF2-40B4-BE49-F238E27FC236}">
-                <a16:creationId xmlns:a16="http://schemas.microsoft.com/office/drawing/2014/main" id="{A9E6B87C-2C70-7142-6565-D27F9711B442}"/>
+                <a16:creationId xmlns:a16="http://schemas.microsoft.com/office/drawing/2014/main" id="{5FA6AA6A-000E-BF1D-C28D-6464B6561651}"/>
               </a:ext>
             </a:extLst>
           </p:cNvPr>
@@ -6499,10 +5667,10 @@
           <a:lstStyle/>
           <a:p>
             <a:r>
-              <a:rPr lang="en-US" altLang="ko-KR"/>
-              <a:t>NASNet - Training ImageNet</a:t>
-            </a:r>
-            <a:endParaRPr lang="ko-KR" altLang="en-US"/>
+              <a:rPr lang="en-US" altLang="ko-KR" dirty="0" err="1"/>
+              <a:t>SEBlock</a:t>
+            </a:r>
+            <a:endParaRPr lang="ko-KR" altLang="en-US" dirty="0"/>
           </a:p>
         </p:txBody>
       </p:sp>
@@ -6511,7 +5679,7 @@
           <p:cNvPr id="8" name="그림 7">
             <a:extLst>
               <a:ext uri="{FF2B5EF4-FFF2-40B4-BE49-F238E27FC236}">
-                <a16:creationId xmlns:a16="http://schemas.microsoft.com/office/drawing/2014/main" id="{FF2B4BCF-D0FA-6039-1FFD-959C5670553D}"/>
+                <a16:creationId xmlns:a16="http://schemas.microsoft.com/office/drawing/2014/main" id="{6FEFAD0D-53DF-F6A5-FFF3-2BA47674A72D}"/>
               </a:ext>
             </a:extLst>
           </p:cNvPr>
@@ -6520,400 +5688,97 @@
           </p:cNvPicPr>
           <p:nvPr/>
         </p:nvPicPr>
-        <p:blipFill>
+        <p:blipFill rotWithShape="1">
           <a:blip r:embed="rId2"/>
-          <a:stretch>
-            <a:fillRect/>
-          </a:stretch>
+          <a:srcRect l="3341" r="2861" b="8985"/>
+          <a:stretch/>
         </p:blipFill>
         <p:spPr>
           <a:xfrm>
-            <a:off x="1326547" y="3242758"/>
-            <a:ext cx="8097380" cy="352474"/>
+            <a:off x="261449" y="1334698"/>
+            <a:ext cx="4513944" cy="1326020"/>
           </a:xfrm>
           <a:prstGeom prst="rect">
             <a:avLst/>
           </a:prstGeom>
         </p:spPr>
       </p:pic>
-    </p:spTree>
-    <p:extLst>
-      <p:ext uri="{BB962C8B-B14F-4D97-AF65-F5344CB8AC3E}">
-        <p14:creationId xmlns:p14="http://schemas.microsoft.com/office/powerpoint/2010/main" val="2489855753"/>
-      </p:ext>
-    </p:extLst>
-  </p:cSld>
-  <p:clrMapOvr>
-    <a:masterClrMapping/>
-  </p:clrMapOvr>
-</p:sld>
-</file>
-
-<file path=ppt/slides/slide6.xml><?xml version="1.0" encoding="utf-8"?>
-<p:sld xmlns:a="http://schemas.openxmlformats.org/drawingml/2006/main" xmlns:r="http://schemas.openxmlformats.org/officeDocument/2006/relationships" xmlns:p="http://schemas.openxmlformats.org/presentationml/2006/main">
-  <p:cSld>
-    <p:spTree>
-      <p:nvGrpSpPr>
-        <p:cNvPr id="1" name=""/>
-        <p:cNvGrpSpPr/>
-        <p:nvPr/>
-      </p:nvGrpSpPr>
-      <p:grpSpPr>
-        <a:xfrm>
-          <a:off x="0" y="0"/>
-          <a:ext cx="0" cy="0"/>
-          <a:chOff x="0" y="0"/>
-          <a:chExt cx="0" cy="0"/>
-        </a:xfrm>
-      </p:grpSpPr>
-      <p:sp>
-        <p:nvSpPr>
-          <p:cNvPr id="2" name="내용 개체 틀 1">
-            <a:extLst>
-              <a:ext uri="{FF2B5EF4-FFF2-40B4-BE49-F238E27FC236}">
-                <a16:creationId xmlns:a16="http://schemas.microsoft.com/office/drawing/2014/main" id="{6EF1B9A6-4DEB-FB63-0D79-C2A839594BF6}"/>
-              </a:ext>
-            </a:extLst>
-          </p:cNvPr>
-          <p:cNvSpPr>
-            <a:spLocks noGrp="1"/>
-          </p:cNvSpPr>
-          <p:nvPr>
-            <p:ph idx="1"/>
-          </p:nvPr>
-        </p:nvSpPr>
-        <p:spPr>
-          <a:xfrm>
-            <a:off x="838200" y="866991"/>
-            <a:ext cx="10515600" cy="5124018"/>
-          </a:xfrm>
-        </p:spPr>
-        <p:txBody>
-          <a:bodyPr/>
-          <a:lstStyle/>
-          <a:p>
-            <a:r>
-              <a:rPr lang="en-US" altLang="ko-KR"/>
-              <a:t>motivation</a:t>
-            </a:r>
-          </a:p>
-          <a:p>
-            <a:pPr lvl="1"/>
-            <a:endParaRPr lang="en-US" altLang="ko-KR"/>
-          </a:p>
-          <a:p>
-            <a:pPr marL="0" indent="0">
-              <a:buNone/>
-            </a:pPr>
-            <a:endParaRPr lang="en-US" altLang="ko-KR"/>
-          </a:p>
-          <a:p>
-            <a:r>
-              <a:rPr lang="en-US" altLang="ko-KR"/>
-              <a:t>idea – about Model Scaling + principled method</a:t>
-            </a:r>
-          </a:p>
-          <a:p>
-            <a:pPr lvl="1"/>
-            <a:r>
-              <a:rPr lang="en-US" altLang="ko-KR" b="1"/>
-              <a:t>Compound Coefficient</a:t>
-            </a:r>
-            <a:r>
-              <a:rPr lang="en-US" altLang="ko-KR"/>
-              <a:t> </a:t>
-            </a:r>
-            <a:r>
-              <a:rPr lang="ko-KR" altLang="en-US"/>
-              <a:t>조절</a:t>
-            </a:r>
-            <a:endParaRPr lang="en-US" altLang="ko-KR"/>
-          </a:p>
-          <a:p>
-            <a:pPr lvl="1"/>
-            <a:r>
-              <a:rPr lang="en-US" altLang="ko-KR"/>
-              <a:t>network</a:t>
-            </a:r>
-            <a:r>
-              <a:rPr lang="ko-KR" altLang="en-US"/>
-              <a:t>의 </a:t>
-            </a:r>
-            <a:r>
-              <a:rPr lang="en-US" altLang="ko-KR"/>
-              <a:t>depth, width, resolution </a:t>
-            </a:r>
-            <a:r>
-              <a:rPr lang="ko-KR" altLang="en-US" b="1"/>
-              <a:t>균일하게 확장 </a:t>
-            </a:r>
-            <a:r>
-              <a:rPr lang="en-US" altLang="ko-KR" b="1"/>
-              <a:t>&amp; formulation</a:t>
-            </a:r>
-          </a:p>
-          <a:p>
-            <a:pPr lvl="1"/>
-            <a:r>
-              <a:rPr lang="en-US" altLang="ko-KR"/>
-              <a:t>baseline network design : </a:t>
-            </a:r>
-            <a:r>
-              <a:rPr lang="en-US" altLang="ko-KR" b="1"/>
-              <a:t>EfficientNet</a:t>
-            </a:r>
-          </a:p>
-        </p:txBody>
-      </p:sp>
-      <p:sp>
-        <p:nvSpPr>
-          <p:cNvPr id="3" name="슬라이드 번호 개체 틀 2">
-            <a:extLst>
-              <a:ext uri="{FF2B5EF4-FFF2-40B4-BE49-F238E27FC236}">
-                <a16:creationId xmlns:a16="http://schemas.microsoft.com/office/drawing/2014/main" id="{E1979A38-3324-BE83-02B8-CE1860CF8A41}"/>
-              </a:ext>
-            </a:extLst>
-          </p:cNvPr>
-          <p:cNvSpPr>
-            <a:spLocks noGrp="1"/>
-          </p:cNvSpPr>
-          <p:nvPr>
-            <p:ph type="sldNum" sz="quarter" idx="12"/>
-          </p:nvPr>
-        </p:nvSpPr>
-        <p:spPr/>
-        <p:txBody>
-          <a:bodyPr/>
-          <a:lstStyle/>
-          <a:p>
-            <a:fld id="{697E9AA7-29BF-4588-B153-0341F1751ACF}" type="slidenum">
-              <a:rPr lang="ko-KR" altLang="en-US" smtClean="0"/>
-              <a:t>6</a:t>
-            </a:fld>
-            <a:endParaRPr lang="ko-KR" altLang="en-US"/>
-          </a:p>
-        </p:txBody>
-      </p:sp>
-      <p:sp>
-        <p:nvSpPr>
-          <p:cNvPr id="4" name="제목 3">
-            <a:extLst>
-              <a:ext uri="{FF2B5EF4-FFF2-40B4-BE49-F238E27FC236}">
-                <a16:creationId xmlns:a16="http://schemas.microsoft.com/office/drawing/2014/main" id="{0CDBC108-610E-54C9-2767-9B98B0BBFF8B}"/>
-              </a:ext>
-            </a:extLst>
-          </p:cNvPr>
-          <p:cNvSpPr>
-            <a:spLocks noGrp="1"/>
-          </p:cNvSpPr>
-          <p:nvPr>
-            <p:ph type="title"/>
-          </p:nvPr>
-        </p:nvSpPr>
-        <p:spPr/>
-        <p:txBody>
-          <a:bodyPr/>
-          <a:lstStyle/>
-          <a:p>
-            <a:r>
-              <a:rPr lang="en-US" altLang="ko-KR"/>
-              <a:t>EfficientNet – Motivation, Idea</a:t>
-            </a:r>
-            <a:endParaRPr lang="ko-KR" altLang="en-US"/>
-          </a:p>
-        </p:txBody>
-      </p:sp>
-      <p:sp>
-        <p:nvSpPr>
-          <p:cNvPr id="5" name="사각형: 둥근 모서리 4">
-            <a:extLst>
-              <a:ext uri="{FF2B5EF4-FFF2-40B4-BE49-F238E27FC236}">
-                <a16:creationId xmlns:a16="http://schemas.microsoft.com/office/drawing/2014/main" id="{ED18DC15-BDCF-BB91-8DC4-4E7F63237316}"/>
-              </a:ext>
-            </a:extLst>
-          </p:cNvPr>
-          <p:cNvSpPr/>
-          <p:nvPr/>
-        </p:nvSpPr>
-        <p:spPr>
-          <a:xfrm>
-            <a:off x="1149928" y="1385454"/>
-            <a:ext cx="3158836" cy="678873"/>
-          </a:xfrm>
-          <a:prstGeom prst="roundRect">
-            <a:avLst/>
-          </a:prstGeom>
-          <a:ln w="28575"/>
-        </p:spPr>
-        <p:style>
-          <a:lnRef idx="2">
-            <a:schemeClr val="accent2"/>
-          </a:lnRef>
-          <a:fillRef idx="1">
-            <a:schemeClr val="lt1"/>
-          </a:fillRef>
-          <a:effectRef idx="0">
-            <a:schemeClr val="accent2"/>
-          </a:effectRef>
-          <a:fontRef idx="minor">
-            <a:schemeClr val="dk1"/>
-          </a:fontRef>
-        </p:style>
-        <p:txBody>
-          <a:bodyPr rtlCol="0" anchor="ctr"/>
-          <a:lstStyle/>
-          <a:p>
-            <a:pPr algn="ctr"/>
-            <a:r>
-              <a:rPr lang="ko-KR" altLang="en-US" sz="2000"/>
-              <a:t>제한된 </a:t>
-            </a:r>
-            <a:r>
-              <a:rPr lang="en-US" altLang="ko-KR" sz="2000"/>
-              <a:t>resource</a:t>
-            </a:r>
-            <a:endParaRPr lang="ko-KR" altLang="en-US" sz="2000"/>
-          </a:p>
-        </p:txBody>
-      </p:sp>
-      <p:sp>
-        <p:nvSpPr>
-          <p:cNvPr id="6" name="사각형: 둥근 모서리 5">
-            <a:extLst>
-              <a:ext uri="{FF2B5EF4-FFF2-40B4-BE49-F238E27FC236}">
-                <a16:creationId xmlns:a16="http://schemas.microsoft.com/office/drawing/2014/main" id="{261ED5F8-FF5C-2C19-4CCF-519719574259}"/>
-              </a:ext>
-            </a:extLst>
-          </p:cNvPr>
-          <p:cNvSpPr/>
-          <p:nvPr/>
-        </p:nvSpPr>
-        <p:spPr>
-          <a:xfrm>
-            <a:off x="6423314" y="1385454"/>
-            <a:ext cx="4225636" cy="678873"/>
-          </a:xfrm>
-          <a:prstGeom prst="roundRect">
-            <a:avLst/>
-          </a:prstGeom>
-          <a:ln w="28575"/>
-        </p:spPr>
-        <p:style>
-          <a:lnRef idx="2">
-            <a:schemeClr val="accent2"/>
-          </a:lnRef>
-          <a:fillRef idx="1">
-            <a:schemeClr val="lt1"/>
-          </a:fillRef>
-          <a:effectRef idx="0">
-            <a:schemeClr val="accent2"/>
-          </a:effectRef>
-          <a:fontRef idx="minor">
-            <a:schemeClr val="dk1"/>
-          </a:fontRef>
-        </p:style>
-        <p:txBody>
-          <a:bodyPr rtlCol="0" anchor="ctr"/>
-          <a:lstStyle/>
-          <a:p>
-            <a:pPr algn="ctr"/>
-            <a:r>
-              <a:rPr lang="ko-KR" altLang="en-US" sz="2000"/>
-              <a:t>더 나은 성능</a:t>
-            </a:r>
-            <a:br>
-              <a:rPr lang="en-US" altLang="ko-KR" sz="2000"/>
-            </a:br>
-            <a:r>
-              <a:rPr lang="en-US" altLang="ko-KR" sz="2000"/>
-              <a:t>(</a:t>
-            </a:r>
-            <a:r>
-              <a:rPr lang="ko-KR" altLang="en-US" sz="2000"/>
-              <a:t>대표방법</a:t>
-            </a:r>
-            <a:r>
-              <a:rPr lang="en-US" altLang="ko-KR" sz="2000"/>
-              <a:t>: Model Scaling)</a:t>
-            </a:r>
-          </a:p>
-        </p:txBody>
-      </p:sp>
-      <p:sp>
-        <p:nvSpPr>
-          <p:cNvPr id="7" name="화살표: 왼쪽/오른쪽 6">
-            <a:extLst>
-              <a:ext uri="{FF2B5EF4-FFF2-40B4-BE49-F238E27FC236}">
-                <a16:creationId xmlns:a16="http://schemas.microsoft.com/office/drawing/2014/main" id="{F0115154-8EEB-39C2-9E9F-9B1BAEB38215}"/>
-              </a:ext>
-            </a:extLst>
-          </p:cNvPr>
-          <p:cNvSpPr/>
-          <p:nvPr/>
-        </p:nvSpPr>
-        <p:spPr>
-          <a:xfrm>
-            <a:off x="4874202" y="1620981"/>
-            <a:ext cx="983673" cy="310671"/>
-          </a:xfrm>
-          <a:prstGeom prst="leftRightArrow">
-            <a:avLst/>
-          </a:prstGeom>
-        </p:spPr>
-        <p:style>
-          <a:lnRef idx="2">
-            <a:schemeClr val="accent1">
-              <a:shade val="15000"/>
-            </a:schemeClr>
-          </a:lnRef>
-          <a:fillRef idx="1">
-            <a:schemeClr val="accent1"/>
-          </a:fillRef>
-          <a:effectRef idx="0">
-            <a:schemeClr val="accent1"/>
-          </a:effectRef>
-          <a:fontRef idx="minor">
-            <a:schemeClr val="lt1"/>
-          </a:fontRef>
-        </p:style>
-        <p:txBody>
-          <a:bodyPr rtlCol="0" anchor="ctr"/>
-          <a:lstStyle/>
-          <a:p>
-            <a:pPr algn="ctr"/>
-            <a:endParaRPr lang="ko-KR" altLang="en-US"/>
-          </a:p>
-        </p:txBody>
-      </p:sp>
       <p:pic>
         <p:nvPicPr>
-          <p:cNvPr id="1026" name="Picture 2">
-            <a:extLst>
-              <a:ext uri="{FF2B5EF4-FFF2-40B4-BE49-F238E27FC236}">
-                <a16:creationId xmlns:a16="http://schemas.microsoft.com/office/drawing/2014/main" id="{F6E9790F-C3FE-947C-6AC0-F89F45FB295D}"/>
+          <p:cNvPr id="10" name="그림 9">
+            <a:extLst>
+              <a:ext uri="{FF2B5EF4-FFF2-40B4-BE49-F238E27FC236}">
+                <a16:creationId xmlns:a16="http://schemas.microsoft.com/office/drawing/2014/main" id="{815DC697-D8DD-02F5-ADE2-2AEBC6CE00E0}"/>
               </a:ext>
             </a:extLst>
           </p:cNvPr>
           <p:cNvPicPr>
-            <a:picLocks noChangeAspect="1" noChangeArrowheads="1"/>
+            <a:picLocks noChangeAspect="1"/>
           </p:cNvPicPr>
           <p:nvPr/>
         </p:nvPicPr>
         <p:blipFill rotWithShape="1">
-          <a:blip r:embed="rId3">
-            <a:extLst>
-              <a:ext uri="{28A0092B-C50C-407E-A947-70E740481C1C}">
-                <a14:useLocalDpi xmlns:a14="http://schemas.microsoft.com/office/drawing/2010/main" val="0"/>
-              </a:ext>
-            </a:extLst>
-          </a:blip>
-          <a:srcRect b="12673"/>
+          <a:blip r:embed="rId3"/>
+          <a:srcRect b="23644"/>
           <a:stretch/>
         </p:blipFill>
+        <p:spPr>
+          <a:xfrm>
+            <a:off x="5722307" y="1410975"/>
+            <a:ext cx="6081293" cy="1402127"/>
+          </a:xfrm>
+          <a:prstGeom prst="rect">
+            <a:avLst/>
+          </a:prstGeom>
+        </p:spPr>
+      </p:pic>
+      <p:pic>
+        <p:nvPicPr>
+          <p:cNvPr id="12" name="그림 11">
+            <a:extLst>
+              <a:ext uri="{FF2B5EF4-FFF2-40B4-BE49-F238E27FC236}">
+                <a16:creationId xmlns:a16="http://schemas.microsoft.com/office/drawing/2014/main" id="{2D31B5BE-4D60-01E3-E339-B8BFF55EE7F1}"/>
+              </a:ext>
+            </a:extLst>
+          </p:cNvPr>
+          <p:cNvPicPr>
+            <a:picLocks noChangeAspect="1"/>
+          </p:cNvPicPr>
+          <p:nvPr/>
+        </p:nvPicPr>
+        <p:blipFill rotWithShape="1">
+          <a:blip r:embed="rId4"/>
+          <a:srcRect b="22904"/>
+          <a:stretch/>
+        </p:blipFill>
+        <p:spPr>
+          <a:xfrm>
+            <a:off x="5446486" y="4042593"/>
+            <a:ext cx="6072187" cy="1413608"/>
+          </a:xfrm>
+          <a:prstGeom prst="rect">
+            <a:avLst/>
+          </a:prstGeom>
+        </p:spPr>
+      </p:pic>
+      <p:sp>
+        <p:nvSpPr>
+          <p:cNvPr id="13" name="AutoShape 8">
+            <a:extLst>
+              <a:ext uri="{FF2B5EF4-FFF2-40B4-BE49-F238E27FC236}">
+                <a16:creationId xmlns:a16="http://schemas.microsoft.com/office/drawing/2014/main" id="{26C44D91-92F1-43DE-E86F-3A917E2F9C6A}"/>
+              </a:ext>
+            </a:extLst>
+          </p:cNvPr>
+          <p:cNvSpPr>
+            <a:spLocks noChangeAspect="1" noChangeArrowheads="1"/>
+          </p:cNvSpPr>
+          <p:nvPr/>
+        </p:nvSpPr>
         <p:spPr bwMode="auto">
           <a:xfrm>
-            <a:off x="2456584" y="3993963"/>
-            <a:ext cx="6802581" cy="2718526"/>
+            <a:off x="5943600" y="3908081"/>
+            <a:ext cx="304800" cy="304800"/>
           </a:xfrm>
           <a:prstGeom prst="rect">
             <a:avLst/>
@@ -6929,612 +5794,34 @@
             </a:ext>
           </a:extLst>
         </p:spPr>
-      </p:pic>
-      <p:pic>
-        <p:nvPicPr>
-          <p:cNvPr id="9" name="그림 8">
-            <a:extLst>
-              <a:ext uri="{FF2B5EF4-FFF2-40B4-BE49-F238E27FC236}">
-                <a16:creationId xmlns:a16="http://schemas.microsoft.com/office/drawing/2014/main" id="{4F917EB2-5612-AA27-F2FF-37B61F0574F9}"/>
-              </a:ext>
-            </a:extLst>
-          </p:cNvPr>
-          <p:cNvPicPr>
-            <a:picLocks noChangeAspect="1"/>
-          </p:cNvPicPr>
+        <p:txBody>
+          <a:bodyPr vert="horz" wrap="square" lIns="91440" tIns="45720" rIns="91440" bIns="45720" numCol="1" anchor="t" anchorCtr="0" compatLnSpc="1">
+            <a:prstTxWarp prst="textNoShape">
+              <a:avLst/>
+            </a:prstTxWarp>
+          </a:bodyPr>
+          <a:lstStyle/>
+          <a:p>
+            <a:endParaRPr lang="ko-KR" altLang="en-US"/>
+          </a:p>
+        </p:txBody>
+      </p:sp>
+      <p:sp>
+        <p:nvSpPr>
+          <p:cNvPr id="15" name="TextBox 14">
+            <a:extLst>
+              <a:ext uri="{FF2B5EF4-FFF2-40B4-BE49-F238E27FC236}">
+                <a16:creationId xmlns:a16="http://schemas.microsoft.com/office/drawing/2014/main" id="{05F76D86-C320-1522-461D-2A08F1380BA5}"/>
+              </a:ext>
+            </a:extLst>
+          </p:cNvPr>
+          <p:cNvSpPr txBox="1"/>
           <p:nvPr/>
-        </p:nvPicPr>
-        <p:blipFill rotWithShape="1">
-          <a:blip r:embed="rId4"/>
-          <a:srcRect r="557" b="-8601"/>
-          <a:stretch/>
-        </p:blipFill>
+        </p:nvSpPr>
         <p:spPr>
           <a:xfrm>
-            <a:off x="5857874" y="2818316"/>
-            <a:ext cx="5900234" cy="209549"/>
-          </a:xfrm>
-          <a:prstGeom prst="rect">
-            <a:avLst/>
-          </a:prstGeom>
-        </p:spPr>
-      </p:pic>
-    </p:spTree>
-    <p:extLst>
-      <p:ext uri="{BB962C8B-B14F-4D97-AF65-F5344CB8AC3E}">
-        <p14:creationId xmlns:p14="http://schemas.microsoft.com/office/powerpoint/2010/main" val="1042690081"/>
-      </p:ext>
-    </p:extLst>
-  </p:cSld>
-  <p:clrMapOvr>
-    <a:masterClrMapping/>
-  </p:clrMapOvr>
-</p:sld>
-</file>
-
-<file path=ppt/slides/slide7.xml><?xml version="1.0" encoding="utf-8"?>
-<p:sld xmlns:a="http://schemas.openxmlformats.org/drawingml/2006/main" xmlns:r="http://schemas.openxmlformats.org/officeDocument/2006/relationships" xmlns:p="http://schemas.openxmlformats.org/presentationml/2006/main">
-  <p:cSld>
-    <p:spTree>
-      <p:nvGrpSpPr>
-        <p:cNvPr id="1" name=""/>
-        <p:cNvGrpSpPr/>
-        <p:nvPr/>
-      </p:nvGrpSpPr>
-      <p:grpSpPr>
-        <a:xfrm>
-          <a:off x="0" y="0"/>
-          <a:ext cx="0" cy="0"/>
-          <a:chOff x="0" y="0"/>
-          <a:chExt cx="0" cy="0"/>
-        </a:xfrm>
-      </p:grpSpPr>
-      <p:sp>
-        <p:nvSpPr>
-          <p:cNvPr id="2" name="내용 개체 틀 1">
-            <a:extLst>
-              <a:ext uri="{FF2B5EF4-FFF2-40B4-BE49-F238E27FC236}">
-                <a16:creationId xmlns:a16="http://schemas.microsoft.com/office/drawing/2014/main" id="{913ABBCE-7402-8D31-CCDE-0E45622C4EA5}"/>
-              </a:ext>
-            </a:extLst>
-          </p:cNvPr>
-          <p:cNvSpPr>
-            <a:spLocks noGrp="1"/>
-          </p:cNvSpPr>
-          <p:nvPr>
-            <p:ph idx="1"/>
-          </p:nvPr>
-        </p:nvSpPr>
-        <p:spPr>
-          <a:xfrm>
-            <a:off x="548640" y="1041853"/>
-            <a:ext cx="11129554" cy="4351338"/>
-          </a:xfrm>
-        </p:spPr>
-        <p:txBody>
-          <a:bodyPr/>
-          <a:lstStyle/>
-          <a:p>
-            <a:r>
-              <a:rPr lang="en-US" altLang="ko-KR"/>
-              <a:t>Related</a:t>
-            </a:r>
-            <a:r>
-              <a:rPr lang="ko-KR" altLang="en-US"/>
-              <a:t> </a:t>
-            </a:r>
-            <a:r>
-              <a:rPr lang="en-US" altLang="ko-KR"/>
-              <a:t>Work </a:t>
-            </a:r>
-          </a:p>
-          <a:p>
-            <a:pPr lvl="1"/>
-            <a:r>
-              <a:rPr lang="en-US" altLang="ko-KR"/>
-              <a:t>ConvNet Accuracy</a:t>
-            </a:r>
-          </a:p>
-          <a:p>
-            <a:pPr lvl="2"/>
-            <a:r>
-              <a:rPr lang="en-US" altLang="ko-KR"/>
-              <a:t>Accuracy &lt;-&gt; Hardware Memory Limit : </a:t>
-            </a:r>
-            <a:r>
-              <a:rPr lang="ko-KR" altLang="en-US"/>
-              <a:t>양측 충족 위하여 나은 효율성 필요</a:t>
-            </a:r>
-            <a:endParaRPr lang="en-US" altLang="ko-KR"/>
-          </a:p>
-          <a:p>
-            <a:pPr lvl="1"/>
-            <a:r>
-              <a:rPr lang="en-US" altLang="ko-KR"/>
-              <a:t>ConvNet Efficiency</a:t>
-            </a:r>
-          </a:p>
-          <a:p>
-            <a:pPr lvl="2"/>
-            <a:r>
-              <a:rPr lang="en-US" altLang="ko-KR"/>
-              <a:t>mobile</a:t>
-            </a:r>
-            <a:r>
-              <a:rPr lang="ko-KR" altLang="en-US"/>
-              <a:t>크기는 수작업으로 최적화</a:t>
-            </a:r>
-            <a:r>
-              <a:rPr lang="en-US" altLang="ko-KR"/>
-              <a:t>. Large Model</a:t>
-            </a:r>
-            <a:r>
-              <a:rPr lang="ko-KR" altLang="en-US"/>
-              <a:t>의 경우 </a:t>
-            </a:r>
-            <a:r>
-              <a:rPr lang="en-US" altLang="ko-KR"/>
-              <a:t>NAS </a:t>
-            </a:r>
-            <a:r>
-              <a:rPr lang="ko-KR" altLang="en-US"/>
-              <a:t>방법을 써도 </a:t>
-            </a:r>
-            <a:r>
-              <a:rPr lang="en-US" altLang="ko-KR"/>
-              <a:t>cost </a:t>
-            </a:r>
-            <a:r>
-              <a:rPr lang="ko-KR" altLang="en-US"/>
-              <a:t>초과</a:t>
-            </a:r>
-            <a:endParaRPr lang="en-US" altLang="ko-KR"/>
-          </a:p>
-          <a:p>
-            <a:pPr lvl="2"/>
-            <a:r>
-              <a:rPr lang="en-US" altLang="ko-KR"/>
-              <a:t>super large ConvNet</a:t>
-            </a:r>
-            <a:r>
-              <a:rPr lang="ko-KR" altLang="en-US"/>
-              <a:t>의 모델 효율성 연구 </a:t>
-            </a:r>
-            <a:r>
-              <a:rPr lang="en-US" altLang="ko-KR"/>
-              <a:t>: Model Scaling method </a:t>
-            </a:r>
-            <a:r>
-              <a:rPr lang="ko-KR" altLang="en-US"/>
-              <a:t>활용 </a:t>
-            </a:r>
-            <a:endParaRPr lang="en-US" altLang="ko-KR"/>
-          </a:p>
-          <a:p>
-            <a:pPr lvl="2"/>
-            <a:endParaRPr lang="en-US" altLang="ko-KR"/>
-          </a:p>
-          <a:p>
-            <a:r>
-              <a:rPr lang="en-US" altLang="ko-KR"/>
-              <a:t>Model Scaling</a:t>
-            </a:r>
-          </a:p>
-          <a:p>
-            <a:pPr lvl="1"/>
-            <a:r>
-              <a:rPr lang="en-US" altLang="ko-KR"/>
-              <a:t>Depth(#layers) or Width(#chnnels) or Resolution(image size)</a:t>
-            </a:r>
-          </a:p>
-          <a:p>
-            <a:pPr lvl="1"/>
-            <a:r>
-              <a:rPr lang="ko-KR" altLang="en-US"/>
-              <a:t>이 논문은 </a:t>
-            </a:r>
-            <a:r>
-              <a:rPr lang="en-US" altLang="ko-KR"/>
-              <a:t>3</a:t>
-            </a:r>
-            <a:r>
-              <a:rPr lang="ko-KR" altLang="en-US"/>
-              <a:t>가지 </a:t>
-            </a:r>
-            <a:r>
-              <a:rPr lang="en-US" altLang="ko-KR"/>
-              <a:t>dimension</a:t>
-            </a:r>
-            <a:r>
-              <a:rPr lang="ko-KR" altLang="en-US"/>
-              <a:t>을 모두 변환하여 </a:t>
-            </a:r>
-            <a:r>
-              <a:rPr lang="en-US" altLang="ko-KR"/>
-              <a:t>model </a:t>
-            </a:r>
-            <a:r>
-              <a:rPr lang="ko-KR" altLang="en-US"/>
-              <a:t>최적화를 시도</a:t>
-            </a:r>
-            <a:endParaRPr lang="en-US" altLang="ko-KR"/>
-          </a:p>
-        </p:txBody>
-      </p:sp>
-      <p:sp>
-        <p:nvSpPr>
-          <p:cNvPr id="3" name="슬라이드 번호 개체 틀 2">
-            <a:extLst>
-              <a:ext uri="{FF2B5EF4-FFF2-40B4-BE49-F238E27FC236}">
-                <a16:creationId xmlns:a16="http://schemas.microsoft.com/office/drawing/2014/main" id="{00E25D88-C783-0EA7-1C0C-4A4C70A98687}"/>
-              </a:ext>
-            </a:extLst>
-          </p:cNvPr>
-          <p:cNvSpPr>
-            <a:spLocks noGrp="1"/>
-          </p:cNvSpPr>
-          <p:nvPr>
-            <p:ph type="sldNum" sz="quarter" idx="12"/>
-          </p:nvPr>
-        </p:nvSpPr>
-        <p:spPr/>
-        <p:txBody>
-          <a:bodyPr/>
-          <a:lstStyle/>
-          <a:p>
-            <a:fld id="{697E9AA7-29BF-4588-B153-0341F1751ACF}" type="slidenum">
-              <a:rPr lang="ko-KR" altLang="en-US" smtClean="0"/>
-              <a:t>7</a:t>
-            </a:fld>
-            <a:endParaRPr lang="ko-KR" altLang="en-US"/>
-          </a:p>
-        </p:txBody>
-      </p:sp>
-      <p:sp>
-        <p:nvSpPr>
-          <p:cNvPr id="4" name="제목 3">
-            <a:extLst>
-              <a:ext uri="{FF2B5EF4-FFF2-40B4-BE49-F238E27FC236}">
-                <a16:creationId xmlns:a16="http://schemas.microsoft.com/office/drawing/2014/main" id="{C6937511-3B80-2D30-0F80-DFBDA5256F99}"/>
-              </a:ext>
-            </a:extLst>
-          </p:cNvPr>
-          <p:cNvSpPr>
-            <a:spLocks noGrp="1"/>
-          </p:cNvSpPr>
-          <p:nvPr>
-            <p:ph type="title"/>
-          </p:nvPr>
-        </p:nvSpPr>
-        <p:spPr/>
-        <p:txBody>
-          <a:bodyPr/>
-          <a:lstStyle/>
-          <a:p>
-            <a:r>
-              <a:rPr lang="en-US" altLang="ko-KR"/>
-              <a:t>EfficientNet – Related Work</a:t>
-            </a:r>
-            <a:endParaRPr lang="ko-KR" altLang="en-US"/>
-          </a:p>
-        </p:txBody>
-      </p:sp>
-    </p:spTree>
-    <p:extLst>
-      <p:ext uri="{BB962C8B-B14F-4D97-AF65-F5344CB8AC3E}">
-        <p14:creationId xmlns:p14="http://schemas.microsoft.com/office/powerpoint/2010/main" val="3327027603"/>
-      </p:ext>
-    </p:extLst>
-  </p:cSld>
-  <p:clrMapOvr>
-    <a:masterClrMapping/>
-  </p:clrMapOvr>
-</p:sld>
-</file>
-
-<file path=ppt/slides/slide8.xml><?xml version="1.0" encoding="utf-8"?>
-<p:sld xmlns:a="http://schemas.openxmlformats.org/drawingml/2006/main" xmlns:r="http://schemas.openxmlformats.org/officeDocument/2006/relationships" xmlns:p="http://schemas.openxmlformats.org/presentationml/2006/main">
-  <p:cSld>
-    <p:spTree>
-      <p:nvGrpSpPr>
-        <p:cNvPr id="1" name=""/>
-        <p:cNvGrpSpPr/>
-        <p:nvPr/>
-      </p:nvGrpSpPr>
-      <p:grpSpPr>
-        <a:xfrm>
-          <a:off x="0" y="0"/>
-          <a:ext cx="0" cy="0"/>
-          <a:chOff x="0" y="0"/>
-          <a:chExt cx="0" cy="0"/>
-        </a:xfrm>
-      </p:grpSpPr>
-      <p:sp>
-        <p:nvSpPr>
-          <p:cNvPr id="2" name="내용 개체 틀 1">
-            <a:extLst>
-              <a:ext uri="{FF2B5EF4-FFF2-40B4-BE49-F238E27FC236}">
-                <a16:creationId xmlns:a16="http://schemas.microsoft.com/office/drawing/2014/main" id="{613F2229-ECC9-51F9-95E5-56A59DE7FEB5}"/>
-              </a:ext>
-            </a:extLst>
-          </p:cNvPr>
-          <p:cNvSpPr>
-            <a:spLocks noGrp="1"/>
-          </p:cNvSpPr>
-          <p:nvPr>
-            <p:ph idx="1"/>
-          </p:nvPr>
-        </p:nvSpPr>
-        <p:spPr>
-          <a:xfrm>
-            <a:off x="459376" y="911225"/>
-            <a:ext cx="11453949" cy="5254444"/>
-          </a:xfrm>
-        </p:spPr>
-        <p:txBody>
-          <a:bodyPr/>
-          <a:lstStyle/>
-          <a:p>
-            <a:r>
-              <a:rPr lang="en-US" altLang="ko-KR"/>
-              <a:t>Compound Model Scaling </a:t>
-            </a:r>
-            <a:r>
-              <a:rPr lang="en-US" altLang="ko-KR" sz="2000"/>
-              <a:t>– Scaling </a:t>
-            </a:r>
-            <a:r>
-              <a:rPr lang="ko-KR" altLang="en-US" sz="2000"/>
-              <a:t>문제를 </a:t>
-            </a:r>
-            <a:r>
-              <a:rPr lang="en-US" altLang="ko-KR" sz="2000"/>
-              <a:t>formulate </a:t>
-            </a:r>
-            <a:endParaRPr lang="en-US" altLang="ko-KR"/>
-          </a:p>
-          <a:p>
-            <a:pPr lvl="1"/>
-            <a:r>
-              <a:rPr lang="en-US" altLang="ko-KR"/>
-              <a:t>Problem Formulation</a:t>
-            </a:r>
-          </a:p>
-          <a:p>
-            <a:pPr lvl="1"/>
-            <a:endParaRPr lang="en-US" altLang="ko-KR"/>
-          </a:p>
-          <a:p>
-            <a:pPr lvl="1"/>
-            <a:endParaRPr lang="en-US" altLang="ko-KR"/>
-          </a:p>
-          <a:p>
-            <a:pPr marL="457200" lvl="1" indent="0">
-              <a:buNone/>
-            </a:pPr>
-            <a:endParaRPr lang="en-US" altLang="ko-KR"/>
-          </a:p>
-          <a:p>
-            <a:pPr marL="457200" lvl="1" indent="0">
-              <a:buNone/>
-            </a:pPr>
-            <a:endParaRPr lang="en-US" altLang="ko-KR"/>
-          </a:p>
-          <a:p>
-            <a:pPr lvl="1"/>
-            <a:r>
-              <a:rPr lang="en-US" altLang="ko-KR"/>
-              <a:t>Scaling Dimensions </a:t>
-            </a:r>
-            <a:r>
-              <a:rPr lang="en-US" altLang="ko-KR" sz="2000"/>
-              <a:t>(</a:t>
-            </a:r>
-            <a:r>
-              <a:rPr lang="ko-KR" altLang="en-US" sz="2000"/>
-              <a:t>각 </a:t>
-            </a:r>
-            <a:r>
-              <a:rPr lang="en-US" altLang="ko-KR" sz="2000"/>
-              <a:t>dimension </a:t>
-            </a:r>
-            <a:r>
-              <a:rPr lang="ko-KR" altLang="en-US" sz="2000"/>
-              <a:t>확장할 경우</a:t>
-            </a:r>
-            <a:r>
-              <a:rPr lang="en-US" altLang="ko-KR" sz="2000"/>
-              <a:t>)</a:t>
-            </a:r>
-          </a:p>
-          <a:p>
-            <a:pPr lvl="1"/>
-            <a:endParaRPr lang="en-US" altLang="ko-KR"/>
-          </a:p>
-          <a:p>
-            <a:pPr lvl="1"/>
-            <a:endParaRPr lang="en-US" altLang="ko-KR"/>
-          </a:p>
-          <a:p>
-            <a:pPr lvl="1"/>
-            <a:endParaRPr lang="en-US" altLang="ko-KR"/>
-          </a:p>
-          <a:p>
-            <a:pPr lvl="1"/>
-            <a:endParaRPr lang="en-US" altLang="ko-KR"/>
-          </a:p>
-          <a:p>
-            <a:pPr lvl="1"/>
-            <a:r>
-              <a:rPr lang="en-US" altLang="ko-KR"/>
-              <a:t>Compound Scaling</a:t>
-            </a:r>
-            <a:endParaRPr lang="ko-KR" altLang="en-US"/>
-          </a:p>
-        </p:txBody>
-      </p:sp>
-      <p:sp>
-        <p:nvSpPr>
-          <p:cNvPr id="3" name="슬라이드 번호 개체 틀 2">
-            <a:extLst>
-              <a:ext uri="{FF2B5EF4-FFF2-40B4-BE49-F238E27FC236}">
-                <a16:creationId xmlns:a16="http://schemas.microsoft.com/office/drawing/2014/main" id="{677D6CB1-3D1E-2A71-F4B7-E5C4C0E99AC8}"/>
-              </a:ext>
-            </a:extLst>
-          </p:cNvPr>
-          <p:cNvSpPr>
-            <a:spLocks noGrp="1"/>
-          </p:cNvSpPr>
-          <p:nvPr>
-            <p:ph type="sldNum" sz="quarter" idx="12"/>
-          </p:nvPr>
-        </p:nvSpPr>
-        <p:spPr/>
-        <p:txBody>
-          <a:bodyPr/>
-          <a:lstStyle/>
-          <a:p>
-            <a:fld id="{697E9AA7-29BF-4588-B153-0341F1751ACF}" type="slidenum">
-              <a:rPr lang="ko-KR" altLang="en-US" smtClean="0"/>
-              <a:t>8</a:t>
-            </a:fld>
-            <a:endParaRPr lang="ko-KR" altLang="en-US"/>
-          </a:p>
-        </p:txBody>
-      </p:sp>
-      <p:sp>
-        <p:nvSpPr>
-          <p:cNvPr id="4" name="제목 3">
-            <a:extLst>
-              <a:ext uri="{FF2B5EF4-FFF2-40B4-BE49-F238E27FC236}">
-                <a16:creationId xmlns:a16="http://schemas.microsoft.com/office/drawing/2014/main" id="{1D673204-CC46-B6F6-9C34-B6E2BD6DACB6}"/>
-              </a:ext>
-            </a:extLst>
-          </p:cNvPr>
-          <p:cNvSpPr>
-            <a:spLocks noGrp="1"/>
-          </p:cNvSpPr>
-          <p:nvPr>
-            <p:ph type="title"/>
-          </p:nvPr>
-        </p:nvSpPr>
-        <p:spPr/>
-        <p:txBody>
-          <a:bodyPr/>
-          <a:lstStyle/>
-          <a:p>
-            <a:r>
-              <a:rPr lang="en-US" altLang="ko-KR"/>
-              <a:t>EfficientNet – Compound Model Scaling Method</a:t>
-            </a:r>
-            <a:endParaRPr lang="ko-KR" altLang="en-US"/>
-          </a:p>
-        </p:txBody>
-      </p:sp>
-      <p:pic>
-        <p:nvPicPr>
-          <p:cNvPr id="6" name="그림 5">
-            <a:extLst>
-              <a:ext uri="{FF2B5EF4-FFF2-40B4-BE49-F238E27FC236}">
-                <a16:creationId xmlns:a16="http://schemas.microsoft.com/office/drawing/2014/main" id="{825AF86B-EEFF-1A67-436C-EEE3F61CC049}"/>
-              </a:ext>
-            </a:extLst>
-          </p:cNvPr>
-          <p:cNvPicPr>
-            <a:picLocks noChangeAspect="1"/>
-          </p:cNvPicPr>
-          <p:nvPr/>
-        </p:nvPicPr>
-        <p:blipFill rotWithShape="1">
-          <a:blip r:embed="rId3"/>
-          <a:srcRect l="5181" b="5224"/>
-          <a:stretch/>
-        </p:blipFill>
-        <p:spPr>
-          <a:xfrm>
-            <a:off x="459376" y="2009179"/>
-            <a:ext cx="2458351" cy="488343"/>
-          </a:xfrm>
-          <a:prstGeom prst="rect">
-            <a:avLst/>
-          </a:prstGeom>
-        </p:spPr>
-      </p:pic>
-      <p:pic>
-        <p:nvPicPr>
-          <p:cNvPr id="8" name="그림 7">
-            <a:extLst>
-              <a:ext uri="{FF2B5EF4-FFF2-40B4-BE49-F238E27FC236}">
-                <a16:creationId xmlns:a16="http://schemas.microsoft.com/office/drawing/2014/main" id="{194256CF-5D49-29F2-C5B9-693C16654F38}"/>
-              </a:ext>
-            </a:extLst>
-          </p:cNvPr>
-          <p:cNvPicPr>
-            <a:picLocks noChangeAspect="1"/>
-          </p:cNvPicPr>
-          <p:nvPr/>
-        </p:nvPicPr>
-        <p:blipFill>
-          <a:blip r:embed="rId4"/>
-          <a:stretch>
-            <a:fillRect/>
-          </a:stretch>
-        </p:blipFill>
-        <p:spPr>
-          <a:xfrm>
-            <a:off x="8301323" y="1890806"/>
-            <a:ext cx="3442601" cy="1213432"/>
-          </a:xfrm>
-          <a:prstGeom prst="rect">
-            <a:avLst/>
-          </a:prstGeom>
-        </p:spPr>
-      </p:pic>
-      <p:pic>
-        <p:nvPicPr>
-          <p:cNvPr id="10" name="그림 9">
-            <a:extLst>
-              <a:ext uri="{FF2B5EF4-FFF2-40B4-BE49-F238E27FC236}">
-                <a16:creationId xmlns:a16="http://schemas.microsoft.com/office/drawing/2014/main" id="{7D15CE35-5028-FD0A-0271-E3B5AA692BDC}"/>
-              </a:ext>
-            </a:extLst>
-          </p:cNvPr>
-          <p:cNvPicPr>
-            <a:picLocks noChangeAspect="1"/>
-          </p:cNvPicPr>
-          <p:nvPr/>
-        </p:nvPicPr>
-        <p:blipFill rotWithShape="1">
-          <a:blip r:embed="rId5"/>
-          <a:srcRect t="16493" b="1"/>
-          <a:stretch/>
-        </p:blipFill>
-        <p:spPr>
-          <a:xfrm>
-            <a:off x="276259" y="2546189"/>
-            <a:ext cx="2281882" cy="211723"/>
-          </a:xfrm>
-          <a:prstGeom prst="rect">
-            <a:avLst/>
-          </a:prstGeom>
-        </p:spPr>
-      </p:pic>
-      <p:sp>
-        <p:nvSpPr>
-          <p:cNvPr id="11" name="TextBox 10">
-            <a:extLst>
-              <a:ext uri="{FF2B5EF4-FFF2-40B4-BE49-F238E27FC236}">
-                <a16:creationId xmlns:a16="http://schemas.microsoft.com/office/drawing/2014/main" id="{895A58B4-1E53-B0C9-4A72-2312E1E5E297}"/>
-              </a:ext>
-            </a:extLst>
-          </p:cNvPr>
-          <p:cNvSpPr txBox="1"/>
-          <p:nvPr/>
-        </p:nvSpPr>
-        <p:spPr>
-          <a:xfrm>
-            <a:off x="801249" y="4576133"/>
-            <a:ext cx="8858515" cy="276999"/>
+            <a:off x="5726373" y="1334698"/>
+            <a:ext cx="6099242" cy="400110"/>
           </a:xfrm>
           <a:prstGeom prst="rect">
             <a:avLst/>
@@ -7542,306 +5829,34 @@
           <a:noFill/>
         </p:spPr>
         <p:txBody>
-          <a:bodyPr wrap="none" rtlCol="0">
+          <a:bodyPr wrap="square">
             <a:spAutoFit/>
           </a:bodyPr>
           <a:lstStyle/>
           <a:p>
             <a:r>
-              <a:rPr lang="ko-KR" altLang="en-US" sz="1200">
-                <a:solidFill>
-                  <a:schemeClr val="accent1"/>
-                </a:solidFill>
-              </a:rPr>
-              <a:t>네트워크의 너비</a:t>
-            </a:r>
-            <a:r>
-              <a:rPr lang="en-US" altLang="ko-KR" sz="1200">
-                <a:solidFill>
-                  <a:schemeClr val="accent1"/>
-                </a:solidFill>
-              </a:rPr>
-              <a:t>, </a:t>
-            </a:r>
-            <a:r>
-              <a:rPr lang="ko-KR" altLang="en-US" sz="1200">
-                <a:solidFill>
-                  <a:schemeClr val="accent1"/>
-                </a:solidFill>
-              </a:rPr>
-              <a:t>깊이 또는 해상도의 어떤 차원을 확장하면 정확도가 향상되지만</a:t>
-            </a:r>
-            <a:r>
-              <a:rPr lang="en-US" altLang="ko-KR" sz="1200">
-                <a:solidFill>
-                  <a:schemeClr val="accent1"/>
-                </a:solidFill>
-              </a:rPr>
-              <a:t>, </a:t>
-            </a:r>
-            <a:r>
-              <a:rPr lang="ko-KR" altLang="en-US" sz="1200" b="1">
-                <a:solidFill>
-                  <a:schemeClr val="accent1"/>
-                </a:solidFill>
-              </a:rPr>
-              <a:t>더 큰 모델에 대해서는 정확도 향상이 감소</a:t>
-            </a:r>
-            <a:r>
-              <a:rPr lang="en-US" altLang="ko-KR" sz="1200" b="1">
-                <a:solidFill>
-                  <a:schemeClr val="accent1"/>
-                </a:solidFill>
-              </a:rPr>
-              <a:t>.</a:t>
-            </a:r>
-            <a:endParaRPr lang="ko-KR" altLang="en-US" sz="1200" b="1">
-              <a:solidFill>
-                <a:schemeClr val="accent1"/>
-              </a:solidFill>
-            </a:endParaRPr>
-          </a:p>
-        </p:txBody>
-      </p:sp>
-      <p:sp>
-        <p:nvSpPr>
-          <p:cNvPr id="12" name="사각형: 둥근 모서리 11">
-            <a:extLst>
-              <a:ext uri="{FF2B5EF4-FFF2-40B4-BE49-F238E27FC236}">
-                <a16:creationId xmlns:a16="http://schemas.microsoft.com/office/drawing/2014/main" id="{93AF9A15-D0A9-1DFD-84D4-3CE690CB3A30}"/>
-              </a:ext>
-            </a:extLst>
-          </p:cNvPr>
-          <p:cNvSpPr/>
+              <a:rPr lang="en-US" altLang="ko-KR" sz="2000" dirty="0"/>
+              <a:t>2. Excitation Operation</a:t>
+            </a:r>
+          </a:p>
+        </p:txBody>
+      </p:sp>
+      <p:sp>
+        <p:nvSpPr>
+          <p:cNvPr id="17" name="TextBox 16">
+            <a:extLst>
+              <a:ext uri="{FF2B5EF4-FFF2-40B4-BE49-F238E27FC236}">
+                <a16:creationId xmlns:a16="http://schemas.microsoft.com/office/drawing/2014/main" id="{9291FD47-E36C-CF7A-57A4-8F65BF854A3D}"/>
+              </a:ext>
+            </a:extLst>
+          </p:cNvPr>
+          <p:cNvSpPr txBox="1"/>
           <p:nvPr/>
         </p:nvSpPr>
         <p:spPr>
           <a:xfrm>
-            <a:off x="3508290" y="1750977"/>
-            <a:ext cx="3911414" cy="1004746"/>
-          </a:xfrm>
-          <a:prstGeom prst="roundRect">
-            <a:avLst/>
-          </a:prstGeom>
-        </p:spPr>
-        <p:style>
-          <a:lnRef idx="2">
-            <a:schemeClr val="accent2"/>
-          </a:lnRef>
-          <a:fillRef idx="1">
-            <a:schemeClr val="lt1"/>
-          </a:fillRef>
-          <a:effectRef idx="0">
-            <a:schemeClr val="accent2"/>
-          </a:effectRef>
-          <a:fontRef idx="minor">
-            <a:schemeClr val="dk1"/>
-          </a:fontRef>
-        </p:style>
-        <p:txBody>
-          <a:bodyPr rtlCol="0" anchor="ctr"/>
-          <a:lstStyle/>
-          <a:p>
-            <a:pPr algn="ctr">
-              <a:lnSpc>
-                <a:spcPct val="150000"/>
-              </a:lnSpc>
-            </a:pPr>
-            <a:r>
-              <a:rPr lang="en-US" altLang="ko-KR" sz="1100" b="1">
-                <a:effectLst/>
-              </a:rPr>
-              <a:t>model scaling</a:t>
-            </a:r>
-            <a:endParaRPr lang="en-US" altLang="ko-KR" sz="1100" b="1"/>
-          </a:p>
-          <a:p>
-            <a:pPr algn="ctr">
-              <a:lnSpc>
-                <a:spcPct val="150000"/>
-              </a:lnSpc>
-            </a:pPr>
-            <a:r>
-              <a:rPr lang="ko-KR" altLang="en-US" sz="1100">
-                <a:effectLst/>
-              </a:rPr>
-              <a:t> </a:t>
-            </a:r>
-            <a:r>
-              <a:rPr lang="en-US" altLang="ko-KR" sz="1100">
-                <a:effectLst/>
-              </a:rPr>
-              <a:t>baseline network</a:t>
-            </a:r>
-            <a:r>
-              <a:rPr lang="ko-KR" altLang="en-US" sz="1100">
-                <a:effectLst/>
-              </a:rPr>
-              <a:t>에서 정의된 </a:t>
-            </a:r>
-            <a:r>
-              <a:rPr lang="en-US" altLang="ko-KR" sz="1100" b="1">
-                <a:effectLst/>
-              </a:rPr>
-              <a:t>F_i</a:t>
-            </a:r>
-            <a:r>
-              <a:rPr lang="ko-KR" altLang="en-US" sz="1100" b="1">
-                <a:effectLst/>
-              </a:rPr>
-              <a:t>를 고정 </a:t>
-            </a:r>
-            <a:endParaRPr lang="en-US" altLang="ko-KR" sz="1100" b="1">
-              <a:effectLst/>
-            </a:endParaRPr>
-          </a:p>
-          <a:p>
-            <a:pPr algn="ctr">
-              <a:lnSpc>
-                <a:spcPct val="150000"/>
-              </a:lnSpc>
-            </a:pPr>
-            <a:r>
-              <a:rPr lang="ko-KR" altLang="en-US" sz="1100"/>
-              <a:t>목표 </a:t>
-            </a:r>
-            <a:r>
-              <a:rPr lang="en-US" altLang="ko-KR" sz="1100"/>
-              <a:t>: </a:t>
-            </a:r>
-            <a:r>
-              <a:rPr lang="en-US" altLang="ko-KR" sz="1100">
-                <a:effectLst/>
-              </a:rPr>
-              <a:t>length(L_i), width(C_i), resolution(H_i, W_i)</a:t>
-            </a:r>
-            <a:r>
-              <a:rPr lang="ko-KR" altLang="en-US" sz="1100">
-                <a:effectLst/>
-              </a:rPr>
-              <a:t>를 확장</a:t>
-            </a:r>
-            <a:endParaRPr lang="en-US" altLang="ko-KR" sz="1100">
-              <a:effectLst/>
-            </a:endParaRPr>
-          </a:p>
-          <a:p>
-            <a:pPr algn="ctr">
-              <a:lnSpc>
-                <a:spcPct val="150000"/>
-              </a:lnSpc>
-            </a:pPr>
-            <a:r>
-              <a:rPr lang="en-US" altLang="ko-KR" sz="1100"/>
-              <a:t>+ </a:t>
-            </a:r>
-            <a:r>
-              <a:rPr lang="ko-KR" altLang="en-US" sz="1100"/>
-              <a:t>주어진 </a:t>
-            </a:r>
-            <a:r>
-              <a:rPr lang="en-US" altLang="ko-KR" sz="1100"/>
-              <a:t>resource constraints</a:t>
-            </a:r>
-            <a:r>
-              <a:rPr lang="ko-KR" altLang="en-US" sz="1100"/>
-              <a:t>에서 모델정확도 최대화</a:t>
-            </a:r>
-          </a:p>
-        </p:txBody>
-      </p:sp>
-      <p:sp>
-        <p:nvSpPr>
-          <p:cNvPr id="13" name="사각형: 둥근 모서리 12">
-            <a:extLst>
-              <a:ext uri="{FF2B5EF4-FFF2-40B4-BE49-F238E27FC236}">
-                <a16:creationId xmlns:a16="http://schemas.microsoft.com/office/drawing/2014/main" id="{7A29C162-9617-E5C2-6718-5714EA713B3A}"/>
-              </a:ext>
-            </a:extLst>
-          </p:cNvPr>
-          <p:cNvSpPr/>
-          <p:nvPr/>
-        </p:nvSpPr>
-        <p:spPr>
-          <a:xfrm>
-            <a:off x="3150386" y="2755723"/>
-            <a:ext cx="4793033" cy="307777"/>
-          </a:xfrm>
-          <a:prstGeom prst="roundRect">
-            <a:avLst/>
-          </a:prstGeom>
-        </p:spPr>
-        <p:style>
-          <a:lnRef idx="2">
-            <a:schemeClr val="accent2"/>
-          </a:lnRef>
-          <a:fillRef idx="1">
-            <a:schemeClr val="lt1"/>
-          </a:fillRef>
-          <a:effectRef idx="0">
-            <a:schemeClr val="accent2"/>
-          </a:effectRef>
-          <a:fontRef idx="minor">
-            <a:schemeClr val="dk1"/>
-          </a:fontRef>
-        </p:style>
-        <p:txBody>
-          <a:bodyPr rtlCol="0" anchor="ctr"/>
-          <a:lstStyle/>
-          <a:p>
-            <a:pPr algn="ctr">
-              <a:lnSpc>
-                <a:spcPct val="150000"/>
-              </a:lnSpc>
-            </a:pPr>
-            <a:r>
-              <a:rPr lang="en-US" altLang="ko-KR" sz="1100"/>
-              <a:t>design</a:t>
-            </a:r>
-            <a:r>
-              <a:rPr lang="ko-KR" altLang="en-US" sz="1100"/>
-              <a:t> </a:t>
-            </a:r>
-            <a:r>
-              <a:rPr lang="en-US" altLang="ko-KR" sz="1100"/>
-              <a:t>space</a:t>
-            </a:r>
-            <a:r>
-              <a:rPr lang="ko-KR" altLang="en-US" sz="1100"/>
-              <a:t>줄이기 위해 </a:t>
-            </a:r>
-            <a:r>
-              <a:rPr lang="en-US" altLang="ko-KR" sz="1100"/>
-              <a:t>L, C, H, W</a:t>
-            </a:r>
-            <a:r>
-              <a:rPr lang="ko-KR" altLang="en-US" sz="1100"/>
-              <a:t>를 동일한 비율로 균일하게 </a:t>
-            </a:r>
-            <a:r>
-              <a:rPr lang="en-US" altLang="ko-KR" sz="1100"/>
-              <a:t>scaling</a:t>
-            </a:r>
-            <a:endParaRPr lang="ko-KR" altLang="en-US" sz="1100"/>
-          </a:p>
-        </p:txBody>
-      </p:sp>
-      <p:sp>
-        <p:nvSpPr>
-          <p:cNvPr id="14" name="TextBox 13">
-            <a:extLst>
-              <a:ext uri="{FF2B5EF4-FFF2-40B4-BE49-F238E27FC236}">
-                <a16:creationId xmlns:a16="http://schemas.microsoft.com/office/drawing/2014/main" id="{304962D1-7C51-75CF-3915-B584301D5DA9}"/>
-              </a:ext>
-            </a:extLst>
-          </p:cNvPr>
-          <p:cNvSpPr txBox="1"/>
-          <p:nvPr/>
-        </p:nvSpPr>
-        <p:spPr>
-          <a:xfrm>
-            <a:off x="8223895" y="1506370"/>
-            <a:ext cx="3112134" cy="307777"/>
+            <a:off x="5901518" y="3987194"/>
+            <a:ext cx="6099242" cy="400110"/>
           </a:xfrm>
           <a:prstGeom prst="rect">
             <a:avLst/>
@@ -7849,709 +5864,36 @@
           <a:noFill/>
         </p:spPr>
         <p:txBody>
-          <a:bodyPr wrap="none" rtlCol="0">
+          <a:bodyPr wrap="square">
             <a:spAutoFit/>
           </a:bodyPr>
           <a:lstStyle/>
           <a:p>
             <a:r>
-              <a:rPr lang="en-US" altLang="ko-KR" sz="1400" b="1"/>
-              <a:t>Formulated Optimization Problem</a:t>
-            </a:r>
-            <a:endParaRPr lang="ko-KR" altLang="en-US" sz="1400" b="1"/>
-          </a:p>
-        </p:txBody>
-      </p:sp>
-      <p:sp>
-        <p:nvSpPr>
-          <p:cNvPr id="15" name="사각형: 둥근 모서리 14">
-            <a:extLst>
-              <a:ext uri="{FF2B5EF4-FFF2-40B4-BE49-F238E27FC236}">
-                <a16:creationId xmlns:a16="http://schemas.microsoft.com/office/drawing/2014/main" id="{621C8F35-96C3-31DF-6325-DDC20EE376DC}"/>
-              </a:ext>
-            </a:extLst>
-          </p:cNvPr>
-          <p:cNvSpPr/>
+              <a:rPr lang="en-US" altLang="ko-KR" sz="2000" dirty="0"/>
+              <a:t>3. Rescaling</a:t>
+            </a:r>
+          </a:p>
+        </p:txBody>
+      </p:sp>
+      <p:sp>
+        <p:nvSpPr>
+          <p:cNvPr id="18" name="내용 개체 틀 1">
+            <a:extLst>
+              <a:ext uri="{FF2B5EF4-FFF2-40B4-BE49-F238E27FC236}">
+                <a16:creationId xmlns:a16="http://schemas.microsoft.com/office/drawing/2014/main" id="{81C6D851-9251-65D9-6D52-2BB4370F10BD}"/>
+              </a:ext>
+            </a:extLst>
+          </p:cNvPr>
+          <p:cNvSpPr txBox="1">
+            <a:spLocks/>
+          </p:cNvSpPr>
           <p:nvPr/>
         </p:nvSpPr>
         <p:spPr>
           <a:xfrm>
-            <a:off x="459376" y="3765985"/>
-            <a:ext cx="2933811" cy="773356"/>
-          </a:xfrm>
-          <a:prstGeom prst="roundRect">
-            <a:avLst/>
-          </a:prstGeom>
-        </p:spPr>
-        <p:style>
-          <a:lnRef idx="2">
-            <a:schemeClr val="accent6"/>
-          </a:lnRef>
-          <a:fillRef idx="1">
-            <a:schemeClr val="lt1"/>
-          </a:fillRef>
-          <a:effectRef idx="0">
-            <a:schemeClr val="accent6"/>
-          </a:effectRef>
-          <a:fontRef idx="minor">
-            <a:schemeClr val="dk1"/>
-          </a:fontRef>
-        </p:style>
-        <p:txBody>
-          <a:bodyPr rtlCol="0" anchor="ctr"/>
-          <a:lstStyle/>
-          <a:p>
-            <a:pPr algn="ctr">
-              <a:lnSpc>
-                <a:spcPct val="150000"/>
-              </a:lnSpc>
-            </a:pPr>
-            <a:r>
-              <a:rPr lang="en-US" altLang="ko-KR" sz="1100" b="1">
-                <a:effectLst/>
-              </a:rPr>
-              <a:t>Depth (d)</a:t>
-            </a:r>
-          </a:p>
-          <a:p>
-            <a:pPr algn="ctr">
-              <a:lnSpc>
-                <a:spcPct val="150000"/>
-              </a:lnSpc>
-            </a:pPr>
-            <a:r>
-              <a:rPr lang="ko-KR" altLang="en-US" sz="1100"/>
-              <a:t>장 </a:t>
-            </a:r>
-            <a:r>
-              <a:rPr lang="en-US" altLang="ko-KR" sz="1100"/>
-              <a:t>: </a:t>
-            </a:r>
-            <a:r>
-              <a:rPr lang="ko-KR" altLang="en-US" sz="1100"/>
-              <a:t>복잡한 </a:t>
-            </a:r>
-            <a:r>
-              <a:rPr lang="en-US" altLang="ko-KR" sz="1100"/>
-              <a:t>feature capture, </a:t>
-            </a:r>
-            <a:r>
-              <a:rPr lang="ko-KR" altLang="en-US" sz="1100"/>
-              <a:t>일반화좋음</a:t>
-            </a:r>
-            <a:endParaRPr lang="en-US" altLang="ko-KR" sz="1100"/>
-          </a:p>
-          <a:p>
-            <a:pPr algn="ctr">
-              <a:lnSpc>
-                <a:spcPct val="150000"/>
-              </a:lnSpc>
-            </a:pPr>
-            <a:r>
-              <a:rPr lang="ko-KR" altLang="en-US" sz="1100">
-                <a:effectLst/>
-              </a:rPr>
-              <a:t>단 </a:t>
-            </a:r>
-            <a:r>
-              <a:rPr lang="en-US" altLang="ko-KR" sz="1100">
-                <a:effectLst/>
-              </a:rPr>
-              <a:t>: gradient vanishing, </a:t>
-            </a:r>
-            <a:r>
-              <a:rPr lang="en-US" altLang="ko-KR" sz="1100"/>
-              <a:t>acc</a:t>
-            </a:r>
-            <a:r>
-              <a:rPr lang="ko-KR" altLang="en-US" sz="1100"/>
-              <a:t>향상 더딤</a:t>
-            </a:r>
-          </a:p>
-        </p:txBody>
-      </p:sp>
-      <p:sp>
-        <p:nvSpPr>
-          <p:cNvPr id="16" name="사각형: 둥근 모서리 15">
-            <a:extLst>
-              <a:ext uri="{FF2B5EF4-FFF2-40B4-BE49-F238E27FC236}">
-                <a16:creationId xmlns:a16="http://schemas.microsoft.com/office/drawing/2014/main" id="{B232A1E0-594E-4181-EBBC-61EBCD56E393}"/>
-              </a:ext>
-            </a:extLst>
-          </p:cNvPr>
-          <p:cNvSpPr/>
-          <p:nvPr/>
-        </p:nvSpPr>
-        <p:spPr>
-          <a:xfrm>
-            <a:off x="3896449" y="3756591"/>
-            <a:ext cx="3992952" cy="773356"/>
-          </a:xfrm>
-          <a:prstGeom prst="roundRect">
-            <a:avLst/>
-          </a:prstGeom>
-        </p:spPr>
-        <p:style>
-          <a:lnRef idx="2">
-            <a:schemeClr val="accent6"/>
-          </a:lnRef>
-          <a:fillRef idx="1">
-            <a:schemeClr val="lt1"/>
-          </a:fillRef>
-          <a:effectRef idx="0">
-            <a:schemeClr val="accent6"/>
-          </a:effectRef>
-          <a:fontRef idx="minor">
-            <a:schemeClr val="dk1"/>
-          </a:fontRef>
-        </p:style>
-        <p:txBody>
-          <a:bodyPr rtlCol="0" anchor="ctr"/>
-          <a:lstStyle/>
-          <a:p>
-            <a:pPr algn="ctr">
-              <a:lnSpc>
-                <a:spcPct val="150000"/>
-              </a:lnSpc>
-            </a:pPr>
-            <a:r>
-              <a:rPr lang="en-US" altLang="ko-KR" sz="1100" b="1">
-                <a:effectLst/>
-              </a:rPr>
-              <a:t>Width (w)</a:t>
-            </a:r>
-          </a:p>
-          <a:p>
-            <a:pPr algn="ctr">
-              <a:lnSpc>
-                <a:spcPct val="150000"/>
-              </a:lnSpc>
-            </a:pPr>
-            <a:r>
-              <a:rPr lang="ko-KR" altLang="en-US" sz="1100"/>
-              <a:t>장 </a:t>
-            </a:r>
-            <a:r>
-              <a:rPr lang="en-US" altLang="ko-KR" sz="1100"/>
-              <a:t>: </a:t>
-            </a:r>
-            <a:r>
-              <a:rPr lang="ko-KR" altLang="en-US" sz="1100"/>
-              <a:t>세부적인 </a:t>
-            </a:r>
-            <a:r>
-              <a:rPr lang="en-US" altLang="ko-KR" sz="1100"/>
-              <a:t>feature capture, </a:t>
-            </a:r>
-            <a:r>
-              <a:rPr lang="ko-KR" altLang="en-US" sz="1100"/>
-              <a:t>학습 쉬움</a:t>
-            </a:r>
-            <a:endParaRPr lang="en-US" altLang="ko-KR" sz="1100"/>
-          </a:p>
-          <a:p>
-            <a:pPr algn="ctr">
-              <a:lnSpc>
-                <a:spcPct val="150000"/>
-              </a:lnSpc>
-            </a:pPr>
-            <a:r>
-              <a:rPr lang="ko-KR" altLang="en-US" sz="1100">
-                <a:effectLst/>
-              </a:rPr>
-              <a:t>단 </a:t>
-            </a:r>
-            <a:r>
-              <a:rPr lang="en-US" altLang="ko-KR" sz="1100">
-                <a:effectLst/>
-              </a:rPr>
-              <a:t>: </a:t>
-            </a:r>
-            <a:r>
-              <a:rPr lang="ko-KR" altLang="en-US" sz="1100">
-                <a:effectLst/>
-              </a:rPr>
-              <a:t>극단적 </a:t>
-            </a:r>
-            <a:r>
-              <a:rPr lang="en-US" altLang="ko-KR" sz="1100">
-                <a:effectLst/>
-              </a:rPr>
-              <a:t>wide&amp;shallow</a:t>
-            </a:r>
-            <a:r>
-              <a:rPr lang="ko-KR" altLang="en-US" sz="1100">
-                <a:effectLst/>
-              </a:rPr>
-              <a:t>는 </a:t>
-            </a:r>
-            <a:r>
-              <a:rPr lang="ko-KR" altLang="en-US" sz="1100"/>
-              <a:t>고차원특징 </a:t>
-            </a:r>
-            <a:r>
-              <a:rPr lang="en-US" altLang="ko-KR" sz="1100"/>
-              <a:t>capture </a:t>
-            </a:r>
-            <a:r>
-              <a:rPr lang="ko-KR" altLang="en-US" sz="1100"/>
-              <a:t>어려움</a:t>
-            </a:r>
-          </a:p>
-        </p:txBody>
-      </p:sp>
-      <p:sp>
-        <p:nvSpPr>
-          <p:cNvPr id="17" name="사각형: 둥근 모서리 16">
-            <a:extLst>
-              <a:ext uri="{FF2B5EF4-FFF2-40B4-BE49-F238E27FC236}">
-                <a16:creationId xmlns:a16="http://schemas.microsoft.com/office/drawing/2014/main" id="{A3A1D0D6-57C7-0A4E-46BC-48D497CE8C99}"/>
-              </a:ext>
-            </a:extLst>
-          </p:cNvPr>
-          <p:cNvSpPr/>
-          <p:nvPr/>
-        </p:nvSpPr>
-        <p:spPr>
-          <a:xfrm>
-            <a:off x="8377931" y="3768395"/>
-            <a:ext cx="3112134" cy="773356"/>
-          </a:xfrm>
-          <a:prstGeom prst="roundRect">
-            <a:avLst/>
-          </a:prstGeom>
-        </p:spPr>
-        <p:style>
-          <a:lnRef idx="2">
-            <a:schemeClr val="accent6"/>
-          </a:lnRef>
-          <a:fillRef idx="1">
-            <a:schemeClr val="lt1"/>
-          </a:fillRef>
-          <a:effectRef idx="0">
-            <a:schemeClr val="accent6"/>
-          </a:effectRef>
-          <a:fontRef idx="minor">
-            <a:schemeClr val="dk1"/>
-          </a:fontRef>
-        </p:style>
-        <p:txBody>
-          <a:bodyPr rtlCol="0" anchor="ctr"/>
-          <a:lstStyle/>
-          <a:p>
-            <a:pPr algn="ctr">
-              <a:lnSpc>
-                <a:spcPct val="150000"/>
-              </a:lnSpc>
-            </a:pPr>
-            <a:r>
-              <a:rPr lang="en-US" altLang="ko-KR" sz="1100" b="1">
-                <a:effectLst/>
-              </a:rPr>
-              <a:t>Resolution (r)</a:t>
-            </a:r>
-          </a:p>
-          <a:p>
-            <a:pPr algn="ctr">
-              <a:lnSpc>
-                <a:spcPct val="150000"/>
-              </a:lnSpc>
-            </a:pPr>
-            <a:r>
-              <a:rPr lang="ko-KR" altLang="en-US" sz="1100"/>
-              <a:t>장 </a:t>
-            </a:r>
-            <a:r>
-              <a:rPr lang="en-US" altLang="ko-KR" sz="1100"/>
-              <a:t>: detailed</a:t>
-            </a:r>
-            <a:r>
-              <a:rPr lang="ko-KR" altLang="en-US" sz="1100"/>
-              <a:t> </a:t>
-            </a:r>
-            <a:r>
-              <a:rPr lang="en-US" altLang="ko-KR" sz="1100"/>
-              <a:t>pattern capture, </a:t>
-            </a:r>
-            <a:r>
-              <a:rPr lang="ko-KR" altLang="en-US" sz="1100"/>
-              <a:t>정확도 향상</a:t>
-            </a:r>
-            <a:endParaRPr lang="en-US" altLang="ko-KR" sz="1100"/>
-          </a:p>
-          <a:p>
-            <a:pPr algn="ctr">
-              <a:lnSpc>
-                <a:spcPct val="150000"/>
-              </a:lnSpc>
-            </a:pPr>
-            <a:r>
-              <a:rPr lang="ko-KR" altLang="en-US" sz="1100">
-                <a:effectLst/>
-              </a:rPr>
-              <a:t>단 </a:t>
-            </a:r>
-            <a:r>
-              <a:rPr lang="en-US" altLang="ko-KR" sz="1100">
-                <a:effectLst/>
-              </a:rPr>
-              <a:t>: </a:t>
-            </a:r>
-            <a:r>
-              <a:rPr lang="en-US" altLang="ko-KR" sz="1100"/>
-              <a:t>acc</a:t>
-            </a:r>
-            <a:r>
-              <a:rPr lang="ko-KR" altLang="en-US" sz="1100"/>
-              <a:t> 향상 더딤</a:t>
-            </a:r>
-          </a:p>
-        </p:txBody>
-      </p:sp>
-      <p:pic>
-        <p:nvPicPr>
-          <p:cNvPr id="3074" name="Picture 2">
-            <a:extLst>
-              <a:ext uri="{FF2B5EF4-FFF2-40B4-BE49-F238E27FC236}">
-                <a16:creationId xmlns:a16="http://schemas.microsoft.com/office/drawing/2014/main" id="{8C47F461-C764-112D-5494-0AF1BF9907E4}"/>
-              </a:ext>
-            </a:extLst>
-          </p:cNvPr>
-          <p:cNvPicPr>
-            <a:picLocks noChangeAspect="1" noChangeArrowheads="1"/>
-          </p:cNvPicPr>
-          <p:nvPr/>
-        </p:nvPicPr>
-        <p:blipFill rotWithShape="1">
-          <a:blip r:embed="rId6">
-            <a:extLst>
-              <a:ext uri="{28A0092B-C50C-407E-A947-70E740481C1C}">
-                <a14:useLocalDpi xmlns:a14="http://schemas.microsoft.com/office/drawing/2010/main" val="0"/>
-              </a:ext>
-            </a:extLst>
-          </a:blip>
-          <a:srcRect b="30113"/>
-          <a:stretch/>
-        </p:blipFill>
-        <p:spPr bwMode="auto">
-          <a:xfrm>
-            <a:off x="5303757" y="4964472"/>
-            <a:ext cx="2375021" cy="1691230"/>
-          </a:xfrm>
-          <a:prstGeom prst="rect">
-            <a:avLst/>
-          </a:prstGeom>
-          <a:noFill/>
-          <a:extLst>
-            <a:ext uri="{909E8E84-426E-40DD-AFC4-6F175D3DCCD1}">
-              <a14:hiddenFill xmlns:a14="http://schemas.microsoft.com/office/drawing/2010/main">
-                <a:solidFill>
-                  <a:srgbClr val="FFFFFF"/>
-                </a:solidFill>
-              </a14:hiddenFill>
-            </a:ext>
-          </a:extLst>
-        </p:spPr>
-      </p:pic>
-      <p:sp>
-        <p:nvSpPr>
-          <p:cNvPr id="18" name="TextBox 17">
-            <a:extLst>
-              <a:ext uri="{FF2B5EF4-FFF2-40B4-BE49-F238E27FC236}">
-                <a16:creationId xmlns:a16="http://schemas.microsoft.com/office/drawing/2014/main" id="{A78B05A4-7DF5-9564-C31B-AD826050E54F}"/>
-              </a:ext>
-            </a:extLst>
-          </p:cNvPr>
-          <p:cNvSpPr txBox="1"/>
-          <p:nvPr/>
-        </p:nvSpPr>
-        <p:spPr>
-          <a:xfrm>
-            <a:off x="739412" y="5750818"/>
-            <a:ext cx="4381228" cy="646331"/>
-          </a:xfrm>
-          <a:prstGeom prst="rect">
-            <a:avLst/>
-          </a:prstGeom>
-          <a:noFill/>
-        </p:spPr>
-        <p:txBody>
-          <a:bodyPr wrap="square" rtlCol="0">
-            <a:spAutoFit/>
-          </a:bodyPr>
-          <a:lstStyle/>
-          <a:p>
-            <a:r>
-              <a:rPr lang="ko-KR" altLang="en-US" sz="1200">
-                <a:solidFill>
-                  <a:schemeClr val="accent1"/>
-                </a:solidFill>
-              </a:rPr>
-              <a:t>더 나은 정확도와 효율성을 추구하기 위해</a:t>
-            </a:r>
-            <a:r>
-              <a:rPr lang="en-US" altLang="ko-KR" sz="1200">
-                <a:solidFill>
-                  <a:schemeClr val="accent1"/>
-                </a:solidFill>
-              </a:rPr>
-              <a:t>, ConvNet </a:t>
-            </a:r>
-            <a:r>
-              <a:rPr lang="ko-KR" altLang="en-US" sz="1200">
-                <a:solidFill>
-                  <a:schemeClr val="accent1"/>
-                </a:solidFill>
-              </a:rPr>
-              <a:t>스케일링 과정에서 네트워크의 </a:t>
-            </a:r>
-            <a:r>
-              <a:rPr lang="en-US" altLang="ko-KR" sz="1200">
-                <a:solidFill>
-                  <a:schemeClr val="accent1"/>
-                </a:solidFill>
-              </a:rPr>
-              <a:t>width, depth, resolution</a:t>
-            </a:r>
-            <a:r>
-              <a:rPr lang="ko-KR" altLang="en-US" sz="1200">
-                <a:solidFill>
-                  <a:schemeClr val="accent1"/>
-                </a:solidFill>
-              </a:rPr>
-              <a:t>의 </a:t>
-            </a:r>
-            <a:r>
-              <a:rPr lang="ko-KR" altLang="en-US" sz="1200" b="1">
-                <a:solidFill>
-                  <a:schemeClr val="accent1"/>
-                </a:solidFill>
-              </a:rPr>
-              <a:t>모든 차원을 균형 있게 조정</a:t>
-            </a:r>
-            <a:r>
-              <a:rPr lang="ko-KR" altLang="en-US" sz="1200">
-                <a:solidFill>
-                  <a:schemeClr val="accent1"/>
-                </a:solidFill>
-              </a:rPr>
-              <a:t>하는 것이 중요</a:t>
-            </a:r>
-            <a:r>
-              <a:rPr lang="en-US" altLang="ko-KR" sz="1200">
-                <a:solidFill>
-                  <a:schemeClr val="accent1"/>
-                </a:solidFill>
-              </a:rPr>
-              <a:t>.</a:t>
-            </a:r>
-            <a:endParaRPr lang="ko-KR" altLang="en-US" sz="1200" b="1">
-              <a:solidFill>
-                <a:schemeClr val="accent1"/>
-              </a:solidFill>
-            </a:endParaRPr>
-          </a:p>
-        </p:txBody>
-      </p:sp>
-      <p:pic>
-        <p:nvPicPr>
-          <p:cNvPr id="20" name="그림 19">
-            <a:extLst>
-              <a:ext uri="{FF2B5EF4-FFF2-40B4-BE49-F238E27FC236}">
-                <a16:creationId xmlns:a16="http://schemas.microsoft.com/office/drawing/2014/main" id="{174D5CA9-443F-A1BD-D77E-85F0735F3132}"/>
-              </a:ext>
-            </a:extLst>
-          </p:cNvPr>
-          <p:cNvPicPr>
-            <a:picLocks noChangeAspect="1"/>
-          </p:cNvPicPr>
-          <p:nvPr/>
-        </p:nvPicPr>
-        <p:blipFill>
-          <a:blip r:embed="rId7"/>
-          <a:stretch>
-            <a:fillRect/>
-          </a:stretch>
-        </p:blipFill>
-        <p:spPr>
-          <a:xfrm>
-            <a:off x="8653841" y="4968056"/>
-            <a:ext cx="1932090" cy="426393"/>
-          </a:xfrm>
-          <a:prstGeom prst="rect">
-            <a:avLst/>
-          </a:prstGeom>
-        </p:spPr>
-      </p:pic>
-      <p:pic>
-        <p:nvPicPr>
-          <p:cNvPr id="3076" name="Picture 4">
-            <a:extLst>
-              <a:ext uri="{FF2B5EF4-FFF2-40B4-BE49-F238E27FC236}">
-                <a16:creationId xmlns:a16="http://schemas.microsoft.com/office/drawing/2014/main" id="{B3105980-7C22-D7B4-F481-C4938CF13502}"/>
-              </a:ext>
-            </a:extLst>
-          </p:cNvPr>
-          <p:cNvPicPr>
-            <a:picLocks noChangeAspect="1" noChangeArrowheads="1"/>
-          </p:cNvPicPr>
-          <p:nvPr/>
-        </p:nvPicPr>
-        <p:blipFill>
-          <a:blip r:embed="rId8">
-            <a:extLst>
-              <a:ext uri="{28A0092B-C50C-407E-A947-70E740481C1C}">
-                <a14:useLocalDpi xmlns:a14="http://schemas.microsoft.com/office/drawing/2010/main" val="0"/>
-              </a:ext>
-            </a:extLst>
-          </a:blip>
-          <a:srcRect/>
-          <a:stretch>
-            <a:fillRect/>
-          </a:stretch>
-        </p:blipFill>
-        <p:spPr bwMode="auto">
-          <a:xfrm>
-            <a:off x="8442354" y="5368033"/>
-            <a:ext cx="2375020" cy="1318417"/>
-          </a:xfrm>
-          <a:prstGeom prst="rect">
-            <a:avLst/>
-          </a:prstGeom>
-          <a:noFill/>
-          <a:extLst>
-            <a:ext uri="{909E8E84-426E-40DD-AFC4-6F175D3DCCD1}">
-              <a14:hiddenFill xmlns:a14="http://schemas.microsoft.com/office/drawing/2010/main">
-                <a:solidFill>
-                  <a:srgbClr val="FFFFFF"/>
-                </a:solidFill>
-              </a14:hiddenFill>
-            </a:ext>
-          </a:extLst>
-        </p:spPr>
-      </p:pic>
-      <p:pic>
-        <p:nvPicPr>
-          <p:cNvPr id="22" name="그림 21">
-            <a:extLst>
-              <a:ext uri="{FF2B5EF4-FFF2-40B4-BE49-F238E27FC236}">
-                <a16:creationId xmlns:a16="http://schemas.microsoft.com/office/drawing/2014/main" id="{19BDC1B0-1252-7B37-65A4-BB026E467BF5}"/>
-              </a:ext>
-            </a:extLst>
-          </p:cNvPr>
-          <p:cNvPicPr>
-            <a:picLocks noChangeAspect="1"/>
-          </p:cNvPicPr>
-          <p:nvPr/>
-        </p:nvPicPr>
-        <p:blipFill>
-          <a:blip r:embed="rId9"/>
-          <a:stretch>
-            <a:fillRect/>
-          </a:stretch>
-        </p:blipFill>
-        <p:spPr>
-          <a:xfrm>
-            <a:off x="10082853" y="5380237"/>
-            <a:ext cx="1733792" cy="219106"/>
-          </a:xfrm>
-          <a:prstGeom prst="rect">
-            <a:avLst/>
-          </a:prstGeom>
-        </p:spPr>
-      </p:pic>
-      <p:sp>
-        <p:nvSpPr>
-          <p:cNvPr id="23" name="TextBox 22">
-            <a:extLst>
-              <a:ext uri="{FF2B5EF4-FFF2-40B4-BE49-F238E27FC236}">
-                <a16:creationId xmlns:a16="http://schemas.microsoft.com/office/drawing/2014/main" id="{19127794-E65D-5083-146F-4E321A23D433}"/>
-              </a:ext>
-            </a:extLst>
-          </p:cNvPr>
-          <p:cNvSpPr txBox="1"/>
-          <p:nvPr/>
-        </p:nvSpPr>
-        <p:spPr>
-          <a:xfrm>
-            <a:off x="250091" y="1779157"/>
-            <a:ext cx="2856103" cy="276999"/>
-          </a:xfrm>
-          <a:prstGeom prst="rect">
-            <a:avLst/>
-          </a:prstGeom>
-          <a:noFill/>
-        </p:spPr>
-        <p:txBody>
-          <a:bodyPr wrap="none" rtlCol="0">
-            <a:spAutoFit/>
-          </a:bodyPr>
-          <a:lstStyle/>
-          <a:p>
-            <a:r>
-              <a:rPr lang="en-US" altLang="ko-KR" sz="1200" b="1"/>
-              <a:t>ConvNet N</a:t>
-            </a:r>
-            <a:r>
-              <a:rPr lang="ko-KR" altLang="en-US" sz="1200" b="1"/>
-              <a:t>의 정의</a:t>
-            </a:r>
-            <a:r>
-              <a:rPr lang="en-US" altLang="ko-KR" sz="1200" b="1"/>
-              <a:t>(composed layers)</a:t>
-            </a:r>
-            <a:endParaRPr lang="ko-KR" altLang="en-US" sz="1200" b="1"/>
-          </a:p>
-        </p:txBody>
-      </p:sp>
-    </p:spTree>
-    <p:extLst>
-      <p:ext uri="{BB962C8B-B14F-4D97-AF65-F5344CB8AC3E}">
-        <p14:creationId xmlns:p14="http://schemas.microsoft.com/office/powerpoint/2010/main" val="2480801004"/>
-      </p:ext>
-    </p:extLst>
-  </p:cSld>
-  <p:clrMapOvr>
-    <a:masterClrMapping/>
-  </p:clrMapOvr>
-</p:sld>
-</file>
-
-<file path=ppt/slides/slide9.xml><?xml version="1.0" encoding="utf-8"?>
-<p:sld xmlns:a="http://schemas.openxmlformats.org/drawingml/2006/main" xmlns:r="http://schemas.openxmlformats.org/officeDocument/2006/relationships" xmlns:p="http://schemas.openxmlformats.org/presentationml/2006/main">
-  <p:cSld>
-    <p:spTree>
-      <p:nvGrpSpPr>
-        <p:cNvPr id="1" name=""/>
-        <p:cNvGrpSpPr/>
-        <p:nvPr/>
-      </p:nvGrpSpPr>
-      <p:grpSpPr>
-        <a:xfrm>
-          <a:off x="0" y="0"/>
-          <a:ext cx="0" cy="0"/>
-          <a:chOff x="0" y="0"/>
-          <a:chExt cx="0" cy="0"/>
-        </a:xfrm>
-      </p:grpSpPr>
-      <p:sp>
-        <p:nvSpPr>
-          <p:cNvPr id="9" name="내용 개체 틀 1">
-            <a:extLst>
-              <a:ext uri="{FF2B5EF4-FFF2-40B4-BE49-F238E27FC236}">
-                <a16:creationId xmlns:a16="http://schemas.microsoft.com/office/drawing/2014/main" id="{091E281D-EA5A-E497-6544-477B962299C6}"/>
-              </a:ext>
-            </a:extLst>
-          </p:cNvPr>
-          <p:cNvSpPr txBox="1">
-            <a:spLocks/>
-          </p:cNvSpPr>
-          <p:nvPr/>
-        </p:nvSpPr>
-        <p:spPr>
-          <a:xfrm>
-            <a:off x="367937" y="952182"/>
-            <a:ext cx="10515600" cy="4351338"/>
+            <a:off x="188686" y="894175"/>
+            <a:ext cx="10515600" cy="2494757"/>
           </a:xfrm>
           <a:prstGeom prst="rect">
             <a:avLst/>
@@ -8727,83 +6069,882 @@
           </a:lstStyle>
           <a:p>
             <a:r>
-              <a:rPr lang="en-US" altLang="ko-KR" sz="2000"/>
-              <a:t>EfficientNet-B0</a:t>
-            </a:r>
-          </a:p>
-          <a:p>
-            <a:pPr lvl="1"/>
-            <a:r>
-              <a:rPr lang="ko-KR" altLang="en-US" sz="1800"/>
-              <a:t>좋은 </a:t>
-            </a:r>
-            <a:r>
-              <a:rPr lang="en-US" altLang="ko-KR" sz="1800"/>
-              <a:t>baseline </a:t>
-            </a:r>
-            <a:r>
-              <a:rPr lang="ko-KR" altLang="en-US" sz="1800"/>
-              <a:t>필요성 </a:t>
-            </a:r>
-            <a:r>
-              <a:rPr lang="en-US" altLang="ko-KR" sz="1800"/>
-              <a:t>: </a:t>
-            </a:r>
-            <a:r>
-              <a:rPr lang="ko-KR" altLang="en-US" sz="1800"/>
-              <a:t>모델 </a:t>
-            </a:r>
-            <a:r>
-              <a:rPr lang="en-US" altLang="ko-KR" sz="1800"/>
-              <a:t>scaling </a:t>
-            </a:r>
-            <a:r>
-              <a:rPr lang="ko-KR" altLang="en-US" sz="1800"/>
-              <a:t>이 </a:t>
-            </a:r>
-            <a:r>
-              <a:rPr lang="en-US" altLang="ko-KR" sz="1800"/>
-              <a:t>layer    </a:t>
-            </a:r>
-            <a:r>
-              <a:rPr lang="ko-KR" altLang="en-US" sz="1800"/>
-              <a:t>를 변경하지 않기 때문</a:t>
-            </a:r>
-            <a:endParaRPr lang="en-US" altLang="ko-KR" sz="1800"/>
-          </a:p>
-          <a:p>
-            <a:pPr lvl="1"/>
-            <a:r>
-              <a:rPr lang="en-US" altLang="ko-KR" sz="1800"/>
-              <a:t>multi-objective neural architecture search </a:t>
-            </a:r>
-            <a:r>
-              <a:rPr lang="ko-KR" altLang="en-US" sz="1800"/>
-              <a:t>활용</a:t>
-            </a:r>
-          </a:p>
-        </p:txBody>
-      </p:sp>
-      <p:sp>
-        <p:nvSpPr>
-          <p:cNvPr id="2" name="내용 개체 틀 1">
-            <a:extLst>
-              <a:ext uri="{FF2B5EF4-FFF2-40B4-BE49-F238E27FC236}">
-                <a16:creationId xmlns:a16="http://schemas.microsoft.com/office/drawing/2014/main" id="{8C4C34A9-AABE-7BAA-DD3B-CEDB0F3782AE}"/>
-              </a:ext>
-            </a:extLst>
-          </p:cNvPr>
-          <p:cNvSpPr>
-            <a:spLocks noGrp="1"/>
-          </p:cNvSpPr>
-          <p:nvPr>
-            <p:ph idx="1"/>
-          </p:nvPr>
+              <a:rPr lang="en-US" altLang="ko-KR" sz="2000" dirty="0"/>
+              <a:t>Squeeze, Excitation </a:t>
+            </a:r>
+            <a:r>
+              <a:rPr lang="ko-KR" altLang="en-US" sz="2000" dirty="0"/>
+              <a:t>과정을 거쳐서 채널 간의 </a:t>
+            </a:r>
+            <a:r>
+              <a:rPr lang="en-US" altLang="ko-KR" sz="2000" dirty="0"/>
+              <a:t>relationship</a:t>
+            </a:r>
+            <a:r>
+              <a:rPr lang="ko-KR" altLang="en-US" sz="2000" dirty="0"/>
+              <a:t>을 고려함</a:t>
+            </a:r>
+            <a:endParaRPr lang="en-US" altLang="ko-KR" sz="2000" dirty="0"/>
+          </a:p>
+        </p:txBody>
+      </p:sp>
+      <p:sp>
+        <p:nvSpPr>
+          <p:cNvPr id="20" name="TextBox 19">
+            <a:extLst>
+              <a:ext uri="{FF2B5EF4-FFF2-40B4-BE49-F238E27FC236}">
+                <a16:creationId xmlns:a16="http://schemas.microsoft.com/office/drawing/2014/main" id="{2A4AA9A1-852A-6E46-77B7-85AEC071500B}"/>
+              </a:ext>
+            </a:extLst>
+          </p:cNvPr>
+          <p:cNvSpPr txBox="1"/>
+          <p:nvPr/>
         </p:nvSpPr>
         <p:spPr>
           <a:xfrm>
-            <a:off x="5623559" y="1972112"/>
-            <a:ext cx="6568441" cy="2499129"/>
+            <a:off x="188686" y="3260881"/>
+            <a:ext cx="5038407" cy="2636043"/>
+          </a:xfrm>
+          <a:prstGeom prst="rect">
+            <a:avLst/>
+          </a:prstGeom>
+          <a:noFill/>
+        </p:spPr>
+        <p:txBody>
+          <a:bodyPr wrap="square">
+            <a:spAutoFit/>
+          </a:bodyPr>
+          <a:lstStyle/>
+          <a:p>
+            <a:pPr>
+              <a:lnSpc>
+                <a:spcPct val="150000"/>
+              </a:lnSpc>
+              <a:buFont typeface="Arial" panose="020B0604020202020204" pitchFamily="34" charset="0"/>
+              <a:buChar char="•"/>
+            </a:pPr>
+            <a:r>
+              <a:rPr lang="en-US" altLang="ko-KR" sz="1400" dirty="0"/>
+              <a:t> F_{tr} </a:t>
+            </a:r>
+            <a:r>
+              <a:rPr lang="ko-KR" altLang="en-US" sz="1400" dirty="0"/>
+              <a:t>필터를 통과한 </a:t>
+            </a:r>
+            <a:r>
+              <a:rPr lang="en-US" altLang="ko-KR" sz="1400" dirty="0" err="1"/>
+              <a:t>FeatureMap</a:t>
+            </a:r>
+            <a:r>
+              <a:rPr lang="en-US" altLang="ko-KR" sz="1400" dirty="0"/>
+              <a:t> U</a:t>
+            </a:r>
+            <a:r>
+              <a:rPr lang="ko-KR" altLang="en-US" sz="1400" dirty="0"/>
+              <a:t>를 압축함</a:t>
+            </a:r>
+          </a:p>
+          <a:p>
+            <a:pPr marL="742950" lvl="1" indent="-285750">
+              <a:lnSpc>
+                <a:spcPct val="150000"/>
+              </a:lnSpc>
+              <a:buFont typeface="Arial" panose="020B0604020202020204" pitchFamily="34" charset="0"/>
+              <a:buChar char="•"/>
+            </a:pPr>
+            <a:r>
+              <a:rPr lang="en-US" altLang="ko-KR" sz="1400" dirty="0"/>
+              <a:t>U : </a:t>
+            </a:r>
+            <a:r>
+              <a:rPr lang="ko-KR" altLang="en-US" sz="1400" dirty="0"/>
+              <a:t>학습된 </a:t>
+            </a:r>
+            <a:r>
+              <a:rPr lang="ko-KR" altLang="en-US" sz="1400" dirty="0" err="1"/>
+              <a:t>필터들로부터</a:t>
+            </a:r>
+            <a:r>
+              <a:rPr lang="ko-KR" altLang="en-US" sz="1400" dirty="0"/>
+              <a:t> 생성된 특징들</a:t>
+            </a:r>
+          </a:p>
+          <a:p>
+            <a:pPr marL="285750" indent="-285750">
+              <a:lnSpc>
+                <a:spcPct val="150000"/>
+              </a:lnSpc>
+              <a:buFont typeface="Arial" panose="020B0604020202020204" pitchFamily="34" charset="0"/>
+              <a:buChar char="•"/>
+            </a:pPr>
+            <a:r>
+              <a:rPr lang="en-US" altLang="ko-KR" sz="1400" b="1" dirty="0"/>
+              <a:t>feature map</a:t>
+            </a:r>
+            <a:r>
+              <a:rPr lang="ko-KR" altLang="en-US" sz="1400" b="1" dirty="0"/>
+              <a:t>들은 각 다른 관점에서 가져온 정보들</a:t>
+            </a:r>
+            <a:r>
+              <a:rPr lang="en-US" altLang="ko-KR" sz="1400" b="1" dirty="0"/>
+              <a:t> </a:t>
+            </a:r>
+          </a:p>
+          <a:p>
+            <a:pPr marL="742950" lvl="1" indent="-285750">
+              <a:lnSpc>
+                <a:spcPct val="150000"/>
+              </a:lnSpc>
+              <a:buFont typeface="Arial" panose="020B0604020202020204" pitchFamily="34" charset="0"/>
+              <a:buChar char="•"/>
+            </a:pPr>
+            <a:r>
+              <a:rPr lang="ko-KR" altLang="en-US" sz="1400" b="1" dirty="0"/>
+              <a:t>전체 맥락적 정보로는 이용</a:t>
+            </a:r>
+            <a:r>
+              <a:rPr lang="en-US" altLang="ko-KR" sz="1400" b="1" dirty="0"/>
+              <a:t>x, </a:t>
+            </a:r>
+            <a:r>
+              <a:rPr lang="ko-KR" altLang="en-US" sz="1400" b="1" dirty="0"/>
+              <a:t>활용 제한적</a:t>
+            </a:r>
+            <a:r>
+              <a:rPr lang="en-US" altLang="ko-KR" sz="1400" b="1" dirty="0"/>
+              <a:t>. </a:t>
+            </a:r>
+          </a:p>
+          <a:p>
+            <a:pPr>
+              <a:lnSpc>
+                <a:spcPct val="150000"/>
+              </a:lnSpc>
+              <a:buFont typeface="Arial" panose="020B0604020202020204" pitchFamily="34" charset="0"/>
+              <a:buChar char="•"/>
+            </a:pPr>
+            <a:r>
+              <a:rPr lang="ko-KR" altLang="en-US" sz="1400" dirty="0"/>
+              <a:t>따라서 </a:t>
+            </a:r>
+            <a:r>
+              <a:rPr lang="en-US" altLang="ko-KR" sz="1400" dirty="0"/>
+              <a:t>U </a:t>
+            </a:r>
+            <a:r>
+              <a:rPr lang="ko-KR" altLang="en-US" sz="1400" dirty="0"/>
+              <a:t>를 </a:t>
+            </a:r>
+            <a:r>
+              <a:rPr lang="en-US" altLang="ko-KR" sz="1400" dirty="0"/>
+              <a:t>Global Average Pooling</a:t>
+            </a:r>
+            <a:r>
+              <a:rPr lang="ko-KR" altLang="en-US" sz="1400" dirty="0"/>
+              <a:t>통해 </a:t>
+            </a:r>
+            <a:r>
+              <a:rPr lang="en-US" altLang="ko-KR" sz="1400" b="1" dirty="0"/>
+              <a:t>1x1xC</a:t>
+            </a:r>
+            <a:r>
+              <a:rPr lang="ko-KR" altLang="en-US" sz="1400" b="1" dirty="0"/>
+              <a:t>로 압축</a:t>
+            </a:r>
+            <a:r>
+              <a:rPr lang="en-US" altLang="ko-KR" sz="1400" dirty="0"/>
+              <a:t>. </a:t>
+            </a:r>
+          </a:p>
+          <a:p>
+            <a:pPr lvl="1">
+              <a:lnSpc>
+                <a:spcPct val="150000"/>
+              </a:lnSpc>
+              <a:buFont typeface="Arial" panose="020B0604020202020204" pitchFamily="34" charset="0"/>
+              <a:buChar char="•"/>
+            </a:pPr>
+            <a:r>
+              <a:rPr lang="ko-KR" altLang="en-US" sz="1400" dirty="0"/>
+              <a:t>압축한 정보 </a:t>
+            </a:r>
+            <a:r>
+              <a:rPr lang="en-US" altLang="ko-KR" sz="1400" dirty="0"/>
+              <a:t>feature : channel descriptor.</a:t>
+            </a:r>
+          </a:p>
+          <a:p>
+            <a:pPr marL="742950" lvl="1" indent="-285750">
+              <a:lnSpc>
+                <a:spcPct val="150000"/>
+              </a:lnSpc>
+              <a:buFont typeface="Arial" panose="020B0604020202020204" pitchFamily="34" charset="0"/>
+              <a:buChar char="•"/>
+            </a:pPr>
+            <a:r>
+              <a:rPr lang="en-US" altLang="ko-KR" sz="1400" dirty="0" err="1"/>
+              <a:t>HxWxC</a:t>
+            </a:r>
+            <a:r>
+              <a:rPr lang="ko-KR" altLang="en-US" sz="1400" dirty="0"/>
+              <a:t>였던 </a:t>
+            </a:r>
+            <a:r>
+              <a:rPr lang="en-US" altLang="ko-KR" sz="1400" dirty="0"/>
+              <a:t>feature map(</a:t>
+            </a:r>
+            <a:r>
+              <a:rPr lang="ko-KR" altLang="en-US" sz="1400" dirty="0"/>
+              <a:t>각 채널</a:t>
+            </a:r>
+            <a:r>
+              <a:rPr lang="en-US" altLang="ko-KR" sz="1400" dirty="0"/>
+              <a:t>)</a:t>
+            </a:r>
+            <a:r>
+              <a:rPr lang="ko-KR" altLang="en-US" sz="1400" dirty="0"/>
+              <a:t>을 대표하는 </a:t>
+            </a:r>
+            <a:r>
+              <a:rPr lang="ko-KR" altLang="en-US" sz="1400" b="1" dirty="0"/>
+              <a:t>벡터 형태</a:t>
+            </a:r>
+            <a:r>
+              <a:rPr lang="en-US" altLang="ko-KR" sz="1400" b="1" dirty="0"/>
+              <a:t>(</a:t>
+            </a:r>
+            <a:r>
+              <a:rPr lang="ko-KR" altLang="en-US" sz="1400" b="1" dirty="0"/>
+              <a:t>값</a:t>
+            </a:r>
+            <a:r>
+              <a:rPr lang="en-US" altLang="ko-KR" sz="1400" b="1" dirty="0"/>
+              <a:t>)</a:t>
+            </a:r>
+            <a:r>
+              <a:rPr lang="ko-KR" altLang="en-US" sz="1400" b="1" dirty="0"/>
+              <a:t>로 변환</a:t>
+            </a:r>
+            <a:r>
+              <a:rPr lang="ko-KR" altLang="en-US" sz="1400" dirty="0"/>
+              <a:t>이 됨</a:t>
+            </a:r>
+          </a:p>
+        </p:txBody>
+      </p:sp>
+      <p:sp>
+        <p:nvSpPr>
+          <p:cNvPr id="22" name="TextBox 21">
+            <a:extLst>
+              <a:ext uri="{FF2B5EF4-FFF2-40B4-BE49-F238E27FC236}">
+                <a16:creationId xmlns:a16="http://schemas.microsoft.com/office/drawing/2014/main" id="{42900F90-3B47-EE79-2E9E-6ED14E76484A}"/>
+              </a:ext>
+            </a:extLst>
+          </p:cNvPr>
+          <p:cNvSpPr txBox="1"/>
+          <p:nvPr/>
+        </p:nvSpPr>
+        <p:spPr>
+          <a:xfrm>
+            <a:off x="5813946" y="2768525"/>
+            <a:ext cx="6099242" cy="1169551"/>
+          </a:xfrm>
+          <a:prstGeom prst="rect">
+            <a:avLst/>
+          </a:prstGeom>
+          <a:noFill/>
+        </p:spPr>
+        <p:txBody>
+          <a:bodyPr wrap="square">
+            <a:spAutoFit/>
+          </a:bodyPr>
+          <a:lstStyle/>
+          <a:p>
+            <a:r>
+              <a:rPr lang="ko-KR" altLang="en-US" sz="1400" dirty="0"/>
+              <a:t>얻은 벡터 값으로 </a:t>
+            </a:r>
+            <a:r>
+              <a:rPr lang="en-US" altLang="ko-KR" sz="1400" b="1" dirty="0"/>
+              <a:t>contextual(</a:t>
+            </a:r>
+            <a:r>
+              <a:rPr lang="ko-KR" altLang="en-US" sz="1400" b="1" dirty="0"/>
+              <a:t>문맥적인</a:t>
+            </a:r>
+            <a:r>
+              <a:rPr lang="en-US" altLang="ko-KR" sz="1400" b="1" dirty="0"/>
+              <a:t>) </a:t>
+            </a:r>
+            <a:r>
+              <a:rPr lang="ko-KR" altLang="en-US" sz="1400" b="1" dirty="0"/>
+              <a:t>정보를 얻기 </a:t>
+            </a:r>
+            <a:r>
+              <a:rPr lang="ko-KR" altLang="en-US" sz="1400" dirty="0"/>
+              <a:t>위해 </a:t>
+            </a:r>
+            <a:r>
+              <a:rPr lang="en-US" altLang="ko-KR" sz="1400" dirty="0"/>
+              <a:t>Excitation.</a:t>
+            </a:r>
+            <a:endParaRPr lang="ko-KR" altLang="en-US" sz="1400" dirty="0"/>
+          </a:p>
+          <a:p>
+            <a:pPr>
+              <a:buFont typeface="Arial" panose="020B0604020202020204" pitchFamily="34" charset="0"/>
+              <a:buChar char="•"/>
+            </a:pPr>
+            <a:r>
+              <a:rPr lang="ko-KR" altLang="en-US" sz="1400" dirty="0"/>
+              <a:t>채널 간의 상호작용</a:t>
+            </a:r>
+            <a:r>
+              <a:rPr lang="en-US" altLang="ko-KR" sz="1400" dirty="0"/>
+              <a:t>(</a:t>
+            </a:r>
+            <a:r>
+              <a:rPr lang="ko-KR" altLang="en-US" sz="1400" dirty="0"/>
+              <a:t>의존성</a:t>
+            </a:r>
+            <a:r>
+              <a:rPr lang="en-US" altLang="ko-KR" sz="1400" dirty="0"/>
+              <a:t>)</a:t>
+            </a:r>
+            <a:r>
+              <a:rPr lang="ko-KR" altLang="en-US" sz="1400" dirty="0"/>
+              <a:t>을 학습하기 위한 </a:t>
+            </a:r>
+            <a:r>
+              <a:rPr lang="en-US" altLang="ko-KR" sz="1400" dirty="0"/>
+              <a:t>2</a:t>
+            </a:r>
+            <a:r>
+              <a:rPr lang="ko-KR" altLang="en-US" sz="1400" dirty="0"/>
+              <a:t>가지 조건 </a:t>
+            </a:r>
+          </a:p>
+          <a:p>
+            <a:pPr marL="742950" lvl="1" indent="-285750">
+              <a:buFont typeface="Arial" panose="020B0604020202020204" pitchFamily="34" charset="0"/>
+              <a:buChar char="•"/>
+            </a:pPr>
+            <a:r>
+              <a:rPr lang="en-US" altLang="ko-KR" sz="1400" dirty="0"/>
+              <a:t>Flexible</a:t>
+            </a:r>
+            <a:r>
+              <a:rPr lang="ko-KR" altLang="en-US" sz="1400" dirty="0"/>
+              <a:t>해야 함 </a:t>
+            </a:r>
+            <a:r>
+              <a:rPr lang="en-US" altLang="ko-KR" sz="1400" dirty="0"/>
+              <a:t>- </a:t>
+            </a:r>
+            <a:r>
+              <a:rPr lang="ko-KR" altLang="en-US" sz="1400" dirty="0"/>
+              <a:t>채널들 간 </a:t>
+            </a:r>
+            <a:r>
+              <a:rPr lang="en-US" altLang="ko-KR" sz="1400" dirty="0"/>
+              <a:t>Non-linear</a:t>
+            </a:r>
+            <a:r>
+              <a:rPr lang="ko-KR" altLang="en-US" sz="1400" dirty="0"/>
+              <a:t>한 특성을 파악</a:t>
+            </a:r>
+            <a:endParaRPr lang="en-US" altLang="ko-KR" sz="1400" dirty="0"/>
+          </a:p>
+          <a:p>
+            <a:pPr marL="742950" lvl="1" indent="-285750">
+              <a:buFont typeface="Arial" panose="020B0604020202020204" pitchFamily="34" charset="0"/>
+              <a:buChar char="•"/>
+            </a:pPr>
+            <a:r>
+              <a:rPr lang="en-US" altLang="ko-KR" sz="1400" dirty="0"/>
+              <a:t>Non-mutually exclusive</a:t>
+            </a:r>
+            <a:r>
+              <a:rPr lang="ko-KR" altLang="en-US" sz="1400" dirty="0"/>
+              <a:t>한 관계 학습 </a:t>
+            </a:r>
+            <a:r>
+              <a:rPr lang="en-US" altLang="ko-KR" sz="1400" dirty="0"/>
+              <a:t>- </a:t>
+            </a:r>
+            <a:r>
+              <a:rPr lang="ko-KR" altLang="en-US" sz="1400" dirty="0"/>
+              <a:t>전체적인 맥락 파악을 위해 </a:t>
+            </a:r>
+            <a:r>
+              <a:rPr lang="en-US" altLang="ko-KR" sz="1400" strike="sngStrike" dirty="0"/>
+              <a:t>one-hot activation</a:t>
+            </a:r>
+            <a:r>
+              <a:rPr lang="ko-KR" altLang="en-US" sz="1400" dirty="0"/>
+              <a:t>다양한 채널들이 강조</a:t>
+            </a:r>
+            <a:endParaRPr lang="en-US" altLang="ko-KR" sz="1400" dirty="0"/>
+          </a:p>
+        </p:txBody>
+      </p:sp>
+      <p:sp>
+        <p:nvSpPr>
+          <p:cNvPr id="24" name="TextBox 23">
+            <a:extLst>
+              <a:ext uri="{FF2B5EF4-FFF2-40B4-BE49-F238E27FC236}">
+                <a16:creationId xmlns:a16="http://schemas.microsoft.com/office/drawing/2014/main" id="{77B4A704-9ABD-1774-7FBC-D14933DC109B}"/>
+              </a:ext>
+            </a:extLst>
+          </p:cNvPr>
+          <p:cNvSpPr txBox="1"/>
+          <p:nvPr/>
+        </p:nvSpPr>
+        <p:spPr>
+          <a:xfrm>
+            <a:off x="6142561" y="5529916"/>
+            <a:ext cx="5617156" cy="954107"/>
+          </a:xfrm>
+          <a:prstGeom prst="rect">
+            <a:avLst/>
+          </a:prstGeom>
+          <a:noFill/>
+        </p:spPr>
+        <p:txBody>
+          <a:bodyPr wrap="square">
+            <a:spAutoFit/>
+          </a:bodyPr>
+          <a:lstStyle/>
+          <a:p>
+            <a:pPr>
+              <a:buFont typeface="+mj-lt"/>
+              <a:buAutoNum type="arabicPeriod"/>
+            </a:pPr>
+            <a:r>
+              <a:rPr lang="ko-KR" altLang="en-US" sz="1400" dirty="0"/>
+              <a:t>수축시킨 벡터를 다시 </a:t>
+            </a:r>
+            <a:r>
+              <a:rPr lang="en-US" altLang="ko-KR" sz="1400" dirty="0"/>
+              <a:t>C</a:t>
+            </a:r>
+            <a:r>
+              <a:rPr lang="ko-KR" altLang="en-US" sz="1400" dirty="0"/>
+              <a:t>개로 출력</a:t>
+            </a:r>
+          </a:p>
+          <a:p>
+            <a:pPr>
+              <a:buFont typeface="+mj-lt"/>
+              <a:buAutoNum type="arabicPeriod"/>
+            </a:pPr>
+            <a:r>
+              <a:rPr lang="ko-KR" altLang="en-US" sz="1400" dirty="0"/>
+              <a:t> </a:t>
+            </a:r>
+            <a:r>
+              <a:rPr lang="en-US" altLang="ko-KR" sz="1400" dirty="0"/>
+              <a:t>sigmoid </a:t>
+            </a:r>
+            <a:r>
+              <a:rPr lang="ko-KR" altLang="en-US" sz="1400" dirty="0"/>
+              <a:t>이용 </a:t>
+            </a:r>
+            <a:r>
+              <a:rPr lang="en-US" altLang="ko-KR" sz="1400" dirty="0"/>
+              <a:t>-&gt; 0~1</a:t>
+            </a:r>
+            <a:r>
+              <a:rPr lang="ko-KR" altLang="en-US" sz="1400" dirty="0"/>
+              <a:t>의 값으로 인코딩</a:t>
+            </a:r>
+          </a:p>
+          <a:p>
+            <a:pPr>
+              <a:buFont typeface="+mj-lt"/>
+              <a:buAutoNum type="arabicPeriod"/>
+            </a:pPr>
+            <a:r>
+              <a:rPr lang="en-US" altLang="ko-KR" sz="1400" dirty="0"/>
+              <a:t>0~1</a:t>
+            </a:r>
+            <a:r>
+              <a:rPr lang="ko-KR" altLang="en-US" sz="1400" dirty="0"/>
+              <a:t>의 </a:t>
+            </a:r>
+            <a:r>
+              <a:rPr lang="ko-KR" altLang="en-US" sz="1400" dirty="0" err="1"/>
+              <a:t>확률값을</a:t>
+            </a:r>
+            <a:r>
+              <a:rPr lang="ko-KR" altLang="en-US" sz="1400" dirty="0"/>
+              <a:t> </a:t>
+            </a:r>
+            <a:r>
+              <a:rPr lang="en-US" altLang="ko-KR" sz="1400" dirty="0"/>
+              <a:t>feature map U</a:t>
+            </a:r>
+            <a:r>
+              <a:rPr lang="ko-KR" altLang="en-US" sz="1400" dirty="0"/>
+              <a:t>에 </a:t>
+            </a:r>
+            <a:r>
+              <a:rPr lang="ko-KR" altLang="en-US" sz="1400" dirty="0" err="1"/>
+              <a:t>곱해줌</a:t>
+            </a:r>
+            <a:endParaRPr lang="ko-KR" altLang="en-US" sz="1400" dirty="0"/>
+          </a:p>
+          <a:p>
+            <a:r>
+              <a:rPr lang="ko-KR" altLang="en-US" sz="1400" b="1" dirty="0"/>
+              <a:t>⇒ </a:t>
+            </a:r>
+            <a:r>
+              <a:rPr lang="en-US" altLang="ko-KR" sz="1400" b="1" dirty="0"/>
+              <a:t>SE block</a:t>
+            </a:r>
+            <a:r>
+              <a:rPr lang="ko-KR" altLang="en-US" sz="1400" b="1" dirty="0"/>
+              <a:t>을 통해 </a:t>
+            </a:r>
+            <a:r>
+              <a:rPr lang="en-US" altLang="ko-KR" sz="1400" b="1" dirty="0"/>
+              <a:t>C</a:t>
+            </a:r>
+            <a:r>
+              <a:rPr lang="ko-KR" altLang="en-US" sz="1400" b="1" dirty="0"/>
+              <a:t>개의 </a:t>
+            </a:r>
+            <a:r>
+              <a:rPr lang="en-US" altLang="ko-KR" sz="1400" b="1" dirty="0"/>
+              <a:t>feature map U</a:t>
+            </a:r>
+            <a:r>
+              <a:rPr lang="ko-KR" altLang="en-US" sz="1400" b="1" dirty="0"/>
+              <a:t>에서 집중할 채널을 선택</a:t>
+            </a:r>
+            <a:endParaRPr lang="ko-KR" altLang="en-US" sz="1400" dirty="0"/>
+          </a:p>
+        </p:txBody>
+      </p:sp>
+    </p:spTree>
+    <p:extLst>
+      <p:ext uri="{BB962C8B-B14F-4D97-AF65-F5344CB8AC3E}">
+        <p14:creationId xmlns:p14="http://schemas.microsoft.com/office/powerpoint/2010/main" val="3373775086"/>
+      </p:ext>
+    </p:extLst>
+  </p:cSld>
+  <p:clrMapOvr>
+    <a:masterClrMapping/>
+  </p:clrMapOvr>
+</p:sld>
+</file>
+
+<file path=ppt/slides/slide6.xml><?xml version="1.0" encoding="utf-8"?>
+<p:sld xmlns:a="http://schemas.openxmlformats.org/drawingml/2006/main" xmlns:r="http://schemas.openxmlformats.org/officeDocument/2006/relationships" xmlns:p="http://schemas.openxmlformats.org/presentationml/2006/main">
+  <p:cSld>
+    <p:spTree>
+      <p:nvGrpSpPr>
+        <p:cNvPr id="1" name=""/>
+        <p:cNvGrpSpPr/>
+        <p:nvPr/>
+      </p:nvGrpSpPr>
+      <p:grpSpPr>
+        <a:xfrm>
+          <a:off x="0" y="0"/>
+          <a:ext cx="0" cy="0"/>
+          <a:chOff x="0" y="0"/>
+          <a:chExt cx="0" cy="0"/>
+        </a:xfrm>
+      </p:grpSpPr>
+      <p:sp>
+        <p:nvSpPr>
+          <p:cNvPr id="3" name="슬라이드 번호 개체 틀 2">
+            <a:extLst>
+              <a:ext uri="{FF2B5EF4-FFF2-40B4-BE49-F238E27FC236}">
+                <a16:creationId xmlns:a16="http://schemas.microsoft.com/office/drawing/2014/main" id="{FA66B143-63CF-20FC-DAE6-CEC8844F3EE2}"/>
+              </a:ext>
+            </a:extLst>
+          </p:cNvPr>
+          <p:cNvSpPr>
+            <a:spLocks noGrp="1"/>
+          </p:cNvSpPr>
+          <p:nvPr>
+            <p:ph type="sldNum" sz="quarter" idx="12"/>
+          </p:nvPr>
+        </p:nvSpPr>
+        <p:spPr/>
+        <p:txBody>
+          <a:bodyPr/>
+          <a:lstStyle/>
+          <a:p>
+            <a:fld id="{697E9AA7-29BF-4588-B153-0341F1751ACF}" type="slidenum">
+              <a:rPr lang="ko-KR" altLang="en-US" smtClean="0"/>
+              <a:t>6</a:t>
+            </a:fld>
+            <a:endParaRPr lang="ko-KR" altLang="en-US"/>
+          </a:p>
+        </p:txBody>
+      </p:sp>
+      <p:sp>
+        <p:nvSpPr>
+          <p:cNvPr id="4" name="제목 3">
+            <a:extLst>
+              <a:ext uri="{FF2B5EF4-FFF2-40B4-BE49-F238E27FC236}">
+                <a16:creationId xmlns:a16="http://schemas.microsoft.com/office/drawing/2014/main" id="{5FA6AA6A-000E-BF1D-C28D-6464B6561651}"/>
+              </a:ext>
+            </a:extLst>
+          </p:cNvPr>
+          <p:cNvSpPr>
+            <a:spLocks noGrp="1"/>
+          </p:cNvSpPr>
+          <p:nvPr>
+            <p:ph type="title"/>
+          </p:nvPr>
+        </p:nvSpPr>
+        <p:spPr/>
+        <p:txBody>
+          <a:bodyPr/>
+          <a:lstStyle/>
+          <a:p>
+            <a:r>
+              <a:rPr lang="en-US" altLang="ko-KR" dirty="0" err="1"/>
+              <a:t>SEBlock</a:t>
+            </a:r>
+            <a:endParaRPr lang="ko-KR" altLang="en-US" dirty="0"/>
+          </a:p>
+        </p:txBody>
+      </p:sp>
+      <p:sp>
+        <p:nvSpPr>
+          <p:cNvPr id="13" name="AutoShape 8">
+            <a:extLst>
+              <a:ext uri="{FF2B5EF4-FFF2-40B4-BE49-F238E27FC236}">
+                <a16:creationId xmlns:a16="http://schemas.microsoft.com/office/drawing/2014/main" id="{26C44D91-92F1-43DE-E86F-3A917E2F9C6A}"/>
+              </a:ext>
+            </a:extLst>
+          </p:cNvPr>
+          <p:cNvSpPr>
+            <a:spLocks noChangeAspect="1" noChangeArrowheads="1"/>
+          </p:cNvSpPr>
+          <p:nvPr/>
+        </p:nvSpPr>
+        <p:spPr bwMode="auto">
+          <a:xfrm>
+            <a:off x="5943600" y="3276600"/>
+            <a:ext cx="304800" cy="304800"/>
+          </a:xfrm>
+          <a:prstGeom prst="rect">
+            <a:avLst/>
+          </a:prstGeom>
+          <a:noFill/>
+          <a:extLst>
+            <a:ext uri="{909E8E84-426E-40DD-AFC4-6F175D3DCCD1}">
+              <a14:hiddenFill xmlns:a14="http://schemas.microsoft.com/office/drawing/2010/main">
+                <a:solidFill>
+                  <a:srgbClr val="FFFFFF"/>
+                </a:solidFill>
+              </a14:hiddenFill>
+            </a:ext>
+          </a:extLst>
+        </p:spPr>
+        <p:txBody>
+          <a:bodyPr vert="horz" wrap="square" lIns="91440" tIns="45720" rIns="91440" bIns="45720" numCol="1" anchor="t" anchorCtr="0" compatLnSpc="1">
+            <a:prstTxWarp prst="textNoShape">
+              <a:avLst/>
+            </a:prstTxWarp>
+          </a:bodyPr>
+          <a:lstStyle/>
+          <a:p>
+            <a:endParaRPr lang="ko-KR" altLang="en-US"/>
+          </a:p>
+        </p:txBody>
+      </p:sp>
+      <p:pic>
+        <p:nvPicPr>
+          <p:cNvPr id="6" name="그림 5">
+            <a:extLst>
+              <a:ext uri="{FF2B5EF4-FFF2-40B4-BE49-F238E27FC236}">
+                <a16:creationId xmlns:a16="http://schemas.microsoft.com/office/drawing/2014/main" id="{98388817-6056-750B-A78D-14B617692EE2}"/>
+              </a:ext>
+            </a:extLst>
+          </p:cNvPr>
+          <p:cNvPicPr>
+            <a:picLocks noChangeAspect="1"/>
+          </p:cNvPicPr>
+          <p:nvPr/>
+        </p:nvPicPr>
+        <p:blipFill rotWithShape="1">
+          <a:blip r:embed="rId2"/>
+          <a:srcRect l="675" r="2585"/>
+          <a:stretch/>
+        </p:blipFill>
+        <p:spPr>
+          <a:xfrm>
+            <a:off x="195683" y="1531531"/>
+            <a:ext cx="7740974" cy="3794938"/>
+          </a:xfrm>
+          <a:prstGeom prst="rect">
+            <a:avLst/>
+          </a:prstGeom>
+        </p:spPr>
+      </p:pic>
+      <p:pic>
+        <p:nvPicPr>
+          <p:cNvPr id="15" name="그림 14">
+            <a:extLst>
+              <a:ext uri="{FF2B5EF4-FFF2-40B4-BE49-F238E27FC236}">
+                <a16:creationId xmlns:a16="http://schemas.microsoft.com/office/drawing/2014/main" id="{293D7172-FB30-55C5-FAB4-150B0C116ECF}"/>
+              </a:ext>
+            </a:extLst>
+          </p:cNvPr>
+          <p:cNvPicPr>
+            <a:picLocks noChangeAspect="1"/>
+          </p:cNvPicPr>
+          <p:nvPr/>
+        </p:nvPicPr>
+        <p:blipFill>
+          <a:blip r:embed="rId3"/>
+          <a:stretch>
+            <a:fillRect/>
+          </a:stretch>
+        </p:blipFill>
+        <p:spPr>
+          <a:xfrm>
+            <a:off x="8159882" y="3830755"/>
+            <a:ext cx="3190679" cy="2708157"/>
+          </a:xfrm>
+          <a:prstGeom prst="rect">
+            <a:avLst/>
+          </a:prstGeom>
+        </p:spPr>
+      </p:pic>
+      <p:pic>
+        <p:nvPicPr>
+          <p:cNvPr id="11" name="그림 10">
+            <a:extLst>
+              <a:ext uri="{FF2B5EF4-FFF2-40B4-BE49-F238E27FC236}">
+                <a16:creationId xmlns:a16="http://schemas.microsoft.com/office/drawing/2014/main" id="{23F090CE-8FA3-899D-3239-30F3165AB579}"/>
+              </a:ext>
+            </a:extLst>
+          </p:cNvPr>
+          <p:cNvPicPr>
+            <a:picLocks noChangeAspect="1"/>
+          </p:cNvPicPr>
+          <p:nvPr/>
+        </p:nvPicPr>
+        <p:blipFill rotWithShape="1">
+          <a:blip r:embed="rId4"/>
+          <a:srcRect l="2120" t="3990"/>
+          <a:stretch/>
+        </p:blipFill>
+        <p:spPr>
+          <a:xfrm>
+            <a:off x="7939896" y="890302"/>
+            <a:ext cx="3315131" cy="2731187"/>
+          </a:xfrm>
+          <a:prstGeom prst="rect">
+            <a:avLst/>
+          </a:prstGeom>
+        </p:spPr>
+      </p:pic>
+      <p:sp>
+        <p:nvSpPr>
+          <p:cNvPr id="16" name="TextBox 15">
+            <a:extLst>
+              <a:ext uri="{FF2B5EF4-FFF2-40B4-BE49-F238E27FC236}">
+                <a16:creationId xmlns:a16="http://schemas.microsoft.com/office/drawing/2014/main" id="{90096442-6E22-21EE-1BD8-462C31FD25C9}"/>
+              </a:ext>
+            </a:extLst>
+          </p:cNvPr>
+          <p:cNvSpPr txBox="1"/>
+          <p:nvPr/>
+        </p:nvSpPr>
+        <p:spPr>
+          <a:xfrm>
+            <a:off x="5943600" y="6147084"/>
+            <a:ext cx="3239413" cy="369332"/>
+          </a:xfrm>
+          <a:prstGeom prst="rect">
+            <a:avLst/>
+          </a:prstGeom>
+          <a:noFill/>
+        </p:spPr>
+        <p:txBody>
+          <a:bodyPr wrap="none" rtlCol="0">
+            <a:spAutoFit/>
+          </a:bodyPr>
+          <a:lstStyle/>
+          <a:p>
+            <a:r>
+              <a:rPr lang="en-US" altLang="ko-KR" dirty="0"/>
+              <a:t>Residual</a:t>
+            </a:r>
+            <a:r>
+              <a:rPr lang="ko-KR" altLang="en-US" dirty="0"/>
+              <a:t>은 </a:t>
+            </a:r>
+            <a:r>
+              <a:rPr lang="en-US" altLang="ko-KR" dirty="0" err="1"/>
+              <a:t>MBConv</a:t>
+            </a:r>
+            <a:r>
+              <a:rPr lang="ko-KR" altLang="en-US" dirty="0"/>
+              <a:t>에서 사용</a:t>
+            </a:r>
+          </a:p>
+        </p:txBody>
+      </p:sp>
+    </p:spTree>
+    <p:extLst>
+      <p:ext uri="{BB962C8B-B14F-4D97-AF65-F5344CB8AC3E}">
+        <p14:creationId xmlns:p14="http://schemas.microsoft.com/office/powerpoint/2010/main" val="324487909"/>
+      </p:ext>
+    </p:extLst>
+  </p:cSld>
+  <p:clrMapOvr>
+    <a:masterClrMapping/>
+  </p:clrMapOvr>
+</p:sld>
+</file>
+
+<file path=ppt/slides/slide7.xml><?xml version="1.0" encoding="utf-8"?>
+<p:sld xmlns:a="http://schemas.openxmlformats.org/drawingml/2006/main" xmlns:r="http://schemas.openxmlformats.org/officeDocument/2006/relationships" xmlns:p="http://schemas.openxmlformats.org/presentationml/2006/main">
+  <p:cSld>
+    <p:spTree>
+      <p:nvGrpSpPr>
+        <p:cNvPr id="1" name=""/>
+        <p:cNvGrpSpPr/>
+        <p:nvPr/>
+      </p:nvGrpSpPr>
+      <p:grpSpPr>
+        <a:xfrm>
+          <a:off x="0" y="0"/>
+          <a:ext cx="0" cy="0"/>
+          <a:chOff x="0" y="0"/>
+          <a:chExt cx="0" cy="0"/>
+        </a:xfrm>
+      </p:grpSpPr>
+      <p:sp>
+        <p:nvSpPr>
+          <p:cNvPr id="2" name="내용 개체 틀 1">
+            <a:extLst>
+              <a:ext uri="{FF2B5EF4-FFF2-40B4-BE49-F238E27FC236}">
+                <a16:creationId xmlns:a16="http://schemas.microsoft.com/office/drawing/2014/main" id="{79788749-D8C5-D875-E53A-0C2628BB23F3}"/>
+              </a:ext>
+            </a:extLst>
+          </p:cNvPr>
+          <p:cNvSpPr>
+            <a:spLocks noGrp="1"/>
+          </p:cNvSpPr>
+          <p:nvPr>
+            <p:ph idx="1"/>
+          </p:nvPr>
+        </p:nvSpPr>
+        <p:spPr>
+          <a:xfrm>
+            <a:off x="838200" y="4438943"/>
+            <a:ext cx="3136392" cy="2419057"/>
           </a:xfrm>
         </p:spPr>
         <p:txBody>
@@ -8813,98 +6954,45 @@
           <a:lstStyle/>
           <a:p>
             <a:r>
-              <a:rPr lang="en-US" altLang="ko-KR" sz="2000"/>
-              <a:t>Compound Scaling Method</a:t>
-            </a:r>
+              <a:rPr lang="en-US" altLang="ko-KR" dirty="0" err="1"/>
+              <a:t>Depthwise</a:t>
+            </a:r>
+            <a:r>
+              <a:rPr lang="en-US" altLang="ko-KR" dirty="0"/>
+              <a:t> </a:t>
+            </a:r>
+            <a:r>
+              <a:rPr lang="ko-KR" altLang="en-US" dirty="0"/>
+              <a:t>구현</a:t>
+            </a:r>
+            <a:endParaRPr lang="en-US" altLang="ko-KR" dirty="0"/>
           </a:p>
           <a:p>
             <a:pPr lvl="1"/>
             <a:r>
-              <a:rPr lang="en-US" altLang="ko-KR" sz="1800"/>
-              <a:t>1. baseline</a:t>
-            </a:r>
-            <a:r>
-              <a:rPr lang="ko-KR" altLang="en-US" sz="1800"/>
-              <a:t>에서 </a:t>
-            </a:r>
-            <a:r>
-              <a:rPr lang="en-US" altLang="ko-KR" sz="1800"/>
-              <a:t>          </a:t>
-            </a:r>
-            <a:r>
-              <a:rPr lang="ko-KR" altLang="en-US" sz="1800"/>
-              <a:t>를 찾기 위한 </a:t>
-            </a:r>
-            <a:r>
-              <a:rPr lang="en-US" altLang="ko-KR" sz="1800"/>
-              <a:t>small grid search</a:t>
+              <a:rPr lang="en-US" altLang="ko-KR" dirty="0"/>
+              <a:t>Kernel size = 3</a:t>
+            </a:r>
+          </a:p>
+          <a:p>
+            <a:pPr lvl="2"/>
+            <a:r>
+              <a:rPr lang="en-US" altLang="ko-KR" dirty="0"/>
+              <a:t>Padding = 1</a:t>
             </a:r>
           </a:p>
           <a:p>
             <a:pPr lvl="1"/>
-            <a:endParaRPr lang="en-US" altLang="ko-KR" sz="1800"/>
-          </a:p>
-          <a:p>
-            <a:pPr lvl="1"/>
-            <a:r>
-              <a:rPr lang="en-US" altLang="ko-KR" sz="1800"/>
-              <a:t>2.            </a:t>
-            </a:r>
-            <a:r>
-              <a:rPr lang="ko-KR" altLang="en-US" sz="1800"/>
-              <a:t>상수로 고정</a:t>
-            </a:r>
-            <a:r>
-              <a:rPr lang="en-US" altLang="ko-KR" sz="1800"/>
-              <a:t>, </a:t>
-            </a:r>
-            <a:r>
-              <a:rPr lang="ko-KR" altLang="en-US" sz="1800"/>
-              <a:t>서로 다른 </a:t>
-            </a:r>
-            <a:r>
-              <a:rPr lang="en-US" altLang="ko-KR" sz="1800"/>
-              <a:t>phi</a:t>
-            </a:r>
-            <a:r>
-              <a:rPr lang="ko-KR" altLang="en-US" sz="1800"/>
-              <a:t>로 </a:t>
-            </a:r>
-            <a:r>
-              <a:rPr lang="en-US" altLang="ko-KR" sz="1800"/>
-              <a:t>baseline networ</a:t>
-            </a:r>
-            <a:r>
-              <a:rPr lang="ko-KR" altLang="en-US" sz="1800"/>
-              <a:t>를 </a:t>
-            </a:r>
-            <a:r>
-              <a:rPr lang="en-US" altLang="ko-KR" sz="1800"/>
-              <a:t>scaling -&gt; EfficientNet-B1~B7 </a:t>
-            </a:r>
-            <a:r>
-              <a:rPr lang="ko-KR" altLang="en-US" sz="1800"/>
-              <a:t>획득</a:t>
-            </a:r>
-            <a:endParaRPr lang="en-US" altLang="ko-KR" sz="1800"/>
-          </a:p>
-          <a:p>
-            <a:pPr lvl="1"/>
-            <a:r>
-              <a:rPr lang="en-US" altLang="ko-KR" sz="1800"/>
-              <a:t>2 step </a:t>
-            </a:r>
-            <a:r>
-              <a:rPr lang="ko-KR" altLang="en-US" sz="1800"/>
-              <a:t>으로 나누어 </a:t>
-            </a:r>
-            <a:r>
-              <a:rPr lang="en-US" altLang="ko-KR" sz="1800"/>
-              <a:t>cost </a:t>
-            </a:r>
-            <a:r>
-              <a:rPr lang="ko-KR" altLang="en-US" sz="1800"/>
-              <a:t>문제 해결</a:t>
+            <a:r>
+              <a:rPr lang="en-US" altLang="ko-KR" dirty="0"/>
+              <a:t>Kernel size = 5</a:t>
+            </a:r>
+          </a:p>
+          <a:p>
+            <a:pPr lvl="2"/>
+            <a:r>
+              <a:rPr lang="en-US" altLang="ko-KR" dirty="0"/>
+              <a:t>Padding = 2</a:t>
             </a:r>
           </a:p>
         </p:txBody>
@@ -8914,7 +7002,7 @@
           <p:cNvPr id="3" name="슬라이드 번호 개체 틀 2">
             <a:extLst>
               <a:ext uri="{FF2B5EF4-FFF2-40B4-BE49-F238E27FC236}">
-                <a16:creationId xmlns:a16="http://schemas.microsoft.com/office/drawing/2014/main" id="{B491BFFF-C2CB-60BF-7A74-590B236B31D6}"/>
+                <a16:creationId xmlns:a16="http://schemas.microsoft.com/office/drawing/2014/main" id="{37C54F17-FEE5-C1AF-4AEB-1D1EEFD4A5CB}"/>
               </a:ext>
             </a:extLst>
           </p:cNvPr>
@@ -8932,7 +7020,7 @@
           <a:p>
             <a:fld id="{697E9AA7-29BF-4588-B153-0341F1751ACF}" type="slidenum">
               <a:rPr lang="ko-KR" altLang="en-US" smtClean="0"/>
-              <a:t>9</a:t>
+              <a:t>7</a:t>
             </a:fld>
             <a:endParaRPr lang="ko-KR" altLang="en-US"/>
           </a:p>
@@ -8943,7 +7031,7 @@
           <p:cNvPr id="4" name="제목 3">
             <a:extLst>
               <a:ext uri="{FF2B5EF4-FFF2-40B4-BE49-F238E27FC236}">
-                <a16:creationId xmlns:a16="http://schemas.microsoft.com/office/drawing/2014/main" id="{42819BB3-B38B-BAA6-CF3E-3207F30607B9}"/>
+                <a16:creationId xmlns:a16="http://schemas.microsoft.com/office/drawing/2014/main" id="{D4D32741-31ED-FE37-D7FC-4426497CFF58}"/>
               </a:ext>
             </a:extLst>
           </p:cNvPr>
@@ -8960,10 +7048,10 @@
           <a:lstStyle/>
           <a:p>
             <a:r>
-              <a:rPr lang="en-US" altLang="ko-KR"/>
-              <a:t>EfficientNet - Architecture</a:t>
-            </a:r>
-            <a:endParaRPr lang="ko-KR" altLang="en-US"/>
+              <a:rPr lang="en-US" altLang="ko-KR" dirty="0"/>
+              <a:t>MBConv1</a:t>
+            </a:r>
+            <a:endParaRPr lang="ko-KR" altLang="en-US" dirty="0"/>
           </a:p>
         </p:txBody>
       </p:sp>
@@ -8972,7 +7060,382 @@
           <p:cNvPr id="6" name="그림 5">
             <a:extLst>
               <a:ext uri="{FF2B5EF4-FFF2-40B4-BE49-F238E27FC236}">
-                <a16:creationId xmlns:a16="http://schemas.microsoft.com/office/drawing/2014/main" id="{0D61F34E-54AE-ABA4-7671-7B8EF44811FA}"/>
+                <a16:creationId xmlns:a16="http://schemas.microsoft.com/office/drawing/2014/main" id="{74828CD9-4A56-54A6-9C33-4FF9A2B57BA4}"/>
+              </a:ext>
+            </a:extLst>
+          </p:cNvPr>
+          <p:cNvPicPr>
+            <a:picLocks noChangeAspect="1"/>
+          </p:cNvPicPr>
+          <p:nvPr/>
+        </p:nvPicPr>
+        <p:blipFill rotWithShape="1">
+          <a:blip r:embed="rId2"/>
+          <a:srcRect l="933"/>
+          <a:stretch/>
+        </p:blipFill>
+        <p:spPr>
+          <a:xfrm>
+            <a:off x="109728" y="860424"/>
+            <a:ext cx="11655552" cy="3399133"/>
+          </a:xfrm>
+          <a:prstGeom prst="rect">
+            <a:avLst/>
+          </a:prstGeom>
+        </p:spPr>
+      </p:pic>
+      <p:pic>
+        <p:nvPicPr>
+          <p:cNvPr id="8" name="그림 7">
+            <a:extLst>
+              <a:ext uri="{FF2B5EF4-FFF2-40B4-BE49-F238E27FC236}">
+                <a16:creationId xmlns:a16="http://schemas.microsoft.com/office/drawing/2014/main" id="{0B60FA16-D889-857D-EFA5-0239D24A9A97}"/>
+              </a:ext>
+            </a:extLst>
+          </p:cNvPr>
+          <p:cNvPicPr>
+            <a:picLocks noChangeAspect="1"/>
+          </p:cNvPicPr>
+          <p:nvPr/>
+        </p:nvPicPr>
+        <p:blipFill rotWithShape="1">
+          <a:blip r:embed="rId3"/>
+          <a:srcRect t="3817"/>
+          <a:stretch/>
+        </p:blipFill>
+        <p:spPr>
+          <a:xfrm>
+            <a:off x="5791200" y="2873032"/>
+            <a:ext cx="6200358" cy="3848444"/>
+          </a:xfrm>
+          <a:prstGeom prst="rect">
+            <a:avLst/>
+          </a:prstGeom>
+        </p:spPr>
+      </p:pic>
+      <p:sp>
+        <p:nvSpPr>
+          <p:cNvPr id="9" name="내용 개체 틀 1">
+            <a:extLst>
+              <a:ext uri="{FF2B5EF4-FFF2-40B4-BE49-F238E27FC236}">
+                <a16:creationId xmlns:a16="http://schemas.microsoft.com/office/drawing/2014/main" id="{0465D08E-A524-983F-4767-2610E6881D68}"/>
+              </a:ext>
+            </a:extLst>
+          </p:cNvPr>
+          <p:cNvSpPr txBox="1">
+            <a:spLocks/>
+          </p:cNvSpPr>
+          <p:nvPr/>
+        </p:nvSpPr>
+        <p:spPr>
+          <a:xfrm>
+            <a:off x="9174045" y="6076354"/>
+            <a:ext cx="3136392" cy="645121"/>
+          </a:xfrm>
+          <a:prstGeom prst="rect">
+            <a:avLst/>
+          </a:prstGeom>
+        </p:spPr>
+        <p:txBody>
+          <a:bodyPr vert="horz" lIns="91440" tIns="45720" rIns="91440" bIns="45720" rtlCol="0">
+            <a:normAutofit/>
+          </a:bodyPr>
+          <a:lstStyle>
+            <a:lvl1pPr marL="228600" indent="-228600" algn="l" defTabSz="914400" rtl="0" eaLnBrk="1" latinLnBrk="1" hangingPunct="1">
+              <a:lnSpc>
+                <a:spcPct val="90000"/>
+              </a:lnSpc>
+              <a:spcBef>
+                <a:spcPts val="1000"/>
+              </a:spcBef>
+              <a:buFont typeface="Arial" panose="020B0604020202020204" pitchFamily="34" charset="0"/>
+              <a:buChar char="•"/>
+              <a:defRPr sz="2800" kern="1200">
+                <a:solidFill>
+                  <a:schemeClr val="tx1"/>
+                </a:solidFill>
+                <a:latin typeface="+mn-lt"/>
+                <a:ea typeface="+mn-ea"/>
+                <a:cs typeface="+mn-cs"/>
+              </a:defRPr>
+            </a:lvl1pPr>
+            <a:lvl2pPr marL="685800" indent="-228600" algn="l" defTabSz="914400" rtl="0" eaLnBrk="1" latinLnBrk="1" hangingPunct="1">
+              <a:lnSpc>
+                <a:spcPct val="90000"/>
+              </a:lnSpc>
+              <a:spcBef>
+                <a:spcPts val="500"/>
+              </a:spcBef>
+              <a:buFont typeface="Arial" panose="020B0604020202020204" pitchFamily="34" charset="0"/>
+              <a:buChar char="•"/>
+              <a:defRPr sz="2400" kern="1200">
+                <a:solidFill>
+                  <a:schemeClr val="tx1"/>
+                </a:solidFill>
+                <a:latin typeface="+mn-lt"/>
+                <a:ea typeface="+mn-ea"/>
+                <a:cs typeface="+mn-cs"/>
+              </a:defRPr>
+            </a:lvl2pPr>
+            <a:lvl3pPr marL="1143000" indent="-228600" algn="l" defTabSz="914400" rtl="0" eaLnBrk="1" latinLnBrk="1" hangingPunct="1">
+              <a:lnSpc>
+                <a:spcPct val="90000"/>
+              </a:lnSpc>
+              <a:spcBef>
+                <a:spcPts val="500"/>
+              </a:spcBef>
+              <a:buFont typeface="Arial" panose="020B0604020202020204" pitchFamily="34" charset="0"/>
+              <a:buChar char="•"/>
+              <a:defRPr sz="2000" kern="1200">
+                <a:solidFill>
+                  <a:schemeClr val="tx1"/>
+                </a:solidFill>
+                <a:latin typeface="+mn-lt"/>
+                <a:ea typeface="+mn-ea"/>
+                <a:cs typeface="+mn-cs"/>
+              </a:defRPr>
+            </a:lvl3pPr>
+            <a:lvl4pPr marL="1600200" indent="-228600" algn="l" defTabSz="914400" rtl="0" eaLnBrk="1" latinLnBrk="1" hangingPunct="1">
+              <a:lnSpc>
+                <a:spcPct val="90000"/>
+              </a:lnSpc>
+              <a:spcBef>
+                <a:spcPts val="500"/>
+              </a:spcBef>
+              <a:buFont typeface="Arial" panose="020B0604020202020204" pitchFamily="34" charset="0"/>
+              <a:buChar char="•"/>
+              <a:defRPr sz="1800" kern="1200">
+                <a:solidFill>
+                  <a:schemeClr val="tx1"/>
+                </a:solidFill>
+                <a:latin typeface="+mn-lt"/>
+                <a:ea typeface="+mn-ea"/>
+                <a:cs typeface="+mn-cs"/>
+              </a:defRPr>
+            </a:lvl4pPr>
+            <a:lvl5pPr marL="2057400" indent="-228600" algn="l" defTabSz="914400" rtl="0" eaLnBrk="1" latinLnBrk="1" hangingPunct="1">
+              <a:lnSpc>
+                <a:spcPct val="90000"/>
+              </a:lnSpc>
+              <a:spcBef>
+                <a:spcPts val="500"/>
+              </a:spcBef>
+              <a:buFont typeface="Arial" panose="020B0604020202020204" pitchFamily="34" charset="0"/>
+              <a:buChar char="•"/>
+              <a:defRPr sz="1800" kern="1200">
+                <a:solidFill>
+                  <a:schemeClr val="tx1"/>
+                </a:solidFill>
+                <a:latin typeface="+mn-lt"/>
+                <a:ea typeface="+mn-ea"/>
+                <a:cs typeface="+mn-cs"/>
+              </a:defRPr>
+            </a:lvl5pPr>
+            <a:lvl6pPr marL="2514600" indent="-228600" algn="l" defTabSz="914400" rtl="0" eaLnBrk="1" latinLnBrk="1" hangingPunct="1">
+              <a:lnSpc>
+                <a:spcPct val="90000"/>
+              </a:lnSpc>
+              <a:spcBef>
+                <a:spcPts val="500"/>
+              </a:spcBef>
+              <a:buFont typeface="Arial" panose="020B0604020202020204" pitchFamily="34" charset="0"/>
+              <a:buChar char="•"/>
+              <a:defRPr sz="1800" kern="1200">
+                <a:solidFill>
+                  <a:schemeClr val="tx1"/>
+                </a:solidFill>
+                <a:latin typeface="+mn-lt"/>
+                <a:ea typeface="+mn-ea"/>
+                <a:cs typeface="+mn-cs"/>
+              </a:defRPr>
+            </a:lvl6pPr>
+            <a:lvl7pPr marL="2971800" indent="-228600" algn="l" defTabSz="914400" rtl="0" eaLnBrk="1" latinLnBrk="1" hangingPunct="1">
+              <a:lnSpc>
+                <a:spcPct val="90000"/>
+              </a:lnSpc>
+              <a:spcBef>
+                <a:spcPts val="500"/>
+              </a:spcBef>
+              <a:buFont typeface="Arial" panose="020B0604020202020204" pitchFamily="34" charset="0"/>
+              <a:buChar char="•"/>
+              <a:defRPr sz="1800" kern="1200">
+                <a:solidFill>
+                  <a:schemeClr val="tx1"/>
+                </a:solidFill>
+                <a:latin typeface="+mn-lt"/>
+                <a:ea typeface="+mn-ea"/>
+                <a:cs typeface="+mn-cs"/>
+              </a:defRPr>
+            </a:lvl7pPr>
+            <a:lvl8pPr marL="3429000" indent="-228600" algn="l" defTabSz="914400" rtl="0" eaLnBrk="1" latinLnBrk="1" hangingPunct="1">
+              <a:lnSpc>
+                <a:spcPct val="90000"/>
+              </a:lnSpc>
+              <a:spcBef>
+                <a:spcPts val="500"/>
+              </a:spcBef>
+              <a:buFont typeface="Arial" panose="020B0604020202020204" pitchFamily="34" charset="0"/>
+              <a:buChar char="•"/>
+              <a:defRPr sz="1800" kern="1200">
+                <a:solidFill>
+                  <a:schemeClr val="tx1"/>
+                </a:solidFill>
+                <a:latin typeface="+mn-lt"/>
+                <a:ea typeface="+mn-ea"/>
+                <a:cs typeface="+mn-cs"/>
+              </a:defRPr>
+            </a:lvl8pPr>
+            <a:lvl9pPr marL="3886200" indent="-228600" algn="l" defTabSz="914400" rtl="0" eaLnBrk="1" latinLnBrk="1" hangingPunct="1">
+              <a:lnSpc>
+                <a:spcPct val="90000"/>
+              </a:lnSpc>
+              <a:spcBef>
+                <a:spcPts val="500"/>
+              </a:spcBef>
+              <a:buFont typeface="Arial" panose="020B0604020202020204" pitchFamily="34" charset="0"/>
+              <a:buChar char="•"/>
+              <a:defRPr sz="1800" kern="1200">
+                <a:solidFill>
+                  <a:schemeClr val="tx1"/>
+                </a:solidFill>
+                <a:latin typeface="+mn-lt"/>
+                <a:ea typeface="+mn-ea"/>
+                <a:cs typeface="+mn-cs"/>
+              </a:defRPr>
+            </a:lvl9pPr>
+          </a:lstStyle>
+          <a:p>
+            <a:r>
+              <a:rPr lang="en-US" altLang="ko-KR" dirty="0"/>
+              <a:t>Swish = </a:t>
+            </a:r>
+            <a:r>
+              <a:rPr lang="en-US" altLang="ko-KR" dirty="0" err="1"/>
+              <a:t>SiLU</a:t>
+            </a:r>
+            <a:endParaRPr lang="en-US" altLang="ko-KR" dirty="0"/>
+          </a:p>
+        </p:txBody>
+      </p:sp>
+    </p:spTree>
+    <p:extLst>
+      <p:ext uri="{BB962C8B-B14F-4D97-AF65-F5344CB8AC3E}">
+        <p14:creationId xmlns:p14="http://schemas.microsoft.com/office/powerpoint/2010/main" val="2122877139"/>
+      </p:ext>
+    </p:extLst>
+  </p:cSld>
+  <p:clrMapOvr>
+    <a:masterClrMapping/>
+  </p:clrMapOvr>
+</p:sld>
+</file>
+
+<file path=ppt/slides/slide8.xml><?xml version="1.0" encoding="utf-8"?>
+<p:sld xmlns:a="http://schemas.openxmlformats.org/drawingml/2006/main" xmlns:r="http://schemas.openxmlformats.org/officeDocument/2006/relationships" xmlns:p="http://schemas.openxmlformats.org/presentationml/2006/main">
+  <p:cSld>
+    <p:spTree>
+      <p:nvGrpSpPr>
+        <p:cNvPr id="1" name=""/>
+        <p:cNvGrpSpPr/>
+        <p:nvPr/>
+      </p:nvGrpSpPr>
+      <p:grpSpPr>
+        <a:xfrm>
+          <a:off x="0" y="0"/>
+          <a:ext cx="0" cy="0"/>
+          <a:chOff x="0" y="0"/>
+          <a:chExt cx="0" cy="0"/>
+        </a:xfrm>
+      </p:grpSpPr>
+      <p:sp>
+        <p:nvSpPr>
+          <p:cNvPr id="2" name="내용 개체 틀 1">
+            <a:extLst>
+              <a:ext uri="{FF2B5EF4-FFF2-40B4-BE49-F238E27FC236}">
+                <a16:creationId xmlns:a16="http://schemas.microsoft.com/office/drawing/2014/main" id="{8E82D003-F98A-6429-CCAC-51584A21E4DB}"/>
+              </a:ext>
+            </a:extLst>
+          </p:cNvPr>
+          <p:cNvSpPr>
+            <a:spLocks noGrp="1"/>
+          </p:cNvSpPr>
+          <p:nvPr>
+            <p:ph idx="1"/>
+          </p:nvPr>
+        </p:nvSpPr>
+        <p:spPr/>
+        <p:txBody>
+          <a:bodyPr/>
+          <a:lstStyle/>
+          <a:p>
+            <a:endParaRPr lang="ko-KR" altLang="en-US"/>
+          </a:p>
+        </p:txBody>
+      </p:sp>
+      <p:sp>
+        <p:nvSpPr>
+          <p:cNvPr id="3" name="슬라이드 번호 개체 틀 2">
+            <a:extLst>
+              <a:ext uri="{FF2B5EF4-FFF2-40B4-BE49-F238E27FC236}">
+                <a16:creationId xmlns:a16="http://schemas.microsoft.com/office/drawing/2014/main" id="{E1B4386F-D67C-9C4E-2C43-122D489A78A6}"/>
+              </a:ext>
+            </a:extLst>
+          </p:cNvPr>
+          <p:cNvSpPr>
+            <a:spLocks noGrp="1"/>
+          </p:cNvSpPr>
+          <p:nvPr>
+            <p:ph type="sldNum" sz="quarter" idx="12"/>
+          </p:nvPr>
+        </p:nvSpPr>
+        <p:spPr/>
+        <p:txBody>
+          <a:bodyPr/>
+          <a:lstStyle/>
+          <a:p>
+            <a:fld id="{697E9AA7-29BF-4588-B153-0341F1751ACF}" type="slidenum">
+              <a:rPr lang="ko-KR" altLang="en-US" smtClean="0"/>
+              <a:t>8</a:t>
+            </a:fld>
+            <a:endParaRPr lang="ko-KR" altLang="en-US"/>
+          </a:p>
+        </p:txBody>
+      </p:sp>
+      <p:sp>
+        <p:nvSpPr>
+          <p:cNvPr id="4" name="제목 3">
+            <a:extLst>
+              <a:ext uri="{FF2B5EF4-FFF2-40B4-BE49-F238E27FC236}">
+                <a16:creationId xmlns:a16="http://schemas.microsoft.com/office/drawing/2014/main" id="{459133DB-E0F6-E9FE-F5C7-0B66BD9C1139}"/>
+              </a:ext>
+            </a:extLst>
+          </p:cNvPr>
+          <p:cNvSpPr>
+            <a:spLocks noGrp="1"/>
+          </p:cNvSpPr>
+          <p:nvPr>
+            <p:ph type="title"/>
+          </p:nvPr>
+        </p:nvSpPr>
+        <p:spPr/>
+        <p:txBody>
+          <a:bodyPr/>
+          <a:lstStyle/>
+          <a:p>
+            <a:r>
+              <a:rPr lang="en-US" altLang="ko-KR" dirty="0"/>
+              <a:t>MBConv6</a:t>
+            </a:r>
+            <a:endParaRPr lang="ko-KR" altLang="en-US" dirty="0"/>
+          </a:p>
+        </p:txBody>
+      </p:sp>
+      <p:pic>
+        <p:nvPicPr>
+          <p:cNvPr id="6" name="그림 5">
+            <a:extLst>
+              <a:ext uri="{FF2B5EF4-FFF2-40B4-BE49-F238E27FC236}">
+                <a16:creationId xmlns:a16="http://schemas.microsoft.com/office/drawing/2014/main" id="{AA7B4FBE-05DD-157B-19E9-3FA75C0D980B}"/>
               </a:ext>
             </a:extLst>
           </p:cNvPr>
@@ -8989,8 +7452,180 @@
         </p:blipFill>
         <p:spPr>
           <a:xfrm>
-            <a:off x="1070775" y="1952933"/>
-            <a:ext cx="3591128" cy="328600"/>
+            <a:off x="0" y="839088"/>
+            <a:ext cx="12192000" cy="3835591"/>
+          </a:xfrm>
+          <a:prstGeom prst="rect">
+            <a:avLst/>
+          </a:prstGeom>
+        </p:spPr>
+      </p:pic>
+      <p:pic>
+        <p:nvPicPr>
+          <p:cNvPr id="7" name="그림 6">
+            <a:extLst>
+              <a:ext uri="{FF2B5EF4-FFF2-40B4-BE49-F238E27FC236}">
+                <a16:creationId xmlns:a16="http://schemas.microsoft.com/office/drawing/2014/main" id="{54856FBD-1763-5682-242B-31998783375D}"/>
+              </a:ext>
+            </a:extLst>
+          </p:cNvPr>
+          <p:cNvPicPr>
+            <a:picLocks noChangeAspect="1"/>
+          </p:cNvPicPr>
+          <p:nvPr/>
+        </p:nvPicPr>
+        <p:blipFill rotWithShape="1">
+          <a:blip r:embed="rId3"/>
+          <a:srcRect l="69018" t="3816" b="19087"/>
+          <a:stretch/>
+        </p:blipFill>
+        <p:spPr>
+          <a:xfrm>
+            <a:off x="8112298" y="2592345"/>
+            <a:ext cx="2470357" cy="3966952"/>
+          </a:xfrm>
+          <a:prstGeom prst="rect">
+            <a:avLst/>
+          </a:prstGeom>
+        </p:spPr>
+      </p:pic>
+    </p:spTree>
+    <p:extLst>
+      <p:ext uri="{BB962C8B-B14F-4D97-AF65-F5344CB8AC3E}">
+        <p14:creationId xmlns:p14="http://schemas.microsoft.com/office/powerpoint/2010/main" val="34776703"/>
+      </p:ext>
+    </p:extLst>
+  </p:cSld>
+  <p:clrMapOvr>
+    <a:masterClrMapping/>
+  </p:clrMapOvr>
+</p:sld>
+</file>
+
+<file path=ppt/slides/slide9.xml><?xml version="1.0" encoding="utf-8"?>
+<p:sld xmlns:a="http://schemas.openxmlformats.org/drawingml/2006/main" xmlns:r="http://schemas.openxmlformats.org/officeDocument/2006/relationships" xmlns:p="http://schemas.openxmlformats.org/presentationml/2006/main">
+  <p:cSld>
+    <p:spTree>
+      <p:nvGrpSpPr>
+        <p:cNvPr id="1" name=""/>
+        <p:cNvGrpSpPr/>
+        <p:nvPr/>
+      </p:nvGrpSpPr>
+      <p:grpSpPr>
+        <a:xfrm>
+          <a:off x="0" y="0"/>
+          <a:ext cx="0" cy="0"/>
+          <a:chOff x="0" y="0"/>
+          <a:chExt cx="0" cy="0"/>
+        </a:xfrm>
+      </p:grpSpPr>
+      <p:sp>
+        <p:nvSpPr>
+          <p:cNvPr id="2" name="내용 개체 틀 1">
+            <a:extLst>
+              <a:ext uri="{FF2B5EF4-FFF2-40B4-BE49-F238E27FC236}">
+                <a16:creationId xmlns:a16="http://schemas.microsoft.com/office/drawing/2014/main" id="{B53639F2-FAFA-EB5A-232C-32617A9F9510}"/>
+              </a:ext>
+            </a:extLst>
+          </p:cNvPr>
+          <p:cNvSpPr>
+            <a:spLocks noGrp="1"/>
+          </p:cNvSpPr>
+          <p:nvPr>
+            <p:ph idx="1"/>
+          </p:nvPr>
+        </p:nvSpPr>
+        <p:spPr/>
+        <p:txBody>
+          <a:bodyPr/>
+          <a:lstStyle/>
+          <a:p>
+            <a:endParaRPr lang="ko-KR" altLang="en-US"/>
+          </a:p>
+        </p:txBody>
+      </p:sp>
+      <p:sp>
+        <p:nvSpPr>
+          <p:cNvPr id="3" name="슬라이드 번호 개체 틀 2">
+            <a:extLst>
+              <a:ext uri="{FF2B5EF4-FFF2-40B4-BE49-F238E27FC236}">
+                <a16:creationId xmlns:a16="http://schemas.microsoft.com/office/drawing/2014/main" id="{FF7F3D8F-87CA-AB09-C37D-F6D460D4AE97}"/>
+              </a:ext>
+            </a:extLst>
+          </p:cNvPr>
+          <p:cNvSpPr>
+            <a:spLocks noGrp="1"/>
+          </p:cNvSpPr>
+          <p:nvPr>
+            <p:ph type="sldNum" sz="quarter" idx="12"/>
+          </p:nvPr>
+        </p:nvSpPr>
+        <p:spPr/>
+        <p:txBody>
+          <a:bodyPr/>
+          <a:lstStyle/>
+          <a:p>
+            <a:fld id="{697E9AA7-29BF-4588-B153-0341F1751ACF}" type="slidenum">
+              <a:rPr lang="ko-KR" altLang="en-US" smtClean="0"/>
+              <a:t>9</a:t>
+            </a:fld>
+            <a:endParaRPr lang="ko-KR" altLang="en-US"/>
+          </a:p>
+        </p:txBody>
+      </p:sp>
+      <p:sp>
+        <p:nvSpPr>
+          <p:cNvPr id="4" name="제목 3">
+            <a:extLst>
+              <a:ext uri="{FF2B5EF4-FFF2-40B4-BE49-F238E27FC236}">
+                <a16:creationId xmlns:a16="http://schemas.microsoft.com/office/drawing/2014/main" id="{FDE4F7C2-4ABB-978A-F933-01329F0CEDCA}"/>
+              </a:ext>
+            </a:extLst>
+          </p:cNvPr>
+          <p:cNvSpPr>
+            <a:spLocks noGrp="1"/>
+          </p:cNvSpPr>
+          <p:nvPr>
+            <p:ph type="title"/>
+          </p:nvPr>
+        </p:nvSpPr>
+        <p:spPr/>
+        <p:txBody>
+          <a:bodyPr/>
+          <a:lstStyle/>
+          <a:p>
+            <a:r>
+              <a:rPr lang="en-US" altLang="ko-KR" dirty="0"/>
+              <a:t>EfficientNetB0</a:t>
+            </a:r>
+            <a:endParaRPr lang="ko-KR" altLang="en-US" dirty="0"/>
+          </a:p>
+        </p:txBody>
+      </p:sp>
+      <p:pic>
+        <p:nvPicPr>
+          <p:cNvPr id="6" name="그림 5">
+            <a:extLst>
+              <a:ext uri="{FF2B5EF4-FFF2-40B4-BE49-F238E27FC236}">
+                <a16:creationId xmlns:a16="http://schemas.microsoft.com/office/drawing/2014/main" id="{5E230444-5C05-ECFA-24C1-6D677DF0EAAF}"/>
+              </a:ext>
+            </a:extLst>
+          </p:cNvPr>
+          <p:cNvPicPr>
+            <a:picLocks noChangeAspect="1"/>
+          </p:cNvPicPr>
+          <p:nvPr/>
+        </p:nvPicPr>
+        <p:blipFill>
+          <a:blip r:embed="rId2"/>
+          <a:stretch>
+            <a:fillRect/>
+          </a:stretch>
+        </p:blipFill>
+        <p:spPr>
+          <a:xfrm>
+            <a:off x="172500" y="716915"/>
+            <a:ext cx="7180459" cy="6141085"/>
           </a:xfrm>
           <a:prstGeom prst="rect">
             <a:avLst/>
@@ -9002,7 +7637,7 @@
           <p:cNvPr id="8" name="그림 7">
             <a:extLst>
               <a:ext uri="{FF2B5EF4-FFF2-40B4-BE49-F238E27FC236}">
-                <a16:creationId xmlns:a16="http://schemas.microsoft.com/office/drawing/2014/main" id="{F259F6E6-013E-AD4E-4E0F-F5F3C1DE93AC}"/>
+                <a16:creationId xmlns:a16="http://schemas.microsoft.com/office/drawing/2014/main" id="{D05BE03B-BE61-DB43-74AA-9512762ED016}"/>
               </a:ext>
             </a:extLst>
           </p:cNvPr>
@@ -9011,15 +7646,16 @@
           </p:cNvPicPr>
           <p:nvPr/>
         </p:nvPicPr>
-        <p:blipFill rotWithShape="1">
+        <p:blipFill>
           <a:blip r:embed="rId3"/>
-          <a:srcRect l="20975" t="11629" b="20635"/>
-          <a:stretch/>
+          <a:stretch>
+            <a:fillRect/>
+          </a:stretch>
         </p:blipFill>
         <p:spPr>
           <a:xfrm>
-            <a:off x="5669116" y="1226411"/>
-            <a:ext cx="310980" cy="328069"/>
+            <a:off x="7529222" y="3927136"/>
+            <a:ext cx="3296110" cy="2429214"/>
           </a:xfrm>
           <a:prstGeom prst="rect">
             <a:avLst/>
@@ -9028,10 +7664,10 @@
       </p:pic>
       <p:pic>
         <p:nvPicPr>
-          <p:cNvPr id="4098" name="Picture 2">
-            <a:extLst>
-              <a:ext uri="{FF2B5EF4-FFF2-40B4-BE49-F238E27FC236}">
-                <a16:creationId xmlns:a16="http://schemas.microsoft.com/office/drawing/2014/main" id="{A5941387-7B59-36D9-0F04-1936ED2FCFC9}"/>
+          <p:cNvPr id="1028" name="Picture 4">
+            <a:extLst>
+              <a:ext uri="{FF2B5EF4-FFF2-40B4-BE49-F238E27FC236}">
+                <a16:creationId xmlns:a16="http://schemas.microsoft.com/office/drawing/2014/main" id="{BE00C619-9D59-EBD7-2B6C-F98EE06DD5E4}"/>
               </a:ext>
             </a:extLst>
           </p:cNvPr>
@@ -9055,8 +7691,8 @@
         </p:blipFill>
         <p:spPr bwMode="auto">
           <a:xfrm>
-            <a:off x="106159" y="2303641"/>
-            <a:ext cx="4037582" cy="2505829"/>
+            <a:off x="7396312" y="999446"/>
+            <a:ext cx="4623188" cy="2869271"/>
           </a:xfrm>
           <a:prstGeom prst="rect">
             <a:avLst/>
@@ -9073,283 +7709,10 @@
           </a:extLst>
         </p:spPr>
       </p:pic>
-      <p:pic>
-        <p:nvPicPr>
-          <p:cNvPr id="11" name="그림 10">
-            <a:extLst>
-              <a:ext uri="{FF2B5EF4-FFF2-40B4-BE49-F238E27FC236}">
-                <a16:creationId xmlns:a16="http://schemas.microsoft.com/office/drawing/2014/main" id="{691FF6B9-B995-EE1C-80AF-D652589A2A31}"/>
-              </a:ext>
-            </a:extLst>
-          </p:cNvPr>
-          <p:cNvPicPr>
-            <a:picLocks noChangeAspect="1"/>
-          </p:cNvPicPr>
-          <p:nvPr/>
-        </p:nvPicPr>
-        <p:blipFill>
-          <a:blip r:embed="rId5"/>
-          <a:stretch>
-            <a:fillRect/>
-          </a:stretch>
-        </p:blipFill>
-        <p:spPr>
-          <a:xfrm>
-            <a:off x="8055256" y="2303641"/>
-            <a:ext cx="754213" cy="295770"/>
-          </a:xfrm>
-          <a:prstGeom prst="rect">
-            <a:avLst/>
-          </a:prstGeom>
-        </p:spPr>
-      </p:pic>
-      <p:pic>
-        <p:nvPicPr>
-          <p:cNvPr id="13" name="그림 12">
-            <a:extLst>
-              <a:ext uri="{FF2B5EF4-FFF2-40B4-BE49-F238E27FC236}">
-                <a16:creationId xmlns:a16="http://schemas.microsoft.com/office/drawing/2014/main" id="{385B8355-643A-63E9-55A0-FF6482C9CABC}"/>
-              </a:ext>
-            </a:extLst>
-          </p:cNvPr>
-          <p:cNvPicPr>
-            <a:picLocks noChangeAspect="1"/>
-          </p:cNvPicPr>
-          <p:nvPr/>
-        </p:nvPicPr>
-        <p:blipFill>
-          <a:blip r:embed="rId6"/>
-          <a:stretch>
-            <a:fillRect/>
-          </a:stretch>
-        </p:blipFill>
-        <p:spPr>
-          <a:xfrm>
-            <a:off x="6654236" y="2635170"/>
-            <a:ext cx="3165933" cy="269963"/>
-          </a:xfrm>
-          <a:prstGeom prst="rect">
-            <a:avLst/>
-          </a:prstGeom>
-        </p:spPr>
-      </p:pic>
-      <p:pic>
-        <p:nvPicPr>
-          <p:cNvPr id="14" name="그림 13">
-            <a:extLst>
-              <a:ext uri="{FF2B5EF4-FFF2-40B4-BE49-F238E27FC236}">
-                <a16:creationId xmlns:a16="http://schemas.microsoft.com/office/drawing/2014/main" id="{9070D00E-BAF5-ABD7-A47C-36CD6A29AD22}"/>
-              </a:ext>
-            </a:extLst>
-          </p:cNvPr>
-          <p:cNvPicPr>
-            <a:picLocks noChangeAspect="1"/>
-          </p:cNvPicPr>
-          <p:nvPr/>
-        </p:nvPicPr>
-        <p:blipFill>
-          <a:blip r:embed="rId5"/>
-          <a:stretch>
-            <a:fillRect/>
-          </a:stretch>
-        </p:blipFill>
-        <p:spPr>
-          <a:xfrm>
-            <a:off x="6733858" y="2891267"/>
-            <a:ext cx="754213" cy="295770"/>
-          </a:xfrm>
-          <a:prstGeom prst="rect">
-            <a:avLst/>
-          </a:prstGeom>
-        </p:spPr>
-      </p:pic>
-      <p:pic>
-        <p:nvPicPr>
-          <p:cNvPr id="4100" name="Picture 4">
-            <a:extLst>
-              <a:ext uri="{FF2B5EF4-FFF2-40B4-BE49-F238E27FC236}">
-                <a16:creationId xmlns:a16="http://schemas.microsoft.com/office/drawing/2014/main" id="{41DEE248-47CB-E284-EC0C-1D93D2D6D4E7}"/>
-              </a:ext>
-            </a:extLst>
-          </p:cNvPr>
-          <p:cNvPicPr>
-            <a:picLocks noChangeAspect="1" noChangeArrowheads="1"/>
-          </p:cNvPicPr>
-          <p:nvPr/>
-        </p:nvPicPr>
-        <p:blipFill>
-          <a:blip r:embed="rId7">
-            <a:extLst>
-              <a:ext uri="{28A0092B-C50C-407E-A947-70E740481C1C}">
-                <a14:useLocalDpi xmlns:a14="http://schemas.microsoft.com/office/drawing/2010/main" val="0"/>
-              </a:ext>
-            </a:extLst>
-          </a:blip>
-          <a:srcRect/>
-          <a:stretch>
-            <a:fillRect/>
-          </a:stretch>
-        </p:blipFill>
-        <p:spPr bwMode="auto">
-          <a:xfrm>
-            <a:off x="8091844" y="3971499"/>
-            <a:ext cx="3698383" cy="2567413"/>
-          </a:xfrm>
-          <a:prstGeom prst="rect">
-            <a:avLst/>
-          </a:prstGeom>
-          <a:noFill/>
-          <a:extLst>
-            <a:ext uri="{909E8E84-426E-40DD-AFC4-6F175D3DCCD1}">
-              <a14:hiddenFill xmlns:a14="http://schemas.microsoft.com/office/drawing/2010/main">
-                <a:solidFill>
-                  <a:srgbClr val="FFFFFF"/>
-                </a:solidFill>
-              </a14:hiddenFill>
-            </a:ext>
-          </a:extLst>
-        </p:spPr>
-      </p:pic>
-      <p:sp>
-        <p:nvSpPr>
-          <p:cNvPr id="15" name="TextBox 14">
-            <a:extLst>
-              <a:ext uri="{FF2B5EF4-FFF2-40B4-BE49-F238E27FC236}">
-                <a16:creationId xmlns:a16="http://schemas.microsoft.com/office/drawing/2014/main" id="{3404A416-727E-2E14-F545-0DBD838B2661}"/>
-              </a:ext>
-            </a:extLst>
-          </p:cNvPr>
-          <p:cNvSpPr txBox="1"/>
-          <p:nvPr/>
-        </p:nvSpPr>
-        <p:spPr>
-          <a:xfrm>
-            <a:off x="78737" y="5657940"/>
-            <a:ext cx="3326681" cy="646331"/>
-          </a:xfrm>
-          <a:prstGeom prst="rect">
-            <a:avLst/>
-          </a:prstGeom>
-          <a:noFill/>
-        </p:spPr>
-        <p:txBody>
-          <a:bodyPr wrap="square" rtlCol="0">
-            <a:spAutoFit/>
-          </a:bodyPr>
-          <a:lstStyle/>
-          <a:p>
-            <a:r>
-              <a:rPr lang="en-US" altLang="ko-KR"/>
-              <a:t>MBConv : MobileNet</a:t>
-            </a:r>
-            <a:r>
-              <a:rPr lang="ko-KR" altLang="en-US"/>
-              <a:t>논문에서 제시한 </a:t>
-            </a:r>
-            <a:r>
-              <a:rPr lang="en-US" altLang="ko-KR"/>
-              <a:t>Conv layer block</a:t>
-            </a:r>
-            <a:endParaRPr lang="ko-KR" altLang="en-US"/>
-          </a:p>
-        </p:txBody>
-      </p:sp>
-      <p:pic>
-        <p:nvPicPr>
-          <p:cNvPr id="4102" name="Picture 6">
-            <a:extLst>
-              <a:ext uri="{FF2B5EF4-FFF2-40B4-BE49-F238E27FC236}">
-                <a16:creationId xmlns:a16="http://schemas.microsoft.com/office/drawing/2014/main" id="{D44A9C6C-4D85-2981-4A3D-FD24B35A4A28}"/>
-              </a:ext>
-            </a:extLst>
-          </p:cNvPr>
-          <p:cNvPicPr>
-            <a:picLocks noChangeAspect="1" noChangeArrowheads="1"/>
-          </p:cNvPicPr>
-          <p:nvPr/>
-        </p:nvPicPr>
-        <p:blipFill>
-          <a:blip r:embed="rId8">
-            <a:extLst>
-              <a:ext uri="{28A0092B-C50C-407E-A947-70E740481C1C}">
-                <a14:useLocalDpi xmlns:a14="http://schemas.microsoft.com/office/drawing/2010/main" val="0"/>
-              </a:ext>
-            </a:extLst>
-          </a:blip>
-          <a:srcRect/>
-          <a:stretch>
-            <a:fillRect/>
-          </a:stretch>
-        </p:blipFill>
-        <p:spPr bwMode="auto">
-          <a:xfrm>
-            <a:off x="3959131" y="4187274"/>
-            <a:ext cx="4096125" cy="2425383"/>
-          </a:xfrm>
-          <a:prstGeom prst="rect">
-            <a:avLst/>
-          </a:prstGeom>
-          <a:noFill/>
-          <a:extLst>
-            <a:ext uri="{909E8E84-426E-40DD-AFC4-6F175D3DCCD1}">
-              <a14:hiddenFill xmlns:a14="http://schemas.microsoft.com/office/drawing/2010/main">
-                <a:solidFill>
-                  <a:srgbClr val="FFFFFF"/>
-                </a:solidFill>
-              </a14:hiddenFill>
-            </a:ext>
-          </a:extLst>
-        </p:spPr>
-      </p:pic>
-      <p:sp>
-        <p:nvSpPr>
-          <p:cNvPr id="17" name="TextBox 16">
-            <a:extLst>
-              <a:ext uri="{FF2B5EF4-FFF2-40B4-BE49-F238E27FC236}">
-                <a16:creationId xmlns:a16="http://schemas.microsoft.com/office/drawing/2014/main" id="{044D63E0-58F0-1A59-4E76-6636D816CBC3}"/>
-              </a:ext>
-            </a:extLst>
-          </p:cNvPr>
-          <p:cNvSpPr txBox="1"/>
-          <p:nvPr/>
-        </p:nvSpPr>
-        <p:spPr>
-          <a:xfrm>
-            <a:off x="367937" y="6303757"/>
-            <a:ext cx="2891630" cy="369332"/>
-          </a:xfrm>
-          <a:prstGeom prst="rect">
-            <a:avLst/>
-          </a:prstGeom>
-          <a:noFill/>
-        </p:spPr>
-        <p:txBody>
-          <a:bodyPr wrap="square">
-            <a:spAutoFit/>
-          </a:bodyPr>
-          <a:lstStyle/>
-          <a:p>
-            <a:r>
-              <a:rPr lang="en-US" altLang="ko-KR" b="0" i="0">
-                <a:solidFill>
-                  <a:srgbClr val="333333"/>
-                </a:solidFill>
-                <a:effectLst/>
-                <a:highlight>
-                  <a:srgbClr val="FAFAFA"/>
-                </a:highlight>
-                <a:latin typeface="AppleSDGothicNeo-Regular"/>
-              </a:rPr>
-              <a:t>Narrow → Wide → Narrow</a:t>
-            </a:r>
-            <a:endParaRPr lang="ko-KR" altLang="en-US"/>
-          </a:p>
-        </p:txBody>
-      </p:sp>
     </p:spTree>
     <p:extLst>
       <p:ext uri="{BB962C8B-B14F-4D97-AF65-F5344CB8AC3E}">
-        <p14:creationId xmlns:p14="http://schemas.microsoft.com/office/powerpoint/2010/main" val="247351059"/>
+        <p14:creationId xmlns:p14="http://schemas.microsoft.com/office/powerpoint/2010/main" val="2954819356"/>
       </p:ext>
     </p:extLst>
   </p:cSld>
